--- a/React SIG 3 slides.pptx
+++ b/React SIG 3 slides.pptx
@@ -4058,7 +4058,7 @@
         <p:spPr>
           <a:xfrm>
             <a:off x="7200000" y="360000"/>
-            <a:ext cx="1248480" cy="276120"/>
+            <a:ext cx="1248120" cy="275760"/>
           </a:xfrm>
           <a:prstGeom prst="rect">
             <a:avLst/>
@@ -4081,7 +4081,7 @@
         <p:spPr>
           <a:xfrm>
             <a:off x="0" y="4966560"/>
-            <a:ext cx="9133560" cy="166320"/>
+            <a:ext cx="9133200" cy="165960"/>
           </a:xfrm>
           <a:prstGeom prst="rect">
             <a:avLst/>
@@ -4138,7 +4138,7 @@
         <p:spPr>
           <a:xfrm>
             <a:off x="0" y="4966560"/>
-            <a:ext cx="9133560" cy="166320"/>
+            <a:ext cx="9133200" cy="165960"/>
           </a:xfrm>
           <a:prstGeom prst="rect">
             <a:avLst/>
@@ -4161,7 +4161,7 @@
         <p:spPr>
           <a:xfrm>
             <a:off x="648000" y="108000"/>
-            <a:ext cx="2869920" cy="638640"/>
+            <a:ext cx="2869560" cy="638280"/>
           </a:xfrm>
           <a:prstGeom prst="rect">
             <a:avLst/>
@@ -4442,7 +4442,7 @@
         <p:spPr>
           <a:xfrm>
             <a:off x="7200000" y="360000"/>
-            <a:ext cx="1248480" cy="276120"/>
+            <a:ext cx="1248120" cy="275760"/>
           </a:xfrm>
           <a:prstGeom prst="rect">
             <a:avLst/>
@@ -4465,7 +4465,7 @@
         <p:spPr>
           <a:xfrm>
             <a:off x="0" y="4966560"/>
-            <a:ext cx="9133560" cy="166320"/>
+            <a:ext cx="9133200" cy="165960"/>
           </a:xfrm>
           <a:prstGeom prst="rect">
             <a:avLst/>
@@ -4780,7 +4780,7 @@
         <p:spPr>
           <a:xfrm>
             <a:off x="7200000" y="360000"/>
-            <a:ext cx="1248480" cy="276120"/>
+            <a:ext cx="1248120" cy="275760"/>
           </a:xfrm>
           <a:prstGeom prst="rect">
             <a:avLst/>
@@ -4803,7 +4803,7 @@
         <p:spPr>
           <a:xfrm>
             <a:off x="0" y="4966560"/>
-            <a:ext cx="9133560" cy="166320"/>
+            <a:ext cx="9133200" cy="165960"/>
           </a:xfrm>
           <a:prstGeom prst="rect">
             <a:avLst/>
@@ -4856,7 +4856,7 @@
         <p:spPr>
           <a:xfrm>
             <a:off x="0" y="812880"/>
-            <a:ext cx="9133560" cy="3499560"/>
+            <a:ext cx="9133200" cy="3499200"/>
           </a:xfrm>
           <a:prstGeom prst="rect">
             <a:avLst/>
@@ -4910,139 +4910,7 @@
               <a:rPr b="0" lang="en-US" sz="4400" spc="-1" strike="noStrike">
                 <a:latin typeface="Arial"/>
               </a:rPr>
-              <a:t>C</a:t>
-            </a:r>
-            <a:r>
-              <a:rPr b="0" lang="en-US" sz="4400" spc="-1" strike="noStrike">
-                <a:latin typeface="Arial"/>
-              </a:rPr>
-              <a:t>li</a:t>
-            </a:r>
-            <a:r>
-              <a:rPr b="0" lang="en-US" sz="4400" spc="-1" strike="noStrike">
-                <a:latin typeface="Arial"/>
-              </a:rPr>
-              <a:t>c</a:t>
-            </a:r>
-            <a:r>
-              <a:rPr b="0" lang="en-US" sz="4400" spc="-1" strike="noStrike">
-                <a:latin typeface="Arial"/>
-              </a:rPr>
-              <a:t>k </a:t>
-            </a:r>
-            <a:r>
-              <a:rPr b="0" lang="en-US" sz="4400" spc="-1" strike="noStrike">
-                <a:latin typeface="Arial"/>
-              </a:rPr>
-              <a:t>t</a:t>
-            </a:r>
-            <a:r>
-              <a:rPr b="0" lang="en-US" sz="4400" spc="-1" strike="noStrike">
-                <a:latin typeface="Arial"/>
-              </a:rPr>
-              <a:t>o </a:t>
-            </a:r>
-            <a:r>
-              <a:rPr b="0" lang="en-US" sz="4400" spc="-1" strike="noStrike">
-                <a:latin typeface="Arial"/>
-              </a:rPr>
-              <a:t>e</a:t>
-            </a:r>
-            <a:r>
-              <a:rPr b="0" lang="en-US" sz="4400" spc="-1" strike="noStrike">
-                <a:latin typeface="Arial"/>
-              </a:rPr>
-              <a:t>di</a:t>
-            </a:r>
-            <a:r>
-              <a:rPr b="0" lang="en-US" sz="4400" spc="-1" strike="noStrike">
-                <a:latin typeface="Arial"/>
-              </a:rPr>
-              <a:t>t </a:t>
-            </a:r>
-            <a:r>
-              <a:rPr b="0" lang="en-US" sz="4400" spc="-1" strike="noStrike">
-                <a:latin typeface="Arial"/>
-              </a:rPr>
-              <a:t>t</a:t>
-            </a:r>
-            <a:r>
-              <a:rPr b="0" lang="en-US" sz="4400" spc="-1" strike="noStrike">
-                <a:latin typeface="Arial"/>
-              </a:rPr>
-              <a:t>h</a:t>
-            </a:r>
-            <a:r>
-              <a:rPr b="0" lang="en-US" sz="4400" spc="-1" strike="noStrike">
-                <a:latin typeface="Arial"/>
-              </a:rPr>
-              <a:t>e </a:t>
-            </a:r>
-            <a:r>
-              <a:rPr b="0" lang="en-US" sz="4400" spc="-1" strike="noStrike">
-                <a:latin typeface="Arial"/>
-              </a:rPr>
-              <a:t>tit</a:t>
-            </a:r>
-            <a:r>
-              <a:rPr b="0" lang="en-US" sz="4400" spc="-1" strike="noStrike">
-                <a:latin typeface="Arial"/>
-              </a:rPr>
-              <a:t>le </a:t>
-            </a:r>
-            <a:r>
-              <a:rPr b="0" lang="en-US" sz="4400" spc="-1" strike="noStrike">
-                <a:latin typeface="Arial"/>
-              </a:rPr>
-              <a:t>t</a:t>
-            </a:r>
-            <a:r>
-              <a:rPr b="0" lang="en-US" sz="4400" spc="-1" strike="noStrike">
-                <a:latin typeface="Arial"/>
-              </a:rPr>
-              <a:t>e</a:t>
-            </a:r>
-            <a:r>
-              <a:rPr b="0" lang="en-US" sz="4400" spc="-1" strike="noStrike">
-                <a:latin typeface="Arial"/>
-              </a:rPr>
-              <a:t>xt </a:t>
-            </a:r>
-            <a:r>
-              <a:rPr b="0" lang="en-US" sz="4400" spc="-1" strike="noStrike">
-                <a:latin typeface="Arial"/>
-              </a:rPr>
-              <a:t>f</a:t>
-            </a:r>
-            <a:r>
-              <a:rPr b="0" lang="en-US" sz="4400" spc="-1" strike="noStrike">
-                <a:latin typeface="Arial"/>
-              </a:rPr>
-              <a:t>o</a:t>
-            </a:r>
-            <a:r>
-              <a:rPr b="0" lang="en-US" sz="4400" spc="-1" strike="noStrike">
-                <a:latin typeface="Arial"/>
-              </a:rPr>
-              <a:t>r</a:t>
-            </a:r>
-            <a:r>
-              <a:rPr b="0" lang="en-US" sz="4400" spc="-1" strike="noStrike">
-                <a:latin typeface="Arial"/>
-              </a:rPr>
-              <a:t>m</a:t>
-            </a:r>
-            <a:r>
-              <a:rPr b="0" lang="en-US" sz="4400" spc="-1" strike="noStrike">
-                <a:latin typeface="Arial"/>
-              </a:rPr>
-              <a:t>a</a:t>
-            </a:r>
-            <a:r>
-              <a:rPr b="0" lang="en-US" sz="4400" spc="-1" strike="noStrike">
-                <a:latin typeface="Arial"/>
-              </a:rPr>
-              <a:t>t</a:t>
+              <a:t>Click to edit the title text format</a:t>
             </a:r>
             <a:endParaRPr b="0" lang="en-US" sz="4400" spc="-1" strike="noStrike">
               <a:latin typeface="Arial"/>
@@ -5280,7 +5148,7 @@
         <p:spPr>
           <a:xfrm>
             <a:off x="0" y="810000"/>
-            <a:ext cx="9133560" cy="3337560"/>
+            <a:ext cx="9133200" cy="3337200"/>
           </a:xfrm>
           <a:prstGeom prst="rect">
             <a:avLst/>
@@ -5302,7 +5170,7 @@
         <p:spPr>
           <a:xfrm>
             <a:off x="5400000" y="1548000"/>
-            <a:ext cx="3013560" cy="3013560"/>
+            <a:ext cx="3013200" cy="3013200"/>
           </a:xfrm>
           <a:prstGeom prst="rect">
             <a:avLst/>
@@ -5416,14 +5284,14 @@
       </p:grpSpPr>
       <p:sp>
         <p:nvSpPr>
-          <p:cNvPr id="186" name="CustomShape 1"/>
+          <p:cNvPr id="191" name="CustomShape 1"/>
           <p:cNvSpPr/>
           <p:nvPr/>
         </p:nvSpPr>
         <p:spPr>
           <a:xfrm>
             <a:off x="720000" y="288000"/>
-            <a:ext cx="6613560" cy="493560"/>
+            <a:ext cx="6613200" cy="493200"/>
           </a:xfrm>
           <a:prstGeom prst="rect">
             <a:avLst/>
@@ -5465,14 +5333,14 @@
       </p:sp>
       <p:sp>
         <p:nvSpPr>
-          <p:cNvPr id="187" name="CustomShape 2"/>
+          <p:cNvPr id="192" name="CustomShape 2"/>
           <p:cNvSpPr/>
           <p:nvPr/>
         </p:nvSpPr>
         <p:spPr>
           <a:xfrm>
             <a:off x="4968000" y="5004000"/>
-            <a:ext cx="3229560" cy="97560"/>
+            <a:ext cx="3229200" cy="97200"/>
           </a:xfrm>
           <a:prstGeom prst="rect">
             <a:avLst/>
@@ -5514,14 +5382,14 @@
       </p:sp>
       <p:sp>
         <p:nvSpPr>
-          <p:cNvPr id="188" name="CustomShape 3"/>
+          <p:cNvPr id="193" name="CustomShape 3"/>
           <p:cNvSpPr/>
           <p:nvPr/>
         </p:nvSpPr>
         <p:spPr>
           <a:xfrm>
             <a:off x="8280000" y="5004000"/>
-            <a:ext cx="133560" cy="97560"/>
+            <a:ext cx="133200" cy="97200"/>
           </a:xfrm>
           <a:prstGeom prst="rect">
             <a:avLst/>
@@ -5545,7 +5413,7 @@
                 <a:spcPct val="100000"/>
               </a:lnSpc>
             </a:pPr>
-            <a:fld id="{B826EC2C-5B74-4E69-BFEC-3E06510ACB58}" type="slidenum">
+            <a:fld id="{BF46B2C0-81A3-4932-A06D-D973DBC39B2A}" type="slidenum">
               <a:rPr b="0" lang="en-US" sz="600" spc="-1" strike="noStrike">
                 <a:solidFill>
                   <a:srgbClr val="ffffff"/>
@@ -5563,14 +5431,14 @@
       </p:sp>
       <p:sp>
         <p:nvSpPr>
-          <p:cNvPr id="189" name="CustomShape 4"/>
+          <p:cNvPr id="194" name="CustomShape 4"/>
           <p:cNvSpPr/>
           <p:nvPr/>
         </p:nvSpPr>
         <p:spPr>
           <a:xfrm>
             <a:off x="602640" y="504720"/>
-            <a:ext cx="6613560" cy="3876840"/>
+            <a:ext cx="6613200" cy="3876480"/>
           </a:xfrm>
           <a:prstGeom prst="rect">
             <a:avLst/>
@@ -5661,14 +5529,14 @@
       </p:grpSpPr>
       <p:sp>
         <p:nvSpPr>
-          <p:cNvPr id="190" name="CustomShape 1"/>
+          <p:cNvPr id="195" name="CustomShape 1"/>
           <p:cNvSpPr/>
           <p:nvPr/>
         </p:nvSpPr>
         <p:spPr>
           <a:xfrm>
             <a:off x="720000" y="288000"/>
-            <a:ext cx="6613560" cy="493560"/>
+            <a:ext cx="6613200" cy="493200"/>
           </a:xfrm>
           <a:prstGeom prst="rect">
             <a:avLst/>
@@ -5710,14 +5578,14 @@
       </p:sp>
       <p:sp>
         <p:nvSpPr>
-          <p:cNvPr id="191" name="CustomShape 2"/>
+          <p:cNvPr id="196" name="CustomShape 2"/>
           <p:cNvSpPr/>
           <p:nvPr/>
         </p:nvSpPr>
         <p:spPr>
           <a:xfrm>
             <a:off x="4968000" y="5004000"/>
-            <a:ext cx="3229560" cy="97560"/>
+            <a:ext cx="3229200" cy="97200"/>
           </a:xfrm>
           <a:prstGeom prst="rect">
             <a:avLst/>
@@ -5759,14 +5627,14 @@
       </p:sp>
       <p:sp>
         <p:nvSpPr>
-          <p:cNvPr id="192" name="CustomShape 3"/>
+          <p:cNvPr id="197" name="CustomShape 3"/>
           <p:cNvSpPr/>
           <p:nvPr/>
         </p:nvSpPr>
         <p:spPr>
           <a:xfrm>
             <a:off x="8280000" y="5004000"/>
-            <a:ext cx="133560" cy="97560"/>
+            <a:ext cx="133200" cy="97200"/>
           </a:xfrm>
           <a:prstGeom prst="rect">
             <a:avLst/>
@@ -5790,7 +5658,7 @@
                 <a:spcPct val="100000"/>
               </a:lnSpc>
             </a:pPr>
-            <a:fld id="{C1DAAD48-028F-4794-BDF9-F7F79D56FFCE}" type="slidenum">
+            <a:fld id="{66F2CF00-990F-4EE6-A9CB-E8874432248D}" type="slidenum">
               <a:rPr b="0" lang="en-US" sz="600" spc="-1" strike="noStrike">
                 <a:solidFill>
                   <a:srgbClr val="ffffff"/>
@@ -5808,14 +5676,14 @@
       </p:sp>
       <p:sp>
         <p:nvSpPr>
-          <p:cNvPr id="193" name="CustomShape 4"/>
+          <p:cNvPr id="198" name="CustomShape 4"/>
           <p:cNvSpPr/>
           <p:nvPr/>
         </p:nvSpPr>
         <p:spPr>
           <a:xfrm>
             <a:off x="602640" y="504720"/>
-            <a:ext cx="6613560" cy="3876840"/>
+            <a:ext cx="6613200" cy="3876480"/>
           </a:xfrm>
           <a:prstGeom prst="rect">
             <a:avLst/>
@@ -5906,14 +5774,14 @@
       </p:grpSpPr>
       <p:sp>
         <p:nvSpPr>
-          <p:cNvPr id="194" name="CustomShape 1"/>
+          <p:cNvPr id="199" name="CustomShape 1"/>
           <p:cNvSpPr/>
           <p:nvPr/>
         </p:nvSpPr>
         <p:spPr>
           <a:xfrm>
             <a:off x="720000" y="288000"/>
-            <a:ext cx="6613560" cy="493560"/>
+            <a:ext cx="6613200" cy="493200"/>
           </a:xfrm>
           <a:prstGeom prst="rect">
             <a:avLst/>
@@ -5955,14 +5823,14 @@
       </p:sp>
       <p:sp>
         <p:nvSpPr>
-          <p:cNvPr id="195" name="CustomShape 2"/>
+          <p:cNvPr id="200" name="CustomShape 2"/>
           <p:cNvSpPr/>
           <p:nvPr/>
         </p:nvSpPr>
         <p:spPr>
           <a:xfrm>
             <a:off x="1097280" y="2194560"/>
-            <a:ext cx="3647520" cy="768600"/>
+            <a:ext cx="3647160" cy="768240"/>
           </a:xfrm>
           <a:prstGeom prst="rect">
             <a:avLst/>
@@ -5981,14 +5849,14 @@
       </p:sp>
       <p:sp>
         <p:nvSpPr>
-          <p:cNvPr id="196" name="CustomShape 3"/>
+          <p:cNvPr id="201" name="CustomShape 3"/>
           <p:cNvSpPr/>
           <p:nvPr/>
         </p:nvSpPr>
         <p:spPr>
           <a:xfrm>
             <a:off x="4968000" y="5004000"/>
-            <a:ext cx="3229560" cy="97560"/>
+            <a:ext cx="3229200" cy="97200"/>
           </a:xfrm>
           <a:prstGeom prst="rect">
             <a:avLst/>
@@ -6030,14 +5898,14 @@
       </p:sp>
       <p:sp>
         <p:nvSpPr>
-          <p:cNvPr id="197" name="CustomShape 4"/>
+          <p:cNvPr id="202" name="CustomShape 4"/>
           <p:cNvSpPr/>
           <p:nvPr/>
         </p:nvSpPr>
         <p:spPr>
           <a:xfrm>
             <a:off x="8280000" y="5004000"/>
-            <a:ext cx="133560" cy="97560"/>
+            <a:ext cx="133200" cy="97200"/>
           </a:xfrm>
           <a:prstGeom prst="rect">
             <a:avLst/>
@@ -6061,7 +5929,7 @@
                 <a:spcPct val="100000"/>
               </a:lnSpc>
             </a:pPr>
-            <a:fld id="{692A0173-FF43-4639-B789-EF420FE9E4E0}" type="slidenum">
+            <a:fld id="{D8A27142-475D-4941-8D60-E73D9F26BE64}" type="slidenum">
               <a:rPr b="0" lang="en-US" sz="600" spc="-1" strike="noStrike">
                 <a:solidFill>
                   <a:srgbClr val="ffffff"/>
@@ -6079,7 +5947,7 @@
       </p:sp>
       <p:pic>
         <p:nvPicPr>
-          <p:cNvPr id="198" name="Picture Placeholder 6" descr=""/>
+          <p:cNvPr id="203" name="Picture Placeholder 6" descr=""/>
           <p:cNvPicPr/>
           <p:nvPr/>
         </p:nvPicPr>
@@ -6090,7 +5958,7 @@
         <p:spPr>
           <a:xfrm>
             <a:off x="6840000" y="810000"/>
-            <a:ext cx="2293560" cy="3499560"/>
+            <a:ext cx="2293200" cy="3499200"/>
           </a:xfrm>
           <a:prstGeom prst="rect">
             <a:avLst/>
@@ -6105,14 +5973,14 @@
       </p:pic>
       <p:sp>
         <p:nvSpPr>
-          <p:cNvPr id="199" name="CustomShape 5"/>
+          <p:cNvPr id="204" name="CustomShape 5"/>
           <p:cNvSpPr/>
           <p:nvPr/>
         </p:nvSpPr>
         <p:spPr>
           <a:xfrm>
             <a:off x="1737360" y="2066040"/>
-            <a:ext cx="3647520" cy="768600"/>
+            <a:ext cx="3647160" cy="768240"/>
           </a:xfrm>
           <a:prstGeom prst="rect">
             <a:avLst/>
@@ -6210,7 +6078,7 @@
         <p:spPr>
           <a:xfrm>
             <a:off x="720000" y="288000"/>
-            <a:ext cx="6613560" cy="493560"/>
+            <a:ext cx="6613200" cy="493200"/>
           </a:xfrm>
           <a:prstGeom prst="rect">
             <a:avLst/>
@@ -6242,7 +6110,7 @@
                 <a:latin typeface="Arial"/>
                 <a:ea typeface="DejaVu Sans"/>
               </a:rPr>
-              <a:t>What is Tooling</a:t>
+              <a:t>What would life be like without tooling?</a:t>
             </a:r>
             <a:endParaRPr b="0" lang="en-US" sz="1800" spc="-1" strike="noStrike">
               <a:latin typeface="Arial"/>
@@ -6259,7 +6127,7 @@
         <p:spPr>
           <a:xfrm>
             <a:off x="4968000" y="5004000"/>
-            <a:ext cx="3229560" cy="97560"/>
+            <a:ext cx="3229200" cy="97200"/>
           </a:xfrm>
           <a:prstGeom prst="rect">
             <a:avLst/>
@@ -6308,7 +6176,7 @@
         <p:spPr>
           <a:xfrm>
             <a:off x="8280000" y="5004000"/>
-            <a:ext cx="133560" cy="97560"/>
+            <a:ext cx="133200" cy="97200"/>
           </a:xfrm>
           <a:prstGeom prst="rect">
             <a:avLst/>
@@ -6332,7 +6200,7 @@
                 <a:spcPct val="100000"/>
               </a:lnSpc>
             </a:pPr>
-            <a:fld id="{2858E6CE-67C1-42FB-B7FC-429B7B4197F9}" type="slidenum">
+            <a:fld id="{5B65B2D8-5951-4A3A-94C2-60FCEE7F84F3}" type="slidenum">
               <a:rPr b="0" lang="en-US" sz="600" spc="-1" strike="noStrike">
                 <a:solidFill>
                   <a:srgbClr val="ffffff"/>
@@ -6357,7 +6225,7 @@
         <p:spPr>
           <a:xfrm>
             <a:off x="602640" y="504720"/>
-            <a:ext cx="6613560" cy="3876840"/>
+            <a:ext cx="6613200" cy="3876480"/>
           </a:xfrm>
           <a:prstGeom prst="rect">
             <a:avLst/>
@@ -6397,6 +6265,29 @@
           </a:p>
         </p:txBody>
       </p:sp>
+      <p:pic>
+        <p:nvPicPr>
+          <p:cNvPr id="132" name="" descr=""/>
+          <p:cNvPicPr/>
+          <p:nvPr/>
+        </p:nvPicPr>
+        <p:blipFill>
+          <a:blip r:embed="rId1"/>
+          <a:stretch/>
+        </p:blipFill>
+        <p:spPr>
+          <a:xfrm>
+            <a:off x="160200" y="822960"/>
+            <a:ext cx="8833320" cy="3657600"/>
+          </a:xfrm>
+          <a:prstGeom prst="rect">
+            <a:avLst/>
+          </a:prstGeom>
+          <a:ln>
+            <a:noFill/>
+          </a:ln>
+        </p:spPr>
+      </p:pic>
     </p:spTree>
   </p:cSld>
   <p:timing>
@@ -6448,14 +6339,14 @@
       </p:grpSpPr>
       <p:sp>
         <p:nvSpPr>
-          <p:cNvPr id="132" name="CustomShape 1"/>
+          <p:cNvPr id="133" name="CustomShape 1"/>
           <p:cNvSpPr/>
           <p:nvPr/>
         </p:nvSpPr>
         <p:spPr>
           <a:xfrm>
             <a:off x="720000" y="288000"/>
-            <a:ext cx="6613560" cy="493560"/>
+            <a:ext cx="6613200" cy="493200"/>
           </a:xfrm>
           <a:prstGeom prst="rect">
             <a:avLst/>
@@ -6487,7 +6378,7 @@
                 <a:latin typeface="Arial"/>
                 <a:ea typeface="DejaVu Sans"/>
               </a:rPr>
-              <a:t>What would life be like without tooling?</a:t>
+              <a:t>What is Tooling</a:t>
             </a:r>
             <a:endParaRPr b="0" lang="en-US" sz="1800" spc="-1" strike="noStrike">
               <a:latin typeface="Arial"/>
@@ -6497,14 +6388,14 @@
       </p:sp>
       <p:sp>
         <p:nvSpPr>
-          <p:cNvPr id="133" name="CustomShape 2"/>
+          <p:cNvPr id="134" name="CustomShape 2"/>
           <p:cNvSpPr/>
           <p:nvPr/>
         </p:nvSpPr>
         <p:spPr>
           <a:xfrm>
             <a:off x="4968000" y="5004000"/>
-            <a:ext cx="3229560" cy="97560"/>
+            <a:ext cx="3229200" cy="97200"/>
           </a:xfrm>
           <a:prstGeom prst="rect">
             <a:avLst/>
@@ -6546,14 +6437,14 @@
       </p:sp>
       <p:sp>
         <p:nvSpPr>
-          <p:cNvPr id="134" name="CustomShape 3"/>
+          <p:cNvPr id="135" name="CustomShape 3"/>
           <p:cNvSpPr/>
           <p:nvPr/>
         </p:nvSpPr>
         <p:spPr>
           <a:xfrm>
             <a:off x="8280000" y="5004000"/>
-            <a:ext cx="133560" cy="97560"/>
+            <a:ext cx="133200" cy="97200"/>
           </a:xfrm>
           <a:prstGeom prst="rect">
             <a:avLst/>
@@ -6577,7 +6468,7 @@
                 <a:spcPct val="100000"/>
               </a:lnSpc>
             </a:pPr>
-            <a:fld id="{7C6B4B5C-A35E-4217-92DD-A3BF3A445251}" type="slidenum">
+            <a:fld id="{9E4799F0-ADEF-4893-AB36-BD46EC3F25DE}" type="slidenum">
               <a:rPr b="0" lang="en-US" sz="600" spc="-1" strike="noStrike">
                 <a:solidFill>
                   <a:srgbClr val="ffffff"/>
@@ -6595,14 +6486,14 @@
       </p:sp>
       <p:sp>
         <p:nvSpPr>
-          <p:cNvPr id="135" name="CustomShape 4"/>
+          <p:cNvPr id="136" name="CustomShape 4"/>
           <p:cNvSpPr/>
           <p:nvPr/>
         </p:nvSpPr>
         <p:spPr>
           <a:xfrm>
             <a:off x="602640" y="504720"/>
-            <a:ext cx="6613560" cy="3876840"/>
+            <a:ext cx="6613200" cy="3876480"/>
           </a:xfrm>
           <a:prstGeom prst="rect">
             <a:avLst/>
@@ -6693,14 +6584,14 @@
       </p:grpSpPr>
       <p:sp>
         <p:nvSpPr>
-          <p:cNvPr id="136" name="CustomShape 1"/>
+          <p:cNvPr id="137" name="CustomShape 1"/>
           <p:cNvSpPr/>
           <p:nvPr/>
         </p:nvSpPr>
         <p:spPr>
           <a:xfrm>
             <a:off x="720000" y="288000"/>
-            <a:ext cx="6613560" cy="493560"/>
+            <a:ext cx="6613200" cy="493200"/>
           </a:xfrm>
           <a:prstGeom prst="rect">
             <a:avLst/>
@@ -6742,14 +6633,14 @@
       </p:sp>
       <p:sp>
         <p:nvSpPr>
-          <p:cNvPr id="137" name="CustomShape 2"/>
+          <p:cNvPr id="138" name="CustomShape 2"/>
           <p:cNvSpPr/>
           <p:nvPr/>
         </p:nvSpPr>
         <p:spPr>
           <a:xfrm>
             <a:off x="4968000" y="5004000"/>
-            <a:ext cx="3229560" cy="97560"/>
+            <a:ext cx="3229200" cy="97200"/>
           </a:xfrm>
           <a:prstGeom prst="rect">
             <a:avLst/>
@@ -6791,14 +6682,14 @@
       </p:sp>
       <p:sp>
         <p:nvSpPr>
-          <p:cNvPr id="138" name="CustomShape 3"/>
+          <p:cNvPr id="139" name="CustomShape 3"/>
           <p:cNvSpPr/>
           <p:nvPr/>
         </p:nvSpPr>
         <p:spPr>
           <a:xfrm>
             <a:off x="8280000" y="5004000"/>
-            <a:ext cx="133560" cy="97560"/>
+            <a:ext cx="133200" cy="97200"/>
           </a:xfrm>
           <a:prstGeom prst="rect">
             <a:avLst/>
@@ -6822,7 +6713,7 @@
                 <a:spcPct val="100000"/>
               </a:lnSpc>
             </a:pPr>
-            <a:fld id="{1BDA07A7-C714-44B1-AB4F-4816E62B68FE}" type="slidenum">
+            <a:fld id="{A3FE6B18-FB41-4933-B431-31DF5E467B54}" type="slidenum">
               <a:rPr b="0" lang="en-US" sz="600" spc="-1" strike="noStrike">
                 <a:solidFill>
                   <a:srgbClr val="ffffff"/>
@@ -6840,14 +6731,14 @@
       </p:sp>
       <p:sp>
         <p:nvSpPr>
-          <p:cNvPr id="139" name="CustomShape 4"/>
+          <p:cNvPr id="140" name="CustomShape 4"/>
           <p:cNvSpPr/>
           <p:nvPr/>
         </p:nvSpPr>
         <p:spPr>
           <a:xfrm>
             <a:off x="602640" y="504720"/>
-            <a:ext cx="6613560" cy="3876840"/>
+            <a:ext cx="6613200" cy="3876480"/>
           </a:xfrm>
           <a:prstGeom prst="rect">
             <a:avLst/>
@@ -6889,7 +6780,7 @@
       </p:sp>
       <p:pic>
         <p:nvPicPr>
-          <p:cNvPr id="140" name="" descr=""/>
+          <p:cNvPr id="141" name="" descr=""/>
           <p:cNvPicPr/>
           <p:nvPr/>
         </p:nvPicPr>
@@ -6900,30 +6791,7 @@
         <p:spPr>
           <a:xfrm>
             <a:off x="0" y="1252800"/>
-            <a:ext cx="914400" cy="576000"/>
-          </a:xfrm>
-          <a:prstGeom prst="rect">
-            <a:avLst/>
-          </a:prstGeom>
-          <a:ln>
-            <a:noFill/>
-          </a:ln>
-        </p:spPr>
-      </p:pic>
-      <p:pic>
-        <p:nvPicPr>
-          <p:cNvPr id="141" name="" descr=""/>
-          <p:cNvPicPr/>
-          <p:nvPr/>
-        </p:nvPicPr>
-        <p:blipFill>
-          <a:blip r:embed="rId2"/>
-          <a:stretch/>
-        </p:blipFill>
-        <p:spPr>
-          <a:xfrm>
-            <a:off x="914400" y="1280160"/>
-            <a:ext cx="517320" cy="481320"/>
+            <a:ext cx="914040" cy="575640"/>
           </a:xfrm>
           <a:prstGeom prst="rect">
             <a:avLst/>
@@ -6940,13 +6808,36 @@
           <p:nvPr/>
         </p:nvPicPr>
         <p:blipFill>
+          <a:blip r:embed="rId2"/>
+          <a:stretch/>
+        </p:blipFill>
+        <p:spPr>
+          <a:xfrm>
+            <a:off x="914400" y="1280160"/>
+            <a:ext cx="516960" cy="480960"/>
+          </a:xfrm>
+          <a:prstGeom prst="rect">
+            <a:avLst/>
+          </a:prstGeom>
+          <a:ln>
+            <a:noFill/>
+          </a:ln>
+        </p:spPr>
+      </p:pic>
+      <p:pic>
+        <p:nvPicPr>
+          <p:cNvPr id="143" name="" descr=""/>
+          <p:cNvPicPr/>
+          <p:nvPr/>
+        </p:nvPicPr>
+        <p:blipFill>
           <a:blip r:embed="rId3"/>
           <a:stretch/>
         </p:blipFill>
         <p:spPr>
           <a:xfrm>
             <a:off x="6858000" y="1097280"/>
-            <a:ext cx="1154520" cy="1154520"/>
+            <a:ext cx="1154160" cy="1154160"/>
           </a:xfrm>
           <a:prstGeom prst="rect">
             <a:avLst/>
@@ -6958,14 +6849,14 @@
       </p:pic>
       <p:sp>
         <p:nvSpPr>
-          <p:cNvPr id="143" name="TextShape 5"/>
-          <p:cNvSpPr txBox="1"/>
+          <p:cNvPr id="144" name="CustomShape 5"/>
+          <p:cNvSpPr/>
           <p:nvPr/>
         </p:nvSpPr>
         <p:spPr>
           <a:xfrm>
             <a:off x="457200" y="914400"/>
-            <a:ext cx="1737360" cy="346320"/>
+            <a:ext cx="1737000" cy="345960"/>
           </a:xfrm>
           <a:prstGeom prst="rect">
             <a:avLst/>
@@ -6975,9 +6866,20 @@
             <a:noFill/>
           </a:ln>
         </p:spPr>
+        <p:style>
+          <a:lnRef idx="0"/>
+          <a:fillRef idx="0"/>
+          <a:effectRef idx="0"/>
+          <a:fontRef idx="minor"/>
+        </p:style>
         <p:txBody>
           <a:bodyPr lIns="90000" rIns="90000" tIns="45000" bIns="45000"/>
           <a:p>
+            <a:pPr>
+              <a:lnSpc>
+                <a:spcPct val="100000"/>
+              </a:lnSpc>
+            </a:pPr>
             <a:r>
               <a:rPr b="0" lang="en-US" sz="1800" spc="-1" strike="noStrike">
                 <a:latin typeface="Arial"/>
@@ -6992,14 +6894,14 @@
       </p:sp>
       <p:sp>
         <p:nvSpPr>
-          <p:cNvPr id="144" name="TextShape 6"/>
-          <p:cNvSpPr txBox="1"/>
+          <p:cNvPr id="145" name="CustomShape 6"/>
+          <p:cNvSpPr/>
           <p:nvPr/>
         </p:nvSpPr>
         <p:spPr>
           <a:xfrm>
             <a:off x="7040880" y="822960"/>
-            <a:ext cx="1188720" cy="346320"/>
+            <a:ext cx="1188360" cy="345960"/>
           </a:xfrm>
           <a:prstGeom prst="rect">
             <a:avLst/>
@@ -7009,9 +6911,20 @@
             <a:noFill/>
           </a:ln>
         </p:spPr>
+        <p:style>
+          <a:lnRef idx="0"/>
+          <a:fillRef idx="0"/>
+          <a:effectRef idx="0"/>
+          <a:fontRef idx="minor"/>
+        </p:style>
         <p:txBody>
           <a:bodyPr lIns="90000" rIns="90000" tIns="45000" bIns="45000"/>
           <a:p>
+            <a:pPr>
+              <a:lnSpc>
+                <a:spcPct val="100000"/>
+              </a:lnSpc>
+            </a:pPr>
             <a:r>
               <a:rPr b="0" lang="en-US" sz="1800" spc="-1" strike="noStrike">
                 <a:latin typeface="Arial"/>
@@ -7026,7 +6939,7 @@
       </p:sp>
       <p:pic>
         <p:nvPicPr>
-          <p:cNvPr id="145" name="" descr=""/>
+          <p:cNvPr id="146" name="" descr=""/>
           <p:cNvPicPr/>
           <p:nvPr/>
         </p:nvPicPr>
@@ -7037,30 +6950,7 @@
         <p:spPr>
           <a:xfrm>
             <a:off x="7989480" y="1169280"/>
-            <a:ext cx="971640" cy="971640"/>
-          </a:xfrm>
-          <a:prstGeom prst="rect">
-            <a:avLst/>
-          </a:prstGeom>
-          <a:ln>
-            <a:noFill/>
-          </a:ln>
-        </p:spPr>
-      </p:pic>
-      <p:pic>
-        <p:nvPicPr>
-          <p:cNvPr id="146" name="" descr=""/>
-          <p:cNvPicPr/>
-          <p:nvPr/>
-        </p:nvPicPr>
-        <p:blipFill>
-          <a:blip r:embed="rId5"/>
-          <a:stretch/>
-        </p:blipFill>
-        <p:spPr>
-          <a:xfrm>
-            <a:off x="7815600" y="2140920"/>
-            <a:ext cx="1145520" cy="903960"/>
+            <a:ext cx="971280" cy="971280"/>
           </a:xfrm>
           <a:prstGeom prst="rect">
             <a:avLst/>
@@ -7077,13 +6967,36 @@
           <p:nvPr/>
         </p:nvPicPr>
         <p:blipFill>
+          <a:blip r:embed="rId5"/>
+          <a:stretch/>
+        </p:blipFill>
+        <p:spPr>
+          <a:xfrm>
+            <a:off x="7815600" y="2140920"/>
+            <a:ext cx="1145160" cy="903600"/>
+          </a:xfrm>
+          <a:prstGeom prst="rect">
+            <a:avLst/>
+          </a:prstGeom>
+          <a:ln>
+            <a:noFill/>
+          </a:ln>
+        </p:spPr>
+      </p:pic>
+      <p:pic>
+        <p:nvPicPr>
+          <p:cNvPr id="148" name="" descr=""/>
+          <p:cNvPicPr/>
+          <p:nvPr/>
+        </p:nvPicPr>
+        <p:blipFill>
           <a:blip r:embed="rId6"/>
           <a:stretch/>
         </p:blipFill>
         <p:spPr>
           <a:xfrm>
             <a:off x="7040880" y="2326320"/>
-            <a:ext cx="710640" cy="599760"/>
+            <a:ext cx="710280" cy="599400"/>
           </a:xfrm>
           <a:prstGeom prst="rect">
             <a:avLst/>
@@ -7095,14 +7008,14 @@
       </p:pic>
       <p:sp>
         <p:nvSpPr>
-          <p:cNvPr id="148" name="TextShape 7"/>
-          <p:cNvSpPr txBox="1"/>
+          <p:cNvPr id="149" name="CustomShape 7"/>
+          <p:cNvSpPr/>
           <p:nvPr/>
         </p:nvSpPr>
         <p:spPr>
           <a:xfrm>
             <a:off x="274320" y="2560320"/>
-            <a:ext cx="1371600" cy="346320"/>
+            <a:ext cx="1371240" cy="345960"/>
           </a:xfrm>
           <a:prstGeom prst="rect">
             <a:avLst/>
@@ -7112,9 +7025,20 @@
             <a:noFill/>
           </a:ln>
         </p:spPr>
+        <p:style>
+          <a:lnRef idx="0"/>
+          <a:fillRef idx="0"/>
+          <a:effectRef idx="0"/>
+          <a:fontRef idx="minor"/>
+        </p:style>
         <p:txBody>
           <a:bodyPr lIns="90000" rIns="90000" tIns="45000" bIns="45000"/>
           <a:p>
+            <a:pPr>
+              <a:lnSpc>
+                <a:spcPct val="100000"/>
+              </a:lnSpc>
+            </a:pPr>
             <a:r>
               <a:rPr b="0" lang="en-US" sz="1800" spc="-1" strike="noStrike">
                 <a:latin typeface="Arial"/>
@@ -7129,7 +7053,7 @@
       </p:sp>
       <p:pic>
         <p:nvPicPr>
-          <p:cNvPr id="149" name="" descr=""/>
+          <p:cNvPr id="150" name="" descr=""/>
           <p:cNvPicPr/>
           <p:nvPr/>
         </p:nvPicPr>
@@ -7140,30 +7064,7 @@
         <p:spPr>
           <a:xfrm>
             <a:off x="182880" y="3042720"/>
-            <a:ext cx="952920" cy="432000"/>
-          </a:xfrm>
-          <a:prstGeom prst="rect">
-            <a:avLst/>
-          </a:prstGeom>
-          <a:ln>
-            <a:noFill/>
-          </a:ln>
-        </p:spPr>
-      </p:pic>
-      <p:pic>
-        <p:nvPicPr>
-          <p:cNvPr id="150" name="" descr=""/>
-          <p:cNvPicPr/>
-          <p:nvPr/>
-        </p:nvPicPr>
-        <p:blipFill>
-          <a:blip r:embed="rId8"/>
-          <a:stretch/>
-        </p:blipFill>
-        <p:spPr>
-          <a:xfrm>
-            <a:off x="1188720" y="2906640"/>
-            <a:ext cx="713880" cy="713880"/>
+            <a:ext cx="952560" cy="431640"/>
           </a:xfrm>
           <a:prstGeom prst="rect">
             <a:avLst/>
@@ -7180,13 +7081,13 @@
           <p:nvPr/>
         </p:nvPicPr>
         <p:blipFill>
-          <a:blip r:embed="rId9"/>
+          <a:blip r:embed="rId8"/>
           <a:stretch/>
         </p:blipFill>
         <p:spPr>
           <a:xfrm>
-            <a:off x="405360" y="3657600"/>
-            <a:ext cx="1057680" cy="850320"/>
+            <a:off x="1188720" y="2906640"/>
+            <a:ext cx="713520" cy="713520"/>
           </a:xfrm>
           <a:prstGeom prst="rect">
             <a:avLst/>
@@ -7203,13 +7104,13 @@
           <p:nvPr/>
         </p:nvPicPr>
         <p:blipFill>
-          <a:blip r:embed="rId10"/>
+          <a:blip r:embed="rId9"/>
           <a:stretch/>
         </p:blipFill>
         <p:spPr>
           <a:xfrm>
-            <a:off x="4754880" y="2103120"/>
-            <a:ext cx="626040" cy="715680"/>
+            <a:off x="405360" y="3657600"/>
+            <a:ext cx="1057320" cy="849960"/>
           </a:xfrm>
           <a:prstGeom prst="rect">
             <a:avLst/>
@@ -7226,13 +7127,13 @@
           <p:nvPr/>
         </p:nvPicPr>
         <p:blipFill>
-          <a:blip r:embed="rId11"/>
+          <a:blip r:embed="rId10"/>
           <a:stretch/>
         </p:blipFill>
         <p:spPr>
           <a:xfrm>
-            <a:off x="3108960" y="2926080"/>
-            <a:ext cx="2057040" cy="799920"/>
+            <a:off x="4754880" y="2103120"/>
+            <a:ext cx="625680" cy="715320"/>
           </a:xfrm>
           <a:prstGeom prst="rect">
             <a:avLst/>
@@ -7249,13 +7150,13 @@
           <p:nvPr/>
         </p:nvPicPr>
         <p:blipFill>
-          <a:blip r:embed="rId12"/>
+          <a:blip r:embed="rId11"/>
           <a:stretch/>
         </p:blipFill>
         <p:spPr>
           <a:xfrm>
-            <a:off x="3566160" y="457200"/>
-            <a:ext cx="788760" cy="788760"/>
+            <a:off x="3108960" y="2926080"/>
+            <a:ext cx="2056680" cy="799560"/>
           </a:xfrm>
           <a:prstGeom prst="rect">
             <a:avLst/>
@@ -7272,13 +7173,36 @@
           <p:nvPr/>
         </p:nvPicPr>
         <p:blipFill>
+          <a:blip r:embed="rId12"/>
+          <a:stretch/>
+        </p:blipFill>
+        <p:spPr>
+          <a:xfrm>
+            <a:off x="3566160" y="457200"/>
+            <a:ext cx="788400" cy="788400"/>
+          </a:xfrm>
+          <a:prstGeom prst="rect">
+            <a:avLst/>
+          </a:prstGeom>
+          <a:ln>
+            <a:noFill/>
+          </a:ln>
+        </p:spPr>
+      </p:pic>
+      <p:pic>
+        <p:nvPicPr>
+          <p:cNvPr id="156" name="" descr=""/>
+          <p:cNvPicPr/>
+          <p:nvPr/>
+        </p:nvPicPr>
+        <p:blipFill>
           <a:blip r:embed="rId13"/>
           <a:stretch/>
         </p:blipFill>
         <p:spPr>
           <a:xfrm>
             <a:off x="4514760" y="529200"/>
-            <a:ext cx="788760" cy="788760"/>
+            <a:ext cx="788400" cy="788400"/>
           </a:xfrm>
           <a:prstGeom prst="rect">
             <a:avLst/>
@@ -7290,14 +7214,14 @@
       </p:pic>
       <p:sp>
         <p:nvSpPr>
-          <p:cNvPr id="156" name="TextShape 8"/>
-          <p:cNvSpPr txBox="1"/>
+          <p:cNvPr id="157" name="CustomShape 8"/>
+          <p:cNvSpPr/>
           <p:nvPr/>
         </p:nvSpPr>
         <p:spPr>
           <a:xfrm>
             <a:off x="4297680" y="182880"/>
-            <a:ext cx="1737360" cy="346320"/>
+            <a:ext cx="1737000" cy="345960"/>
           </a:xfrm>
           <a:prstGeom prst="rect">
             <a:avLst/>
@@ -7307,9 +7231,20 @@
             <a:noFill/>
           </a:ln>
         </p:spPr>
+        <p:style>
+          <a:lnRef idx="0"/>
+          <a:fillRef idx="0"/>
+          <a:effectRef idx="0"/>
+          <a:fontRef idx="minor"/>
+        </p:style>
         <p:txBody>
           <a:bodyPr lIns="90000" rIns="90000" tIns="45000" bIns="45000"/>
           <a:p>
+            <a:pPr>
+              <a:lnSpc>
+                <a:spcPct val="100000"/>
+              </a:lnSpc>
+            </a:pPr>
             <a:r>
               <a:rPr b="0" lang="en-US" sz="1800" spc="-1" strike="noStrike">
                 <a:latin typeface="Arial"/>
@@ -7324,7 +7259,7 @@
       </p:sp>
       <p:pic>
         <p:nvPicPr>
-          <p:cNvPr id="157" name="" descr=""/>
+          <p:cNvPr id="158" name="" descr=""/>
           <p:cNvPicPr/>
           <p:nvPr/>
         </p:nvPicPr>
@@ -7335,30 +7270,7 @@
         <p:spPr>
           <a:xfrm>
             <a:off x="3126600" y="1937880"/>
-            <a:ext cx="896760" cy="896760"/>
-          </a:xfrm>
-          <a:prstGeom prst="rect">
-            <a:avLst/>
-          </a:prstGeom>
-          <a:ln>
-            <a:noFill/>
-          </a:ln>
-        </p:spPr>
-      </p:pic>
-      <p:pic>
-        <p:nvPicPr>
-          <p:cNvPr id="158" name="" descr=""/>
-          <p:cNvPicPr/>
-          <p:nvPr/>
-        </p:nvPicPr>
-        <p:blipFill>
-          <a:blip r:embed="rId15"/>
-          <a:stretch/>
-        </p:blipFill>
-        <p:spPr>
-          <a:xfrm>
-            <a:off x="5212080" y="2911680"/>
-            <a:ext cx="731520" cy="1020240"/>
+            <a:ext cx="896400" cy="896400"/>
           </a:xfrm>
           <a:prstGeom prst="rect">
             <a:avLst/>
@@ -7375,13 +7287,13 @@
           <p:nvPr/>
         </p:nvPicPr>
         <p:blipFill>
-          <a:blip r:embed="rId16"/>
+          <a:blip r:embed="rId15"/>
           <a:stretch/>
         </p:blipFill>
         <p:spPr>
           <a:xfrm>
-            <a:off x="4063320" y="3749040"/>
-            <a:ext cx="874440" cy="581760"/>
+            <a:off x="5212080" y="2911680"/>
+            <a:ext cx="731160" cy="1019880"/>
           </a:xfrm>
           <a:prstGeom prst="rect">
             <a:avLst/>
@@ -7398,13 +7310,13 @@
           <p:nvPr/>
         </p:nvPicPr>
         <p:blipFill>
-          <a:blip r:embed="rId17"/>
+          <a:blip r:embed="rId16"/>
           <a:stretch/>
         </p:blipFill>
         <p:spPr>
           <a:xfrm>
-            <a:off x="8602560" y="4389120"/>
-            <a:ext cx="724320" cy="542520"/>
+            <a:off x="4063320" y="3749040"/>
+            <a:ext cx="874080" cy="581400"/>
           </a:xfrm>
           <a:prstGeom prst="rect">
             <a:avLst/>
@@ -7421,13 +7333,13 @@
           <p:nvPr/>
         </p:nvPicPr>
         <p:blipFill>
-          <a:blip r:embed="rId18"/>
+          <a:blip r:embed="rId17"/>
           <a:stretch/>
         </p:blipFill>
         <p:spPr>
           <a:xfrm>
-            <a:off x="7506360" y="4206240"/>
-            <a:ext cx="723240" cy="723240"/>
+            <a:off x="8602560" y="4389120"/>
+            <a:ext cx="723960" cy="542160"/>
           </a:xfrm>
           <a:prstGeom prst="rect">
             <a:avLst/>
@@ -7444,13 +7356,13 @@
           <p:nvPr/>
         </p:nvPicPr>
         <p:blipFill>
-          <a:blip r:embed="rId19"/>
+          <a:blip r:embed="rId18"/>
           <a:stretch/>
         </p:blipFill>
         <p:spPr>
           <a:xfrm>
-            <a:off x="8138160" y="3605040"/>
-            <a:ext cx="784080" cy="784080"/>
+            <a:off x="7506360" y="4206240"/>
+            <a:ext cx="722880" cy="722880"/>
           </a:xfrm>
           <a:prstGeom prst="rect">
             <a:avLst/>
@@ -7467,13 +7379,36 @@
           <p:nvPr/>
         </p:nvPicPr>
         <p:blipFill>
+          <a:blip r:embed="rId19"/>
+          <a:stretch/>
+        </p:blipFill>
+        <p:spPr>
+          <a:xfrm>
+            <a:off x="8138160" y="3605040"/>
+            <a:ext cx="783720" cy="783720"/>
+          </a:xfrm>
+          <a:prstGeom prst="rect">
+            <a:avLst/>
+          </a:prstGeom>
+          <a:ln>
+            <a:noFill/>
+          </a:ln>
+        </p:spPr>
+      </p:pic>
+      <p:pic>
+        <p:nvPicPr>
+          <p:cNvPr id="164" name="" descr=""/>
+          <p:cNvPicPr/>
+          <p:nvPr/>
+        </p:nvPicPr>
+        <p:blipFill>
           <a:blip r:embed="rId20"/>
           <a:stretch/>
         </p:blipFill>
         <p:spPr>
           <a:xfrm>
             <a:off x="6800760" y="3749040"/>
-            <a:ext cx="788760" cy="785160"/>
+            <a:ext cx="788400" cy="784800"/>
           </a:xfrm>
           <a:prstGeom prst="rect">
             <a:avLst/>
@@ -7485,14 +7420,14 @@
       </p:pic>
       <p:sp>
         <p:nvSpPr>
-          <p:cNvPr id="164" name="TextShape 9"/>
-          <p:cNvSpPr txBox="1"/>
+          <p:cNvPr id="165" name="CustomShape 9"/>
+          <p:cNvSpPr/>
           <p:nvPr/>
         </p:nvSpPr>
         <p:spPr>
           <a:xfrm>
             <a:off x="6858000" y="3291840"/>
-            <a:ext cx="2194560" cy="858240"/>
+            <a:ext cx="2194200" cy="857880"/>
           </a:xfrm>
           <a:prstGeom prst="rect">
             <a:avLst/>
@@ -7502,9 +7437,20 @@
             <a:noFill/>
           </a:ln>
         </p:spPr>
+        <p:style>
+          <a:lnRef idx="0"/>
+          <a:fillRef idx="0"/>
+          <a:effectRef idx="0"/>
+          <a:fontRef idx="minor"/>
+        </p:style>
         <p:txBody>
           <a:bodyPr lIns="90000" rIns="90000" tIns="45000" bIns="45000"/>
           <a:p>
+            <a:pPr>
+              <a:lnSpc>
+                <a:spcPct val="100000"/>
+              </a:lnSpc>
+            </a:pPr>
             <a:r>
               <a:rPr b="0" lang="en-US" sz="1800" spc="-1" strike="noStrike">
                 <a:latin typeface="Arial"/>
@@ -7568,14 +7514,14 @@
       </p:grpSpPr>
       <p:sp>
         <p:nvSpPr>
-          <p:cNvPr id="165" name="CustomShape 1"/>
+          <p:cNvPr id="166" name="CustomShape 1"/>
           <p:cNvSpPr/>
           <p:nvPr/>
         </p:nvSpPr>
         <p:spPr>
           <a:xfrm>
             <a:off x="720000" y="288000"/>
-            <a:ext cx="6613560" cy="493560"/>
+            <a:ext cx="6613200" cy="493200"/>
           </a:xfrm>
           <a:prstGeom prst="rect">
             <a:avLst/>
@@ -7607,7 +7553,7 @@
                 <a:latin typeface="Arial"/>
                 <a:ea typeface="DejaVu Sans"/>
               </a:rPr>
-              <a:t>NPM</a:t>
+              <a:t>Task Runners</a:t>
             </a:r>
             <a:endParaRPr b="0" lang="en-US" sz="1800" spc="-1" strike="noStrike">
               <a:latin typeface="Arial"/>
@@ -7617,14 +7563,14 @@
       </p:sp>
       <p:sp>
         <p:nvSpPr>
-          <p:cNvPr id="166" name="CustomShape 2"/>
+          <p:cNvPr id="167" name="CustomShape 2"/>
           <p:cNvSpPr/>
           <p:nvPr/>
         </p:nvSpPr>
         <p:spPr>
           <a:xfrm>
             <a:off x="4968000" y="5004000"/>
-            <a:ext cx="3229560" cy="97560"/>
+            <a:ext cx="3229200" cy="97200"/>
           </a:xfrm>
           <a:prstGeom prst="rect">
             <a:avLst/>
@@ -7666,14 +7612,14 @@
       </p:sp>
       <p:sp>
         <p:nvSpPr>
-          <p:cNvPr id="167" name="CustomShape 3"/>
+          <p:cNvPr id="168" name="CustomShape 3"/>
           <p:cNvSpPr/>
           <p:nvPr/>
         </p:nvSpPr>
         <p:spPr>
           <a:xfrm>
             <a:off x="8280000" y="5004000"/>
-            <a:ext cx="133560" cy="97560"/>
+            <a:ext cx="133200" cy="97200"/>
           </a:xfrm>
           <a:prstGeom prst="rect">
             <a:avLst/>
@@ -7697,7 +7643,7 @@
                 <a:spcPct val="100000"/>
               </a:lnSpc>
             </a:pPr>
-            <a:fld id="{C14F8385-1F83-4F32-BAB8-9F0A2F13F4E2}" type="slidenum">
+            <a:fld id="{41D4DCC1-1DFD-49C6-A90E-D2910452A75C}" type="slidenum">
               <a:rPr b="0" lang="en-US" sz="600" spc="-1" strike="noStrike">
                 <a:solidFill>
                   <a:srgbClr val="ffffff"/>
@@ -7715,14 +7661,14 @@
       </p:sp>
       <p:sp>
         <p:nvSpPr>
-          <p:cNvPr id="168" name="CustomShape 4"/>
+          <p:cNvPr id="169" name="CustomShape 4"/>
           <p:cNvSpPr/>
           <p:nvPr/>
         </p:nvSpPr>
         <p:spPr>
           <a:xfrm>
             <a:off x="602640" y="504720"/>
-            <a:ext cx="6613560" cy="3876840"/>
+            <a:ext cx="6613200" cy="3876480"/>
           </a:xfrm>
           <a:prstGeom prst="rect">
             <a:avLst/>
@@ -7756,6 +7702,156 @@
                 <a:spcPct val="120000"/>
               </a:lnSpc>
             </a:pPr>
+            <a:endParaRPr b="0" lang="en-US" sz="1800" spc="-1" strike="noStrike">
+              <a:latin typeface="Arial"/>
+            </a:endParaRPr>
+          </a:p>
+        </p:txBody>
+      </p:sp>
+      <p:sp>
+        <p:nvSpPr>
+          <p:cNvPr id="170" name="TextShape 5"/>
+          <p:cNvSpPr txBox="1"/>
+          <p:nvPr/>
+        </p:nvSpPr>
+        <p:spPr>
+          <a:xfrm>
+            <a:off x="731520" y="4408560"/>
+            <a:ext cx="7406640" cy="346320"/>
+          </a:xfrm>
+          <a:prstGeom prst="rect">
+            <a:avLst/>
+          </a:prstGeom>
+          <a:noFill/>
+          <a:ln>
+            <a:noFill/>
+          </a:ln>
+        </p:spPr>
+        <p:txBody>
+          <a:bodyPr lIns="90000" rIns="90000" tIns="45000" bIns="45000"/>
+          <a:p>
+            <a:r>
+              <a:rPr b="0" lang="en-US" sz="1800" spc="-1" strike="noStrike">
+                <a:latin typeface="Arial"/>
+              </a:rPr>
+              <a:t>Runners are not used in modern js. NPM scripts are used instead.</a:t>
+            </a:r>
+            <a:endParaRPr b="0" lang="en-US" sz="1800" spc="-1" strike="noStrike">
+              <a:latin typeface="Arial"/>
+            </a:endParaRPr>
+          </a:p>
+        </p:txBody>
+      </p:sp>
+      <p:sp>
+        <p:nvSpPr>
+          <p:cNvPr id="171" name="TextShape 6"/>
+          <p:cNvSpPr txBox="1"/>
+          <p:nvPr/>
+        </p:nvSpPr>
+        <p:spPr>
+          <a:xfrm>
+            <a:off x="731520" y="1135440"/>
+            <a:ext cx="4480560" cy="1882080"/>
+          </a:xfrm>
+          <a:prstGeom prst="rect">
+            <a:avLst/>
+          </a:prstGeom>
+          <a:noFill/>
+          <a:ln>
+            <a:noFill/>
+          </a:ln>
+        </p:spPr>
+        <p:txBody>
+          <a:bodyPr lIns="90000" rIns="90000" tIns="45000" bIns="45000"/>
+          <a:p>
+            <a:pPr marL="216000" indent="-216000">
+              <a:buClr>
+                <a:srgbClr val="000000"/>
+              </a:buClr>
+              <a:buSzPct val="45000"/>
+              <a:buFont typeface="Wingdings" charset="2"/>
+              <a:buChar char=""/>
+            </a:pPr>
+            <a:r>
+              <a:rPr b="0" lang="en-US" sz="1800" spc="-1" strike="noStrike">
+                <a:latin typeface="Arial"/>
+              </a:rPr>
+              <a:t>Orchestration of other tools</a:t>
+            </a:r>
+            <a:endParaRPr b="0" lang="en-US" sz="1800" spc="-1" strike="noStrike">
+              <a:latin typeface="Arial"/>
+            </a:endParaRPr>
+          </a:p>
+          <a:p>
+            <a:pPr marL="216000" indent="-216000">
+              <a:buClr>
+                <a:srgbClr val="000000"/>
+              </a:buClr>
+              <a:buSzPct val="45000"/>
+              <a:buFont typeface="Wingdings" charset="2"/>
+              <a:buChar char=""/>
+            </a:pPr>
+            <a:endParaRPr b="0" lang="en-US" sz="1800" spc="-1" strike="noStrike">
+              <a:latin typeface="Arial"/>
+            </a:endParaRPr>
+          </a:p>
+          <a:p>
+            <a:pPr marL="216000" indent="-216000">
+              <a:buClr>
+                <a:srgbClr val="000000"/>
+              </a:buClr>
+              <a:buSzPct val="45000"/>
+              <a:buFont typeface="Wingdings" charset="2"/>
+              <a:buChar char=""/>
+            </a:pPr>
+            <a:r>
+              <a:rPr b="0" lang="en-US" sz="1800" spc="-1" strike="noStrike">
+                <a:latin typeface="Arial"/>
+              </a:rPr>
+              <a:t>Achieved through plugins</a:t>
+            </a:r>
+            <a:endParaRPr b="0" lang="en-US" sz="1800" spc="-1" strike="noStrike">
+              <a:latin typeface="Arial"/>
+            </a:endParaRPr>
+          </a:p>
+          <a:p>
+            <a:pPr marL="216000" indent="-216000">
+              <a:buClr>
+                <a:srgbClr val="000000"/>
+              </a:buClr>
+              <a:buSzPct val="45000"/>
+              <a:buFont typeface="Wingdings" charset="2"/>
+              <a:buChar char=""/>
+            </a:pPr>
+            <a:endParaRPr b="0" lang="en-US" sz="1800" spc="-1" strike="noStrike">
+              <a:latin typeface="Arial"/>
+            </a:endParaRPr>
+          </a:p>
+          <a:p>
+            <a:pPr marL="216000" indent="-216000">
+              <a:buClr>
+                <a:srgbClr val="000000"/>
+              </a:buClr>
+              <a:buSzPct val="45000"/>
+              <a:buFont typeface="Wingdings" charset="2"/>
+              <a:buChar char=""/>
+            </a:pPr>
+            <a:r>
+              <a:rPr b="0" lang="en-US" sz="1800" spc="-1" strike="noStrike">
+                <a:latin typeface="Arial"/>
+              </a:rPr>
+              <a:t>Problematic in maintenance</a:t>
+            </a:r>
+            <a:endParaRPr b="0" lang="en-US" sz="1800" spc="-1" strike="noStrike">
+              <a:latin typeface="Arial"/>
+            </a:endParaRPr>
+          </a:p>
+          <a:p>
+            <a:endParaRPr b="0" lang="en-US" sz="1800" spc="-1" strike="noStrike">
+              <a:latin typeface="Arial"/>
+            </a:endParaRPr>
+          </a:p>
+          <a:p>
             <a:endParaRPr b="0" lang="en-US" sz="1800" spc="-1" strike="noStrike">
               <a:latin typeface="Arial"/>
             </a:endParaRPr>
@@ -7813,14 +7909,14 @@
       </p:grpSpPr>
       <p:sp>
         <p:nvSpPr>
-          <p:cNvPr id="169" name="CustomShape 1"/>
+          <p:cNvPr id="172" name="CustomShape 1"/>
           <p:cNvSpPr/>
           <p:nvPr/>
         </p:nvSpPr>
         <p:spPr>
           <a:xfrm>
             <a:off x="720000" y="288000"/>
-            <a:ext cx="6613560" cy="493560"/>
+            <a:ext cx="6613200" cy="493200"/>
           </a:xfrm>
           <a:prstGeom prst="rect">
             <a:avLst/>
@@ -7852,7 +7948,7 @@
                 <a:latin typeface="Arial"/>
                 <a:ea typeface="DejaVu Sans"/>
               </a:rPr>
-              <a:t>Runners</a:t>
+              <a:t>NPM</a:t>
             </a:r>
             <a:endParaRPr b="0" lang="en-US" sz="1800" spc="-1" strike="noStrike">
               <a:latin typeface="Arial"/>
@@ -7862,14 +7958,14 @@
       </p:sp>
       <p:sp>
         <p:nvSpPr>
-          <p:cNvPr id="170" name="CustomShape 2"/>
+          <p:cNvPr id="173" name="CustomShape 2"/>
           <p:cNvSpPr/>
           <p:nvPr/>
         </p:nvSpPr>
         <p:spPr>
           <a:xfrm>
             <a:off x="4968000" y="5004000"/>
-            <a:ext cx="3229560" cy="97560"/>
+            <a:ext cx="3229200" cy="97200"/>
           </a:xfrm>
           <a:prstGeom prst="rect">
             <a:avLst/>
@@ -7911,14 +8007,14 @@
       </p:sp>
       <p:sp>
         <p:nvSpPr>
-          <p:cNvPr id="171" name="CustomShape 3"/>
+          <p:cNvPr id="174" name="CustomShape 3"/>
           <p:cNvSpPr/>
           <p:nvPr/>
         </p:nvSpPr>
         <p:spPr>
           <a:xfrm>
             <a:off x="8280000" y="5004000"/>
-            <a:ext cx="133560" cy="97560"/>
+            <a:ext cx="133200" cy="97200"/>
           </a:xfrm>
           <a:prstGeom prst="rect">
             <a:avLst/>
@@ -7942,7 +8038,7 @@
                 <a:spcPct val="100000"/>
               </a:lnSpc>
             </a:pPr>
-            <a:fld id="{63C9D749-DFD2-4C8F-8B64-2CA1045FC2D2}" type="slidenum">
+            <a:fld id="{7941AE5D-EB94-4486-8326-43747BB57297}" type="slidenum">
               <a:rPr b="0" lang="en-US" sz="600" spc="-1" strike="noStrike">
                 <a:solidFill>
                   <a:srgbClr val="ffffff"/>
@@ -7960,14 +8056,14 @@
       </p:sp>
       <p:sp>
         <p:nvSpPr>
-          <p:cNvPr id="172" name="CustomShape 4"/>
+          <p:cNvPr id="175" name="CustomShape 4"/>
           <p:cNvSpPr/>
           <p:nvPr/>
         </p:nvSpPr>
         <p:spPr>
           <a:xfrm>
             <a:off x="602640" y="504720"/>
-            <a:ext cx="6613560" cy="3876840"/>
+            <a:ext cx="6613200" cy="3876480"/>
           </a:xfrm>
           <a:prstGeom prst="rect">
             <a:avLst/>
@@ -8007,6 +8103,167 @@
           </a:p>
         </p:txBody>
       </p:sp>
+      <p:sp>
+        <p:nvSpPr>
+          <p:cNvPr id="176" name="TextShape 5"/>
+          <p:cNvSpPr txBox="1"/>
+          <p:nvPr/>
+        </p:nvSpPr>
+        <p:spPr>
+          <a:xfrm>
+            <a:off x="822960" y="1280160"/>
+            <a:ext cx="6217920" cy="1882080"/>
+          </a:xfrm>
+          <a:prstGeom prst="rect">
+            <a:avLst/>
+          </a:prstGeom>
+          <a:noFill/>
+          <a:ln>
+            <a:noFill/>
+          </a:ln>
+        </p:spPr>
+        <p:txBody>
+          <a:bodyPr lIns="90000" rIns="90000" tIns="45000" bIns="45000"/>
+          <a:p>
+            <a:pPr marL="216000" indent="-216000">
+              <a:buClr>
+                <a:srgbClr val="000000"/>
+              </a:buClr>
+              <a:buSzPct val="45000"/>
+              <a:buFont typeface="Wingdings" charset="2"/>
+              <a:buChar char=""/>
+            </a:pPr>
+            <a:r>
+              <a:rPr b="0" lang="en-US" sz="1800" spc="-1" strike="noStrike">
+                <a:latin typeface="Arial"/>
+              </a:rPr>
+              <a:t>Dependencies</a:t>
+            </a:r>
+            <a:endParaRPr b="0" lang="en-US" sz="1800" spc="-1" strike="noStrike">
+              <a:latin typeface="Arial"/>
+            </a:endParaRPr>
+          </a:p>
+          <a:p>
+            <a:pPr marL="216000" indent="-216000">
+              <a:buClr>
+                <a:srgbClr val="000000"/>
+              </a:buClr>
+              <a:buSzPct val="45000"/>
+              <a:buFont typeface="Wingdings" charset="2"/>
+              <a:buChar char=""/>
+            </a:pPr>
+            <a:endParaRPr b="0" lang="en-US" sz="1800" spc="-1" strike="noStrike">
+              <a:latin typeface="Arial"/>
+            </a:endParaRPr>
+          </a:p>
+          <a:p>
+            <a:pPr marL="216000" indent="-216000">
+              <a:buClr>
+                <a:srgbClr val="000000"/>
+              </a:buClr>
+              <a:buSzPct val="45000"/>
+              <a:buFont typeface="Wingdings" charset="2"/>
+              <a:buChar char=""/>
+            </a:pPr>
+            <a:r>
+              <a:rPr b="0" lang="en-US" sz="1800" spc="-1" strike="noStrike">
+                <a:latin typeface="Arial"/>
+              </a:rPr>
+              <a:t>Scripts</a:t>
+            </a:r>
+            <a:endParaRPr b="0" lang="en-US" sz="1800" spc="-1" strike="noStrike">
+              <a:latin typeface="Arial"/>
+            </a:endParaRPr>
+          </a:p>
+          <a:p>
+            <a:pPr marL="216000" indent="-216000">
+              <a:buClr>
+                <a:srgbClr val="000000"/>
+              </a:buClr>
+              <a:buSzPct val="45000"/>
+              <a:buFont typeface="Wingdings" charset="2"/>
+              <a:buChar char=""/>
+            </a:pPr>
+            <a:endParaRPr b="0" lang="en-US" sz="1800" spc="-1" strike="noStrike">
+              <a:latin typeface="Arial"/>
+            </a:endParaRPr>
+          </a:p>
+          <a:p>
+            <a:pPr marL="216000" indent="-216000">
+              <a:buClr>
+                <a:srgbClr val="000000"/>
+              </a:buClr>
+              <a:buSzPct val="45000"/>
+              <a:buFont typeface="Wingdings" charset="2"/>
+              <a:buChar char=""/>
+            </a:pPr>
+            <a:r>
+              <a:rPr b="0" lang="en-US" sz="1800" spc="-1" strike="noStrike">
+                <a:latin typeface="Arial"/>
+              </a:rPr>
+              <a:t>Config</a:t>
+            </a:r>
+            <a:endParaRPr b="0" lang="en-US" sz="1800" spc="-1" strike="noStrike">
+              <a:latin typeface="Arial"/>
+            </a:endParaRPr>
+          </a:p>
+          <a:p>
+            <a:pPr marL="216000" indent="-216000">
+              <a:buClr>
+                <a:srgbClr val="000000"/>
+              </a:buClr>
+              <a:buSzPct val="45000"/>
+              <a:buFont typeface="Wingdings" charset="2"/>
+              <a:buChar char=""/>
+            </a:pPr>
+            <a:endParaRPr b="0" lang="en-US" sz="1800" spc="-1" strike="noStrike">
+              <a:latin typeface="Arial"/>
+            </a:endParaRPr>
+          </a:p>
+          <a:p>
+            <a:pPr marL="216000" indent="-216000">
+              <a:buClr>
+                <a:srgbClr val="000000"/>
+              </a:buClr>
+              <a:buSzPct val="45000"/>
+              <a:buFont typeface="Wingdings" charset="2"/>
+              <a:buChar char=""/>
+            </a:pPr>
+            <a:r>
+              <a:rPr b="0" lang="en-US" sz="1800" spc="-1" strike="noStrike">
+                <a:latin typeface="Arial"/>
+              </a:rPr>
+              <a:t>Documentation </a:t>
+            </a:r>
+            <a:endParaRPr b="0" lang="en-US" sz="1800" spc="-1" strike="noStrike">
+              <a:latin typeface="Arial"/>
+            </a:endParaRPr>
+          </a:p>
+        </p:txBody>
+      </p:sp>
+      <p:pic>
+        <p:nvPicPr>
+          <p:cNvPr id="177" name="" descr=""/>
+          <p:cNvPicPr/>
+          <p:nvPr/>
+        </p:nvPicPr>
+        <p:blipFill>
+          <a:blip r:embed="rId1"/>
+          <a:stretch/>
+        </p:blipFill>
+        <p:spPr>
+          <a:xfrm>
+            <a:off x="8538120" y="4389120"/>
+            <a:ext cx="514440" cy="514440"/>
+          </a:xfrm>
+          <a:prstGeom prst="rect">
+            <a:avLst/>
+          </a:prstGeom>
+          <a:ln>
+            <a:noFill/>
+          </a:ln>
+        </p:spPr>
+      </p:pic>
     </p:spTree>
   </p:cSld>
   <p:timing>
@@ -8058,14 +8315,14 @@
       </p:grpSpPr>
       <p:sp>
         <p:nvSpPr>
-          <p:cNvPr id="173" name="CustomShape 1"/>
+          <p:cNvPr id="178" name="CustomShape 1"/>
           <p:cNvSpPr/>
           <p:nvPr/>
         </p:nvSpPr>
         <p:spPr>
           <a:xfrm>
             <a:off x="720000" y="288000"/>
-            <a:ext cx="6613560" cy="493560"/>
+            <a:ext cx="6613200" cy="493200"/>
           </a:xfrm>
           <a:prstGeom prst="rect">
             <a:avLst/>
@@ -8107,14 +8364,14 @@
       </p:sp>
       <p:sp>
         <p:nvSpPr>
-          <p:cNvPr id="174" name="CustomShape 2"/>
+          <p:cNvPr id="179" name="CustomShape 2"/>
           <p:cNvSpPr/>
           <p:nvPr/>
         </p:nvSpPr>
         <p:spPr>
           <a:xfrm>
             <a:off x="4968000" y="5004000"/>
-            <a:ext cx="3229560" cy="97560"/>
+            <a:ext cx="3229200" cy="97200"/>
           </a:xfrm>
           <a:prstGeom prst="rect">
             <a:avLst/>
@@ -8156,14 +8413,14 @@
       </p:sp>
       <p:sp>
         <p:nvSpPr>
-          <p:cNvPr id="175" name="CustomShape 3"/>
+          <p:cNvPr id="180" name="CustomShape 3"/>
           <p:cNvSpPr/>
           <p:nvPr/>
         </p:nvSpPr>
         <p:spPr>
           <a:xfrm>
             <a:off x="8280000" y="5004000"/>
-            <a:ext cx="133560" cy="97560"/>
+            <a:ext cx="133200" cy="97200"/>
           </a:xfrm>
           <a:prstGeom prst="rect">
             <a:avLst/>
@@ -8187,7 +8444,7 @@
                 <a:spcPct val="100000"/>
               </a:lnSpc>
             </a:pPr>
-            <a:fld id="{1E9D1D9F-38C6-4867-BACF-C9D1FBB78941}" type="slidenum">
+            <a:fld id="{83D8F47A-60AD-4020-93D5-592F70BE20C5}" type="slidenum">
               <a:rPr b="0" lang="en-US" sz="600" spc="-1" strike="noStrike">
                 <a:solidFill>
                   <a:srgbClr val="ffffff"/>
@@ -8205,14 +8462,14 @@
       </p:sp>
       <p:sp>
         <p:nvSpPr>
-          <p:cNvPr id="176" name="CustomShape 4"/>
+          <p:cNvPr id="181" name="CustomShape 4"/>
           <p:cNvSpPr/>
           <p:nvPr/>
         </p:nvSpPr>
         <p:spPr>
           <a:xfrm>
             <a:off x="602640" y="504720"/>
-            <a:ext cx="6613560" cy="3876840"/>
+            <a:ext cx="6613200" cy="3876480"/>
           </a:xfrm>
           <a:prstGeom prst="rect">
             <a:avLst/>
@@ -8254,14 +8511,14 @@
       </p:sp>
       <p:sp>
         <p:nvSpPr>
-          <p:cNvPr id="177" name="TextShape 5"/>
-          <p:cNvSpPr txBox="1"/>
+          <p:cNvPr id="182" name="CustomShape 5"/>
+          <p:cNvSpPr/>
           <p:nvPr/>
         </p:nvSpPr>
         <p:spPr>
           <a:xfrm>
             <a:off x="1005840" y="1737360"/>
-            <a:ext cx="1645920" cy="2138040"/>
+            <a:ext cx="5852160" cy="731520"/>
           </a:xfrm>
           <a:prstGeom prst="rect">
             <a:avLst/>
@@ -8271,9 +8528,20 @@
             <a:noFill/>
           </a:ln>
         </p:spPr>
+        <p:style>
+          <a:lnRef idx="0"/>
+          <a:fillRef idx="0"/>
+          <a:effectRef idx="0"/>
+          <a:fontRef idx="minor"/>
+        </p:style>
         <p:txBody>
           <a:bodyPr lIns="90000" rIns="90000" tIns="45000" bIns="45000"/>
           <a:p>
+            <a:pPr>
+              <a:lnSpc>
+                <a:spcPct val="100000"/>
+              </a:lnSpc>
+            </a:pPr>
             <a:r>
               <a:rPr b="0" lang="en-US" sz="1800" spc="-1" strike="noStrike">
                 <a:latin typeface="Arial"/>
@@ -8337,14 +8605,14 @@
       </p:grpSpPr>
       <p:sp>
         <p:nvSpPr>
-          <p:cNvPr id="178" name="CustomShape 1"/>
+          <p:cNvPr id="183" name="CustomShape 1"/>
           <p:cNvSpPr/>
           <p:nvPr/>
         </p:nvSpPr>
         <p:spPr>
           <a:xfrm>
             <a:off x="720000" y="288000"/>
-            <a:ext cx="6613560" cy="493560"/>
+            <a:ext cx="6613200" cy="493200"/>
           </a:xfrm>
           <a:prstGeom prst="rect">
             <a:avLst/>
@@ -8386,14 +8654,14 @@
       </p:sp>
       <p:sp>
         <p:nvSpPr>
-          <p:cNvPr id="179" name="CustomShape 2"/>
+          <p:cNvPr id="184" name="CustomShape 2"/>
           <p:cNvSpPr/>
           <p:nvPr/>
         </p:nvSpPr>
         <p:spPr>
           <a:xfrm>
             <a:off x="4968000" y="5004000"/>
-            <a:ext cx="3229560" cy="97560"/>
+            <a:ext cx="3229200" cy="97200"/>
           </a:xfrm>
           <a:prstGeom prst="rect">
             <a:avLst/>
@@ -8435,14 +8703,14 @@
       </p:sp>
       <p:sp>
         <p:nvSpPr>
-          <p:cNvPr id="180" name="CustomShape 3"/>
+          <p:cNvPr id="185" name="CustomShape 3"/>
           <p:cNvSpPr/>
           <p:nvPr/>
         </p:nvSpPr>
         <p:spPr>
           <a:xfrm>
             <a:off x="8280000" y="5004000"/>
-            <a:ext cx="133560" cy="97560"/>
+            <a:ext cx="133200" cy="97200"/>
           </a:xfrm>
           <a:prstGeom prst="rect">
             <a:avLst/>
@@ -8466,7 +8734,7 @@
                 <a:spcPct val="100000"/>
               </a:lnSpc>
             </a:pPr>
-            <a:fld id="{B7A65022-2108-4F24-8970-C2F1F98D7E50}" type="slidenum">
+            <a:fld id="{AC51FF9A-9DEE-4896-A164-B26CA1A90C80}" type="slidenum">
               <a:rPr b="0" lang="en-US" sz="600" spc="-1" strike="noStrike">
                 <a:solidFill>
                   <a:srgbClr val="ffffff"/>
@@ -8484,14 +8752,14 @@
       </p:sp>
       <p:sp>
         <p:nvSpPr>
-          <p:cNvPr id="181" name="CustomShape 4"/>
+          <p:cNvPr id="186" name="CustomShape 4"/>
           <p:cNvSpPr/>
           <p:nvPr/>
         </p:nvSpPr>
         <p:spPr>
           <a:xfrm>
             <a:off x="602640" y="504720"/>
-            <a:ext cx="6613560" cy="3876840"/>
+            <a:ext cx="6613200" cy="3876480"/>
           </a:xfrm>
           <a:prstGeom prst="rect">
             <a:avLst/>
@@ -8582,14 +8850,14 @@
       </p:grpSpPr>
       <p:sp>
         <p:nvSpPr>
-          <p:cNvPr id="182" name="CustomShape 1"/>
+          <p:cNvPr id="187" name="CustomShape 1"/>
           <p:cNvSpPr/>
           <p:nvPr/>
         </p:nvSpPr>
         <p:spPr>
           <a:xfrm>
             <a:off x="720000" y="288000"/>
-            <a:ext cx="6613560" cy="493560"/>
+            <a:ext cx="6613200" cy="493200"/>
           </a:xfrm>
           <a:prstGeom prst="rect">
             <a:avLst/>
@@ -8631,14 +8899,14 @@
       </p:sp>
       <p:sp>
         <p:nvSpPr>
-          <p:cNvPr id="183" name="CustomShape 2"/>
+          <p:cNvPr id="188" name="CustomShape 2"/>
           <p:cNvSpPr/>
           <p:nvPr/>
         </p:nvSpPr>
         <p:spPr>
           <a:xfrm>
             <a:off x="4968000" y="5004000"/>
-            <a:ext cx="3229560" cy="97560"/>
+            <a:ext cx="3229200" cy="97200"/>
           </a:xfrm>
           <a:prstGeom prst="rect">
             <a:avLst/>
@@ -8680,14 +8948,14 @@
       </p:sp>
       <p:sp>
         <p:nvSpPr>
-          <p:cNvPr id="184" name="CustomShape 3"/>
+          <p:cNvPr id="189" name="CustomShape 3"/>
           <p:cNvSpPr/>
           <p:nvPr/>
         </p:nvSpPr>
         <p:spPr>
           <a:xfrm>
             <a:off x="8280000" y="5004000"/>
-            <a:ext cx="133560" cy="97560"/>
+            <a:ext cx="133200" cy="97200"/>
           </a:xfrm>
           <a:prstGeom prst="rect">
             <a:avLst/>
@@ -8711,7 +8979,7 @@
                 <a:spcPct val="100000"/>
               </a:lnSpc>
             </a:pPr>
-            <a:fld id="{CC2B3839-B1C6-49BB-87A1-213B9832F413}" type="slidenum">
+            <a:fld id="{87FF2954-9608-4C04-ACB9-08A9196CE06B}" type="slidenum">
               <a:rPr b="0" lang="en-US" sz="600" spc="-1" strike="noStrike">
                 <a:solidFill>
                   <a:srgbClr val="ffffff"/>
@@ -8729,14 +8997,14 @@
       </p:sp>
       <p:sp>
         <p:nvSpPr>
-          <p:cNvPr id="185" name="CustomShape 4"/>
+          <p:cNvPr id="190" name="CustomShape 4"/>
           <p:cNvSpPr/>
           <p:nvPr/>
         </p:nvSpPr>
         <p:spPr>
           <a:xfrm>
             <a:off x="602640" y="504720"/>
-            <a:ext cx="6613560" cy="3876840"/>
+            <a:ext cx="6613200" cy="3876480"/>
           </a:xfrm>
           <a:prstGeom prst="rect">
             <a:avLst/>

--- a/React SIG 3 slides.pptx
+++ b/React SIG 3 slides.pptx
@@ -19,6 +19,13 @@
     <p:sldId id="265" r:id="rId14"/>
     <p:sldId id="266" r:id="rId15"/>
     <p:sldId id="267" r:id="rId16"/>
+    <p:sldId id="268" r:id="rId17"/>
+    <p:sldId id="269" r:id="rId18"/>
+    <p:sldId id="270" r:id="rId19"/>
+    <p:sldId id="271" r:id="rId20"/>
+    <p:sldId id="272" r:id="rId21"/>
+    <p:sldId id="273" r:id="rId22"/>
+    <p:sldId id="274" r:id="rId23"/>
   </p:sldIdLst>
   <p:sldSz cx="9144000" cy="5143500"/>
   <p:notesSz cx="7559675" cy="10691812"/>
@@ -4058,7 +4065,7 @@
         <p:spPr>
           <a:xfrm>
             <a:off x="7200000" y="360000"/>
-            <a:ext cx="1248120" cy="275760"/>
+            <a:ext cx="1247760" cy="275400"/>
           </a:xfrm>
           <a:prstGeom prst="rect">
             <a:avLst/>
@@ -4081,7 +4088,7 @@
         <p:spPr>
           <a:xfrm>
             <a:off x="0" y="4966560"/>
-            <a:ext cx="9133200" cy="165960"/>
+            <a:ext cx="9132840" cy="165600"/>
           </a:xfrm>
           <a:prstGeom prst="rect">
             <a:avLst/>
@@ -4138,7 +4145,7 @@
         <p:spPr>
           <a:xfrm>
             <a:off x="0" y="4966560"/>
-            <a:ext cx="9133200" cy="165960"/>
+            <a:ext cx="9132840" cy="165600"/>
           </a:xfrm>
           <a:prstGeom prst="rect">
             <a:avLst/>
@@ -4161,7 +4168,7 @@
         <p:spPr>
           <a:xfrm>
             <a:off x="648000" y="108000"/>
-            <a:ext cx="2869560" cy="638280"/>
+            <a:ext cx="2869200" cy="637920"/>
           </a:xfrm>
           <a:prstGeom prst="rect">
             <a:avLst/>
@@ -4442,7 +4449,7 @@
         <p:spPr>
           <a:xfrm>
             <a:off x="7200000" y="360000"/>
-            <a:ext cx="1248120" cy="275760"/>
+            <a:ext cx="1247760" cy="275400"/>
           </a:xfrm>
           <a:prstGeom prst="rect">
             <a:avLst/>
@@ -4465,7 +4472,7 @@
         <p:spPr>
           <a:xfrm>
             <a:off x="0" y="4966560"/>
-            <a:ext cx="9133200" cy="165960"/>
+            <a:ext cx="9132840" cy="165600"/>
           </a:xfrm>
           <a:prstGeom prst="rect">
             <a:avLst/>
@@ -4780,7 +4787,7 @@
         <p:spPr>
           <a:xfrm>
             <a:off x="7200000" y="360000"/>
-            <a:ext cx="1248120" cy="275760"/>
+            <a:ext cx="1247760" cy="275400"/>
           </a:xfrm>
           <a:prstGeom prst="rect">
             <a:avLst/>
@@ -4803,7 +4810,7 @@
         <p:spPr>
           <a:xfrm>
             <a:off x="0" y="4966560"/>
-            <a:ext cx="9133200" cy="165960"/>
+            <a:ext cx="9132840" cy="165600"/>
           </a:xfrm>
           <a:prstGeom prst="rect">
             <a:avLst/>
@@ -4856,7 +4863,7 @@
         <p:spPr>
           <a:xfrm>
             <a:off x="0" y="812880"/>
-            <a:ext cx="9133200" cy="3499200"/>
+            <a:ext cx="9132840" cy="3498840"/>
           </a:xfrm>
           <a:prstGeom prst="rect">
             <a:avLst/>
@@ -5148,7 +5155,7 @@
         <p:spPr>
           <a:xfrm>
             <a:off x="0" y="810000"/>
-            <a:ext cx="9133200" cy="3337200"/>
+            <a:ext cx="9132840" cy="3336840"/>
           </a:xfrm>
           <a:prstGeom prst="rect">
             <a:avLst/>
@@ -5170,7 +5177,7 @@
         <p:spPr>
           <a:xfrm>
             <a:off x="5400000" y="1548000"/>
-            <a:ext cx="3013200" cy="3013200"/>
+            <a:ext cx="3012840" cy="3012840"/>
           </a:xfrm>
           <a:prstGeom prst="rect">
             <a:avLst/>
@@ -5284,14 +5291,14 @@
       </p:grpSpPr>
       <p:sp>
         <p:nvSpPr>
-          <p:cNvPr id="191" name="CustomShape 1"/>
+          <p:cNvPr id="204" name="CustomShape 1"/>
           <p:cNvSpPr/>
           <p:nvPr/>
         </p:nvSpPr>
         <p:spPr>
           <a:xfrm>
             <a:off x="720000" y="288000"/>
-            <a:ext cx="6613200" cy="493200"/>
+            <a:ext cx="6612840" cy="492840"/>
           </a:xfrm>
           <a:prstGeom prst="rect">
             <a:avLst/>
@@ -5323,7 +5330,7 @@
                 <a:latin typeface="Arial"/>
                 <a:ea typeface="DejaVu Sans"/>
               </a:rPr>
-              <a:t>Prettier &amp; Editorconfig</a:t>
+              <a:t>ES2016+</a:t>
             </a:r>
             <a:endParaRPr b="0" lang="en-US" sz="1800" spc="-1" strike="noStrike">
               <a:latin typeface="Arial"/>
@@ -5333,14 +5340,14 @@
       </p:sp>
       <p:sp>
         <p:nvSpPr>
-          <p:cNvPr id="192" name="CustomShape 2"/>
+          <p:cNvPr id="205" name="CustomShape 2"/>
           <p:cNvSpPr/>
           <p:nvPr/>
         </p:nvSpPr>
         <p:spPr>
           <a:xfrm>
             <a:off x="4968000" y="5004000"/>
-            <a:ext cx="3229200" cy="97200"/>
+            <a:ext cx="3228840" cy="96840"/>
           </a:xfrm>
           <a:prstGeom prst="rect">
             <a:avLst/>
@@ -5382,14 +5389,14 @@
       </p:sp>
       <p:sp>
         <p:nvSpPr>
-          <p:cNvPr id="193" name="CustomShape 3"/>
+          <p:cNvPr id="206" name="CustomShape 3"/>
           <p:cNvSpPr/>
           <p:nvPr/>
         </p:nvSpPr>
         <p:spPr>
           <a:xfrm>
             <a:off x="8280000" y="5004000"/>
-            <a:ext cx="133200" cy="97200"/>
+            <a:ext cx="132840" cy="96840"/>
           </a:xfrm>
           <a:prstGeom prst="rect">
             <a:avLst/>
@@ -5413,7 +5420,7 @@
                 <a:spcPct val="100000"/>
               </a:lnSpc>
             </a:pPr>
-            <a:fld id="{BF46B2C0-81A3-4932-A06D-D973DBC39B2A}" type="slidenum">
+            <a:fld id="{99786415-DF2B-4433-8960-247E6F18006A}" type="slidenum">
               <a:rPr b="0" lang="en-US" sz="600" spc="-1" strike="noStrike">
                 <a:solidFill>
                   <a:srgbClr val="ffffff"/>
@@ -5421,7 +5428,7 @@
                 <a:latin typeface="Arial"/>
                 <a:ea typeface="DejaVu Sans"/>
               </a:rPr>
-              <a:t>1</a:t>
+              <a:t>&lt;number&gt;</a:t>
             </a:fld>
             <a:endParaRPr b="0" lang="en-US" sz="600" spc="-1" strike="noStrike">
               <a:latin typeface="Arial"/>
@@ -5431,14 +5438,14 @@
       </p:sp>
       <p:sp>
         <p:nvSpPr>
-          <p:cNvPr id="194" name="CustomShape 4"/>
+          <p:cNvPr id="207" name="CustomShape 4"/>
           <p:cNvSpPr/>
           <p:nvPr/>
         </p:nvSpPr>
         <p:spPr>
           <a:xfrm>
             <a:off x="602640" y="504720"/>
-            <a:ext cx="6613200" cy="3876480"/>
+            <a:ext cx="6612840" cy="3876120"/>
           </a:xfrm>
           <a:prstGeom prst="rect">
             <a:avLst/>
@@ -5478,6 +5485,98 @@
           </a:p>
         </p:txBody>
       </p:sp>
+      <p:pic>
+        <p:nvPicPr>
+          <p:cNvPr id="208" name="" descr=""/>
+          <p:cNvPicPr/>
+          <p:nvPr/>
+        </p:nvPicPr>
+        <p:blipFill>
+          <a:blip r:embed="rId1"/>
+          <a:stretch/>
+        </p:blipFill>
+        <p:spPr>
+          <a:xfrm>
+            <a:off x="1005840" y="2103120"/>
+            <a:ext cx="822960" cy="822960"/>
+          </a:xfrm>
+          <a:prstGeom prst="rect">
+            <a:avLst/>
+          </a:prstGeom>
+          <a:ln>
+            <a:noFill/>
+          </a:ln>
+        </p:spPr>
+      </p:pic>
+      <p:pic>
+        <p:nvPicPr>
+          <p:cNvPr id="209" name="" descr=""/>
+          <p:cNvPicPr/>
+          <p:nvPr/>
+        </p:nvPicPr>
+        <p:blipFill>
+          <a:blip r:embed="rId2"/>
+          <a:stretch/>
+        </p:blipFill>
+        <p:spPr>
+          <a:xfrm>
+            <a:off x="3931920" y="1920240"/>
+            <a:ext cx="1056960" cy="849600"/>
+          </a:xfrm>
+          <a:prstGeom prst="rect">
+            <a:avLst/>
+          </a:prstGeom>
+          <a:ln>
+            <a:noFill/>
+          </a:ln>
+        </p:spPr>
+      </p:pic>
+      <p:pic>
+        <p:nvPicPr>
+          <p:cNvPr id="210" name="" descr=""/>
+          <p:cNvPicPr/>
+          <p:nvPr/>
+        </p:nvPicPr>
+        <p:blipFill>
+          <a:blip r:embed="rId3"/>
+          <a:stretch/>
+        </p:blipFill>
+        <p:spPr>
+          <a:xfrm>
+            <a:off x="6858000" y="2121840"/>
+            <a:ext cx="1371600" cy="621360"/>
+          </a:xfrm>
+          <a:prstGeom prst="rect">
+            <a:avLst/>
+          </a:prstGeom>
+          <a:ln>
+            <a:noFill/>
+          </a:ln>
+        </p:spPr>
+      </p:pic>
+      <p:pic>
+        <p:nvPicPr>
+          <p:cNvPr id="211" name="" descr=""/>
+          <p:cNvPicPr/>
+          <p:nvPr/>
+        </p:nvPicPr>
+        <p:blipFill>
+          <a:blip r:embed="rId4"/>
+          <a:stretch/>
+        </p:blipFill>
+        <p:spPr>
+          <a:xfrm>
+            <a:off x="655920" y="1800"/>
+            <a:ext cx="7482240" cy="5143320"/>
+          </a:xfrm>
+          <a:prstGeom prst="rect">
+            <a:avLst/>
+          </a:prstGeom>
+          <a:ln>
+            <a:noFill/>
+          </a:ln>
+        </p:spPr>
+      </p:pic>
     </p:spTree>
   </p:cSld>
   <p:timing>
@@ -5529,14 +5628,14 @@
       </p:grpSpPr>
       <p:sp>
         <p:nvSpPr>
-          <p:cNvPr id="195" name="CustomShape 1"/>
+          <p:cNvPr id="212" name="CustomShape 1"/>
           <p:cNvSpPr/>
           <p:nvPr/>
         </p:nvSpPr>
         <p:spPr>
           <a:xfrm>
             <a:off x="720000" y="288000"/>
-            <a:ext cx="6613200" cy="493200"/>
+            <a:ext cx="6612840" cy="492840"/>
           </a:xfrm>
           <a:prstGeom prst="rect">
             <a:avLst/>
@@ -5568,7 +5667,7 @@
                 <a:latin typeface="Arial"/>
                 <a:ea typeface="DejaVu Sans"/>
               </a:rPr>
-              <a:t>Testing</a:t>
+              <a:t>Linters</a:t>
             </a:r>
             <a:endParaRPr b="0" lang="en-US" sz="1800" spc="-1" strike="noStrike">
               <a:latin typeface="Arial"/>
@@ -5578,14 +5677,14 @@
       </p:sp>
       <p:sp>
         <p:nvSpPr>
-          <p:cNvPr id="196" name="CustomShape 2"/>
+          <p:cNvPr id="213" name="CustomShape 2"/>
           <p:cNvSpPr/>
           <p:nvPr/>
         </p:nvSpPr>
         <p:spPr>
           <a:xfrm>
             <a:off x="4968000" y="5004000"/>
-            <a:ext cx="3229200" cy="97200"/>
+            <a:ext cx="3228840" cy="96840"/>
           </a:xfrm>
           <a:prstGeom prst="rect">
             <a:avLst/>
@@ -5627,14 +5726,14 @@
       </p:sp>
       <p:sp>
         <p:nvSpPr>
-          <p:cNvPr id="197" name="CustomShape 3"/>
+          <p:cNvPr id="214" name="CustomShape 3"/>
           <p:cNvSpPr/>
           <p:nvPr/>
         </p:nvSpPr>
         <p:spPr>
           <a:xfrm>
             <a:off x="8280000" y="5004000"/>
-            <a:ext cx="133200" cy="97200"/>
+            <a:ext cx="132840" cy="96840"/>
           </a:xfrm>
           <a:prstGeom prst="rect">
             <a:avLst/>
@@ -5658,7 +5757,7 @@
                 <a:spcPct val="100000"/>
               </a:lnSpc>
             </a:pPr>
-            <a:fld id="{66F2CF00-990F-4EE6-A9CB-E8874432248D}" type="slidenum">
+            <a:fld id="{034DBCAF-6535-41F1-A922-1E62B7A466DE}" type="slidenum">
               <a:rPr b="0" lang="en-US" sz="600" spc="-1" strike="noStrike">
                 <a:solidFill>
                   <a:srgbClr val="ffffff"/>
@@ -5666,7 +5765,7 @@
                 <a:latin typeface="Arial"/>
                 <a:ea typeface="DejaVu Sans"/>
               </a:rPr>
-              <a:t>1</a:t>
+              <a:t>&lt;number&gt;</a:t>
             </a:fld>
             <a:endParaRPr b="0" lang="en-US" sz="600" spc="-1" strike="noStrike">
               <a:latin typeface="Arial"/>
@@ -5676,14 +5775,14 @@
       </p:sp>
       <p:sp>
         <p:nvSpPr>
-          <p:cNvPr id="198" name="CustomShape 4"/>
+          <p:cNvPr id="215" name="CustomShape 4"/>
           <p:cNvSpPr/>
           <p:nvPr/>
         </p:nvSpPr>
         <p:spPr>
           <a:xfrm>
             <a:off x="602640" y="504720"/>
-            <a:ext cx="6613200" cy="3876480"/>
+            <a:ext cx="6612840" cy="3876120"/>
           </a:xfrm>
           <a:prstGeom prst="rect">
             <a:avLst/>
@@ -5723,6 +5822,52 @@
           </a:p>
         </p:txBody>
       </p:sp>
+      <p:pic>
+        <p:nvPicPr>
+          <p:cNvPr id="216" name="" descr=""/>
+          <p:cNvPicPr/>
+          <p:nvPr/>
+        </p:nvPicPr>
+        <p:blipFill>
+          <a:blip r:embed="rId1"/>
+          <a:stretch/>
+        </p:blipFill>
+        <p:spPr>
+          <a:xfrm>
+            <a:off x="2377440" y="1554480"/>
+            <a:ext cx="1828800" cy="1828800"/>
+          </a:xfrm>
+          <a:prstGeom prst="rect">
+            <a:avLst/>
+          </a:prstGeom>
+          <a:ln>
+            <a:noFill/>
+          </a:ln>
+        </p:spPr>
+      </p:pic>
+      <p:pic>
+        <p:nvPicPr>
+          <p:cNvPr id="217" name="" descr=""/>
+          <p:cNvPicPr/>
+          <p:nvPr/>
+        </p:nvPicPr>
+        <p:blipFill>
+          <a:blip r:embed="rId2"/>
+          <a:stretch/>
+        </p:blipFill>
+        <p:spPr>
+          <a:xfrm>
+            <a:off x="5029200" y="1406520"/>
+            <a:ext cx="2159640" cy="2159640"/>
+          </a:xfrm>
+          <a:prstGeom prst="rect">
+            <a:avLst/>
+          </a:prstGeom>
+          <a:ln>
+            <a:noFill/>
+          </a:ln>
+        </p:spPr>
+      </p:pic>
     </p:spTree>
   </p:cSld>
   <p:timing>
@@ -5774,14 +5919,14 @@
       </p:grpSpPr>
       <p:sp>
         <p:nvSpPr>
-          <p:cNvPr id="199" name="CustomShape 1"/>
+          <p:cNvPr id="218" name="CustomShape 1"/>
           <p:cNvSpPr/>
           <p:nvPr/>
         </p:nvSpPr>
         <p:spPr>
           <a:xfrm>
             <a:off x="720000" y="288000"/>
-            <a:ext cx="6613200" cy="493200"/>
+            <a:ext cx="6612840" cy="492840"/>
           </a:xfrm>
           <a:prstGeom prst="rect">
             <a:avLst/>
@@ -5813,7 +5958,7 @@
                 <a:latin typeface="Arial"/>
                 <a:ea typeface="DejaVu Sans"/>
               </a:rPr>
-              <a:t>Dinner &amp; Hands On</a:t>
+              <a:t>Prettier &amp; Editorconfig</a:t>
             </a:r>
             <a:endParaRPr b="0" lang="en-US" sz="1800" spc="-1" strike="noStrike">
               <a:latin typeface="Arial"/>
@@ -5823,14 +5968,14 @@
       </p:sp>
       <p:sp>
         <p:nvSpPr>
-          <p:cNvPr id="200" name="CustomShape 2"/>
+          <p:cNvPr id="219" name="CustomShape 2"/>
           <p:cNvSpPr/>
           <p:nvPr/>
         </p:nvSpPr>
         <p:spPr>
           <a:xfrm>
-            <a:off x="1097280" y="2194560"/>
-            <a:ext cx="3647160" cy="768240"/>
+            <a:off x="4968000" y="5004000"/>
+            <a:ext cx="3228840" cy="96840"/>
           </a:xfrm>
           <a:prstGeom prst="rect">
             <a:avLst/>
@@ -5846,17 +5991,40 @@
           <a:effectRef idx="0"/>
           <a:fontRef idx="minor"/>
         </p:style>
-      </p:sp>
-      <p:sp>
-        <p:nvSpPr>
-          <p:cNvPr id="201" name="CustomShape 3"/>
+        <p:txBody>
+          <a:bodyPr lIns="0" rIns="0" tIns="0" bIns="0"/>
+          <a:p>
+            <a:pPr algn="r">
+              <a:lnSpc>
+                <a:spcPct val="100000"/>
+              </a:lnSpc>
+            </a:pPr>
+            <a:r>
+              <a:rPr b="0" lang="en-US" sz="600" spc="-1" strike="noStrike">
+                <a:solidFill>
+                  <a:srgbClr val="ffffff"/>
+                </a:solidFill>
+                <a:latin typeface="Arial"/>
+                <a:ea typeface="DejaVu Sans"/>
+              </a:rPr>
+              <a:t>JS Tooling</a:t>
+            </a:r>
+            <a:endParaRPr b="0" lang="en-US" sz="600" spc="-1" strike="noStrike">
+              <a:latin typeface="Arial"/>
+            </a:endParaRPr>
+          </a:p>
+        </p:txBody>
+      </p:sp>
+      <p:sp>
+        <p:nvSpPr>
+          <p:cNvPr id="220" name="CustomShape 3"/>
           <p:cNvSpPr/>
           <p:nvPr/>
         </p:nvSpPr>
         <p:spPr>
           <a:xfrm>
-            <a:off x="4968000" y="5004000"/>
-            <a:ext cx="3229200" cy="97200"/>
+            <a:off x="8280000" y="5004000"/>
+            <a:ext cx="132840" cy="96840"/>
           </a:xfrm>
           <a:prstGeom prst="rect">
             <a:avLst/>
@@ -5880,7 +6048,7 @@
                 <a:spcPct val="100000"/>
               </a:lnSpc>
             </a:pPr>
-            <a:r>
+            <a:fld id="{03BE28F4-0EA3-467F-ADC6-B86BA236E375}" type="slidenum">
               <a:rPr b="0" lang="en-US" sz="600" spc="-1" strike="noStrike">
                 <a:solidFill>
                   <a:srgbClr val="ffffff"/>
@@ -5888,8 +6056,8 @@
                 <a:latin typeface="Arial"/>
                 <a:ea typeface="DejaVu Sans"/>
               </a:rPr>
-              <a:t>React</a:t>
-            </a:r>
+              <a:t>&lt;number&gt;</a:t>
+            </a:fld>
             <a:endParaRPr b="0" lang="en-US" sz="600" spc="-1" strike="noStrike">
               <a:latin typeface="Arial"/>
             </a:endParaRPr>
@@ -5898,14 +6066,14 @@
       </p:sp>
       <p:sp>
         <p:nvSpPr>
-          <p:cNvPr id="202" name="CustomShape 4"/>
+          <p:cNvPr id="221" name="CustomShape 4"/>
           <p:cNvSpPr/>
           <p:nvPr/>
         </p:nvSpPr>
         <p:spPr>
           <a:xfrm>
-            <a:off x="8280000" y="5004000"/>
-            <a:ext cx="133200" cy="97200"/>
+            <a:off x="602640" y="504720"/>
+            <a:ext cx="6612840" cy="3876120"/>
           </a:xfrm>
           <a:prstGeom prst="rect">
             <a:avLst/>
@@ -5924,22 +6092,22 @@
         <p:txBody>
           <a:bodyPr lIns="0" rIns="0" tIns="0" bIns="0"/>
           <a:p>
-            <a:pPr algn="r">
+            <a:pPr>
               <a:lnSpc>
-                <a:spcPct val="100000"/>
+                <a:spcPct val="120000"/>
               </a:lnSpc>
             </a:pPr>
-            <a:fld id="{D8A27142-475D-4941-8D60-E73D9F26BE64}" type="slidenum">
-              <a:rPr b="0" lang="en-US" sz="600" spc="-1" strike="noStrike">
-                <a:solidFill>
-                  <a:srgbClr val="ffffff"/>
-                </a:solidFill>
-                <a:latin typeface="Arial"/>
-                <a:ea typeface="DejaVu Sans"/>
-              </a:rPr>
-              <a:t>1</a:t>
-            </a:fld>
-            <a:endParaRPr b="0" lang="en-US" sz="600" spc="-1" strike="noStrike">
+            <a:endParaRPr b="0" lang="en-US" sz="1800" spc="-1" strike="noStrike">
+              <a:latin typeface="Arial"/>
+            </a:endParaRPr>
+          </a:p>
+          <a:p>
+            <a:pPr>
+              <a:lnSpc>
+                <a:spcPct val="120000"/>
+              </a:lnSpc>
+            </a:pPr>
+            <a:endParaRPr b="0" lang="en-US" sz="1800" spc="-1" strike="noStrike">
               <a:latin typeface="Arial"/>
             </a:endParaRPr>
           </a:p>
@@ -5947,7 +6115,7 @@
       </p:sp>
       <p:pic>
         <p:nvPicPr>
-          <p:cNvPr id="203" name="Picture Placeholder 6" descr=""/>
+          <p:cNvPr id="222" name="" descr=""/>
           <p:cNvPicPr/>
           <p:nvPr/>
         </p:nvPicPr>
@@ -5957,69 +6125,17 @@
         </p:blipFill>
         <p:spPr>
           <a:xfrm>
-            <a:off x="6840000" y="810000"/>
-            <a:ext cx="2293200" cy="3499200"/>
-          </a:xfrm>
-          <a:prstGeom prst="rect">
-            <a:avLst/>
-          </a:prstGeom>
-          <a:ln w="9360">
-            <a:solidFill>
-              <a:schemeClr val="bg1"/>
-            </a:solidFill>
-            <a:round/>
+            <a:off x="0" y="631080"/>
+            <a:ext cx="5897880" cy="4215240"/>
+          </a:xfrm>
+          <a:prstGeom prst="rect">
+            <a:avLst/>
+          </a:prstGeom>
+          <a:ln>
+            <a:noFill/>
           </a:ln>
         </p:spPr>
       </p:pic>
-      <p:sp>
-        <p:nvSpPr>
-          <p:cNvPr id="204" name="CustomShape 5"/>
-          <p:cNvSpPr/>
-          <p:nvPr/>
-        </p:nvSpPr>
-        <p:spPr>
-          <a:xfrm>
-            <a:off x="1737360" y="2066040"/>
-            <a:ext cx="3647160" cy="768240"/>
-          </a:xfrm>
-          <a:prstGeom prst="rect">
-            <a:avLst/>
-          </a:prstGeom>
-          <a:noFill/>
-          <a:ln>
-            <a:noFill/>
-          </a:ln>
-        </p:spPr>
-        <p:style>
-          <a:lnRef idx="0"/>
-          <a:fillRef idx="0"/>
-          <a:effectRef idx="0"/>
-          <a:fontRef idx="minor"/>
-        </p:style>
-        <p:txBody>
-          <a:bodyPr lIns="0" rIns="0" tIns="0" bIns="0"/>
-          <a:p>
-            <a:pPr>
-              <a:lnSpc>
-                <a:spcPct val="120000"/>
-              </a:lnSpc>
-            </a:pPr>
-            <a:r>
-              <a:rPr b="0" lang="en-US" sz="3200" spc="-1" strike="noStrike">
-                <a:solidFill>
-                  <a:srgbClr val="ffffff"/>
-                </a:solidFill>
-                <a:latin typeface="Arial"/>
-                <a:ea typeface="DejaVu Sans"/>
-              </a:rPr>
-              <a:t>It’s dinnertime!</a:t>
-            </a:r>
-            <a:endParaRPr b="0" lang="en-US" sz="3200" spc="-1" strike="noStrike">
-              <a:latin typeface="Arial"/>
-            </a:endParaRPr>
-          </a:p>
-        </p:txBody>
-      </p:sp>
     </p:spTree>
   </p:cSld>
   <p:timing>
@@ -6029,6 +6145,2639 @@
           <p:childTnLst>
             <p:seq>
               <p:cTn id="24" dur="indefinite" nodeType="mainSeq"/>
+              <p:prevCondLst>
+                <p:cond delay="0" evt="onPrev">
+                  <p:tgtEl>
+                    <p:sldTgt/>
+                  </p:tgtEl>
+                </p:cond>
+              </p:prevCondLst>
+              <p:nextCondLst>
+                <p:cond delay="0" evt="onNext">
+                  <p:tgtEl>
+                    <p:sldTgt/>
+                  </p:tgtEl>
+                </p:cond>
+              </p:nextCondLst>
+            </p:seq>
+          </p:childTnLst>
+        </p:cTn>
+      </p:par>
+    </p:tnLst>
+  </p:timing>
+</p:sld>
+</file>
+
+<file path=ppt/slides/slide13.xml><?xml version="1.0" encoding="utf-8"?>
+<p:sld xmlns:a="http://schemas.openxmlformats.org/drawingml/2006/main" xmlns:p="http://schemas.openxmlformats.org/presentationml/2006/main" xmlns:r="http://schemas.openxmlformats.org/officeDocument/2006/relationships" xmlns:p14="http://schemas.microsoft.com/office/powerpoint/2010/main" xmlns:p15="http://schemas.microsoft.com/office/powerpoint/2012/main" xmlns:mc="http://schemas.openxmlformats.org/markup-compatibility/2006">
+  <p:cSld>
+    <p:spTree>
+      <p:nvGrpSpPr>
+        <p:cNvPr id="1" name=""/>
+        <p:cNvGrpSpPr/>
+        <p:nvPr/>
+      </p:nvGrpSpPr>
+      <p:grpSpPr>
+        <a:xfrm>
+          <a:off x="0" y="0"/>
+          <a:ext cx="0" cy="0"/>
+          <a:chOff x="0" y="0"/>
+          <a:chExt cx="0" cy="0"/>
+        </a:xfrm>
+      </p:grpSpPr>
+      <p:sp>
+        <p:nvSpPr>
+          <p:cNvPr id="223" name="CustomShape 1"/>
+          <p:cNvSpPr/>
+          <p:nvPr/>
+        </p:nvSpPr>
+        <p:spPr>
+          <a:xfrm>
+            <a:off x="720000" y="288000"/>
+            <a:ext cx="6612840" cy="492840"/>
+          </a:xfrm>
+          <a:prstGeom prst="rect">
+            <a:avLst/>
+          </a:prstGeom>
+          <a:noFill/>
+          <a:ln>
+            <a:noFill/>
+          </a:ln>
+        </p:spPr>
+        <p:style>
+          <a:lnRef idx="0"/>
+          <a:fillRef idx="0"/>
+          <a:effectRef idx="0"/>
+          <a:fontRef idx="minor"/>
+        </p:style>
+        <p:txBody>
+          <a:bodyPr lIns="0" rIns="0" tIns="0" bIns="0" anchor="ctr"/>
+          <a:p>
+            <a:pPr>
+              <a:lnSpc>
+                <a:spcPct val="85000"/>
+              </a:lnSpc>
+            </a:pPr>
+            <a:r>
+              <a:rPr b="1" lang="en-US" sz="1800" spc="-1" strike="noStrike">
+                <a:solidFill>
+                  <a:srgbClr val="e63232"/>
+                </a:solidFill>
+                <a:latin typeface="Arial"/>
+                <a:ea typeface="DejaVu Sans"/>
+              </a:rPr>
+              <a:t>Prettier &amp; Editorconfig</a:t>
+            </a:r>
+            <a:endParaRPr b="0" lang="en-US" sz="1800" spc="-1" strike="noStrike">
+              <a:latin typeface="Arial"/>
+            </a:endParaRPr>
+          </a:p>
+        </p:txBody>
+      </p:sp>
+      <p:sp>
+        <p:nvSpPr>
+          <p:cNvPr id="224" name="CustomShape 2"/>
+          <p:cNvSpPr/>
+          <p:nvPr/>
+        </p:nvSpPr>
+        <p:spPr>
+          <a:xfrm>
+            <a:off x="4968000" y="5004000"/>
+            <a:ext cx="3228840" cy="96840"/>
+          </a:xfrm>
+          <a:prstGeom prst="rect">
+            <a:avLst/>
+          </a:prstGeom>
+          <a:noFill/>
+          <a:ln>
+            <a:noFill/>
+          </a:ln>
+        </p:spPr>
+        <p:style>
+          <a:lnRef idx="0"/>
+          <a:fillRef idx="0"/>
+          <a:effectRef idx="0"/>
+          <a:fontRef idx="minor"/>
+        </p:style>
+        <p:txBody>
+          <a:bodyPr lIns="0" rIns="0" tIns="0" bIns="0"/>
+          <a:p>
+            <a:pPr algn="r">
+              <a:lnSpc>
+                <a:spcPct val="100000"/>
+              </a:lnSpc>
+            </a:pPr>
+            <a:r>
+              <a:rPr b="0" lang="en-US" sz="600" spc="-1" strike="noStrike">
+                <a:solidFill>
+                  <a:srgbClr val="ffffff"/>
+                </a:solidFill>
+                <a:latin typeface="Arial"/>
+                <a:ea typeface="DejaVu Sans"/>
+              </a:rPr>
+              <a:t>JS Tooling</a:t>
+            </a:r>
+            <a:endParaRPr b="0" lang="en-US" sz="600" spc="-1" strike="noStrike">
+              <a:latin typeface="Arial"/>
+            </a:endParaRPr>
+          </a:p>
+        </p:txBody>
+      </p:sp>
+      <p:sp>
+        <p:nvSpPr>
+          <p:cNvPr id="225" name="CustomShape 3"/>
+          <p:cNvSpPr/>
+          <p:nvPr/>
+        </p:nvSpPr>
+        <p:spPr>
+          <a:xfrm>
+            <a:off x="8280000" y="5004000"/>
+            <a:ext cx="132840" cy="96840"/>
+          </a:xfrm>
+          <a:prstGeom prst="rect">
+            <a:avLst/>
+          </a:prstGeom>
+          <a:noFill/>
+          <a:ln>
+            <a:noFill/>
+          </a:ln>
+        </p:spPr>
+        <p:style>
+          <a:lnRef idx="0"/>
+          <a:fillRef idx="0"/>
+          <a:effectRef idx="0"/>
+          <a:fontRef idx="minor"/>
+        </p:style>
+        <p:txBody>
+          <a:bodyPr lIns="0" rIns="0" tIns="0" bIns="0"/>
+          <a:p>
+            <a:pPr algn="r">
+              <a:lnSpc>
+                <a:spcPct val="100000"/>
+              </a:lnSpc>
+            </a:pPr>
+            <a:fld id="{AFE6FD92-6DEC-48F1-8DC1-9946FFBEE9E5}" type="slidenum">
+              <a:rPr b="0" lang="en-US" sz="600" spc="-1" strike="noStrike">
+                <a:solidFill>
+                  <a:srgbClr val="ffffff"/>
+                </a:solidFill>
+                <a:latin typeface="Arial"/>
+                <a:ea typeface="DejaVu Sans"/>
+              </a:rPr>
+              <a:t>&lt;number&gt;</a:t>
+            </a:fld>
+            <a:endParaRPr b="0" lang="en-US" sz="600" spc="-1" strike="noStrike">
+              <a:latin typeface="Arial"/>
+            </a:endParaRPr>
+          </a:p>
+        </p:txBody>
+      </p:sp>
+      <p:sp>
+        <p:nvSpPr>
+          <p:cNvPr id="226" name="CustomShape 4"/>
+          <p:cNvSpPr/>
+          <p:nvPr/>
+        </p:nvSpPr>
+        <p:spPr>
+          <a:xfrm>
+            <a:off x="602640" y="504720"/>
+            <a:ext cx="6612840" cy="3876120"/>
+          </a:xfrm>
+          <a:prstGeom prst="rect">
+            <a:avLst/>
+          </a:prstGeom>
+          <a:noFill/>
+          <a:ln>
+            <a:noFill/>
+          </a:ln>
+        </p:spPr>
+        <p:style>
+          <a:lnRef idx="0"/>
+          <a:fillRef idx="0"/>
+          <a:effectRef idx="0"/>
+          <a:fontRef idx="minor"/>
+        </p:style>
+        <p:txBody>
+          <a:bodyPr lIns="0" rIns="0" tIns="0" bIns="0"/>
+          <a:p>
+            <a:pPr>
+              <a:lnSpc>
+                <a:spcPct val="120000"/>
+              </a:lnSpc>
+            </a:pPr>
+            <a:endParaRPr b="0" lang="en-US" sz="1800" spc="-1" strike="noStrike">
+              <a:latin typeface="Arial"/>
+            </a:endParaRPr>
+          </a:p>
+          <a:p>
+            <a:pPr>
+              <a:lnSpc>
+                <a:spcPct val="120000"/>
+              </a:lnSpc>
+            </a:pPr>
+            <a:endParaRPr b="0" lang="en-US" sz="1800" spc="-1" strike="noStrike">
+              <a:latin typeface="Arial"/>
+            </a:endParaRPr>
+          </a:p>
+        </p:txBody>
+      </p:sp>
+      <p:pic>
+        <p:nvPicPr>
+          <p:cNvPr id="227" name="" descr=""/>
+          <p:cNvPicPr/>
+          <p:nvPr/>
+        </p:nvPicPr>
+        <p:blipFill>
+          <a:blip r:embed="rId1"/>
+          <a:stretch/>
+        </p:blipFill>
+        <p:spPr>
+          <a:xfrm>
+            <a:off x="0" y="631080"/>
+            <a:ext cx="5897880" cy="4215240"/>
+          </a:xfrm>
+          <a:prstGeom prst="rect">
+            <a:avLst/>
+          </a:prstGeom>
+          <a:ln>
+            <a:noFill/>
+          </a:ln>
+        </p:spPr>
+      </p:pic>
+      <p:pic>
+        <p:nvPicPr>
+          <p:cNvPr id="228" name="" descr=""/>
+          <p:cNvPicPr/>
+          <p:nvPr/>
+        </p:nvPicPr>
+        <p:blipFill>
+          <a:blip r:embed="rId2"/>
+          <a:stretch/>
+        </p:blipFill>
+        <p:spPr>
+          <a:xfrm>
+            <a:off x="5303520" y="631080"/>
+            <a:ext cx="3771720" cy="3990600"/>
+          </a:xfrm>
+          <a:prstGeom prst="rect">
+            <a:avLst/>
+          </a:prstGeom>
+          <a:ln>
+            <a:noFill/>
+          </a:ln>
+        </p:spPr>
+      </p:pic>
+    </p:spTree>
+  </p:cSld>
+  <p:timing>
+    <p:tnLst>
+      <p:par>
+        <p:cTn id="25" dur="indefinite" restart="never" nodeType="tmRoot">
+          <p:childTnLst>
+            <p:seq>
+              <p:cTn id="26" dur="indefinite" nodeType="mainSeq"/>
+              <p:prevCondLst>
+                <p:cond delay="0" evt="onPrev">
+                  <p:tgtEl>
+                    <p:sldTgt/>
+                  </p:tgtEl>
+                </p:cond>
+              </p:prevCondLst>
+              <p:nextCondLst>
+                <p:cond delay="0" evt="onNext">
+                  <p:tgtEl>
+                    <p:sldTgt/>
+                  </p:tgtEl>
+                </p:cond>
+              </p:nextCondLst>
+            </p:seq>
+          </p:childTnLst>
+        </p:cTn>
+      </p:par>
+    </p:tnLst>
+  </p:timing>
+</p:sld>
+</file>
+
+<file path=ppt/slides/slide14.xml><?xml version="1.0" encoding="utf-8"?>
+<p:sld xmlns:a="http://schemas.openxmlformats.org/drawingml/2006/main" xmlns:p="http://schemas.openxmlformats.org/presentationml/2006/main" xmlns:r="http://schemas.openxmlformats.org/officeDocument/2006/relationships" xmlns:p14="http://schemas.microsoft.com/office/powerpoint/2010/main" xmlns:p15="http://schemas.microsoft.com/office/powerpoint/2012/main" xmlns:mc="http://schemas.openxmlformats.org/markup-compatibility/2006">
+  <p:cSld>
+    <p:spTree>
+      <p:nvGrpSpPr>
+        <p:cNvPr id="1" name=""/>
+        <p:cNvGrpSpPr/>
+        <p:nvPr/>
+      </p:nvGrpSpPr>
+      <p:grpSpPr>
+        <a:xfrm>
+          <a:off x="0" y="0"/>
+          <a:ext cx="0" cy="0"/>
+          <a:chOff x="0" y="0"/>
+          <a:chExt cx="0" cy="0"/>
+        </a:xfrm>
+      </p:grpSpPr>
+      <p:sp>
+        <p:nvSpPr>
+          <p:cNvPr id="229" name="CustomShape 1"/>
+          <p:cNvSpPr/>
+          <p:nvPr/>
+        </p:nvSpPr>
+        <p:spPr>
+          <a:xfrm>
+            <a:off x="720000" y="288000"/>
+            <a:ext cx="6612840" cy="492840"/>
+          </a:xfrm>
+          <a:prstGeom prst="rect">
+            <a:avLst/>
+          </a:prstGeom>
+          <a:noFill/>
+          <a:ln>
+            <a:noFill/>
+          </a:ln>
+        </p:spPr>
+        <p:style>
+          <a:lnRef idx="0"/>
+          <a:fillRef idx="0"/>
+          <a:effectRef idx="0"/>
+          <a:fontRef idx="minor"/>
+        </p:style>
+        <p:txBody>
+          <a:bodyPr lIns="0" rIns="0" tIns="0" bIns="0" anchor="ctr"/>
+          <a:p>
+            <a:pPr>
+              <a:lnSpc>
+                <a:spcPct val="85000"/>
+              </a:lnSpc>
+            </a:pPr>
+            <a:r>
+              <a:rPr b="1" lang="en-US" sz="1800" spc="-1" strike="noStrike">
+                <a:solidFill>
+                  <a:srgbClr val="e63232"/>
+                </a:solidFill>
+                <a:latin typeface="Arial"/>
+                <a:ea typeface="DejaVu Sans"/>
+              </a:rPr>
+              <a:t>Prettier &amp; Editorconfig</a:t>
+            </a:r>
+            <a:endParaRPr b="0" lang="en-US" sz="1800" spc="-1" strike="noStrike">
+              <a:latin typeface="Arial"/>
+            </a:endParaRPr>
+          </a:p>
+        </p:txBody>
+      </p:sp>
+      <p:sp>
+        <p:nvSpPr>
+          <p:cNvPr id="230" name="CustomShape 2"/>
+          <p:cNvSpPr/>
+          <p:nvPr/>
+        </p:nvSpPr>
+        <p:spPr>
+          <a:xfrm>
+            <a:off x="4968000" y="5004000"/>
+            <a:ext cx="3228840" cy="96840"/>
+          </a:xfrm>
+          <a:prstGeom prst="rect">
+            <a:avLst/>
+          </a:prstGeom>
+          <a:noFill/>
+          <a:ln>
+            <a:noFill/>
+          </a:ln>
+        </p:spPr>
+        <p:style>
+          <a:lnRef idx="0"/>
+          <a:fillRef idx="0"/>
+          <a:effectRef idx="0"/>
+          <a:fontRef idx="minor"/>
+        </p:style>
+        <p:txBody>
+          <a:bodyPr lIns="0" rIns="0" tIns="0" bIns="0"/>
+          <a:p>
+            <a:pPr algn="r">
+              <a:lnSpc>
+                <a:spcPct val="100000"/>
+              </a:lnSpc>
+            </a:pPr>
+            <a:r>
+              <a:rPr b="0" lang="en-US" sz="600" spc="-1" strike="noStrike">
+                <a:solidFill>
+                  <a:srgbClr val="ffffff"/>
+                </a:solidFill>
+                <a:latin typeface="Arial"/>
+                <a:ea typeface="DejaVu Sans"/>
+              </a:rPr>
+              <a:t>JS Tooling</a:t>
+            </a:r>
+            <a:endParaRPr b="0" lang="en-US" sz="600" spc="-1" strike="noStrike">
+              <a:latin typeface="Arial"/>
+            </a:endParaRPr>
+          </a:p>
+        </p:txBody>
+      </p:sp>
+      <p:sp>
+        <p:nvSpPr>
+          <p:cNvPr id="231" name="CustomShape 3"/>
+          <p:cNvSpPr/>
+          <p:nvPr/>
+        </p:nvSpPr>
+        <p:spPr>
+          <a:xfrm>
+            <a:off x="8280000" y="5004000"/>
+            <a:ext cx="132840" cy="96840"/>
+          </a:xfrm>
+          <a:prstGeom prst="rect">
+            <a:avLst/>
+          </a:prstGeom>
+          <a:noFill/>
+          <a:ln>
+            <a:noFill/>
+          </a:ln>
+        </p:spPr>
+        <p:style>
+          <a:lnRef idx="0"/>
+          <a:fillRef idx="0"/>
+          <a:effectRef idx="0"/>
+          <a:fontRef idx="minor"/>
+        </p:style>
+        <p:txBody>
+          <a:bodyPr lIns="0" rIns="0" tIns="0" bIns="0"/>
+          <a:p>
+            <a:pPr algn="r">
+              <a:lnSpc>
+                <a:spcPct val="100000"/>
+              </a:lnSpc>
+            </a:pPr>
+            <a:fld id="{B070CE69-1F31-412C-8A0D-41B2BE3D358A}" type="slidenum">
+              <a:rPr b="0" lang="en-US" sz="600" spc="-1" strike="noStrike">
+                <a:solidFill>
+                  <a:srgbClr val="ffffff"/>
+                </a:solidFill>
+                <a:latin typeface="Arial"/>
+                <a:ea typeface="DejaVu Sans"/>
+              </a:rPr>
+              <a:t>&lt;number&gt;</a:t>
+            </a:fld>
+            <a:endParaRPr b="0" lang="en-US" sz="600" spc="-1" strike="noStrike">
+              <a:latin typeface="Arial"/>
+            </a:endParaRPr>
+          </a:p>
+        </p:txBody>
+      </p:sp>
+      <p:sp>
+        <p:nvSpPr>
+          <p:cNvPr id="232" name="CustomShape 4"/>
+          <p:cNvSpPr/>
+          <p:nvPr/>
+        </p:nvSpPr>
+        <p:spPr>
+          <a:xfrm>
+            <a:off x="602640" y="504720"/>
+            <a:ext cx="6612840" cy="3876120"/>
+          </a:xfrm>
+          <a:prstGeom prst="rect">
+            <a:avLst/>
+          </a:prstGeom>
+          <a:noFill/>
+          <a:ln>
+            <a:noFill/>
+          </a:ln>
+        </p:spPr>
+        <p:style>
+          <a:lnRef idx="0"/>
+          <a:fillRef idx="0"/>
+          <a:effectRef idx="0"/>
+          <a:fontRef idx="minor"/>
+        </p:style>
+        <p:txBody>
+          <a:bodyPr lIns="0" rIns="0" tIns="0" bIns="0"/>
+          <a:p>
+            <a:pPr>
+              <a:lnSpc>
+                <a:spcPct val="120000"/>
+              </a:lnSpc>
+            </a:pPr>
+            <a:endParaRPr b="0" lang="en-US" sz="1800" spc="-1" strike="noStrike">
+              <a:latin typeface="Arial"/>
+            </a:endParaRPr>
+          </a:p>
+          <a:p>
+            <a:pPr>
+              <a:lnSpc>
+                <a:spcPct val="120000"/>
+              </a:lnSpc>
+            </a:pPr>
+            <a:endParaRPr b="0" lang="en-US" sz="1800" spc="-1" strike="noStrike">
+              <a:latin typeface="Arial"/>
+            </a:endParaRPr>
+          </a:p>
+        </p:txBody>
+      </p:sp>
+      <p:pic>
+        <p:nvPicPr>
+          <p:cNvPr id="233" name="" descr=""/>
+          <p:cNvPicPr/>
+          <p:nvPr/>
+        </p:nvPicPr>
+        <p:blipFill>
+          <a:blip r:embed="rId1"/>
+          <a:stretch/>
+        </p:blipFill>
+        <p:spPr>
+          <a:xfrm>
+            <a:off x="3526200" y="274320"/>
+            <a:ext cx="3423240" cy="4663440"/>
+          </a:xfrm>
+          <a:prstGeom prst="rect">
+            <a:avLst/>
+          </a:prstGeom>
+          <a:ln>
+            <a:noFill/>
+          </a:ln>
+        </p:spPr>
+      </p:pic>
+    </p:spTree>
+  </p:cSld>
+  <p:timing>
+    <p:tnLst>
+      <p:par>
+        <p:cTn id="27" dur="indefinite" restart="never" nodeType="tmRoot">
+          <p:childTnLst>
+            <p:seq>
+              <p:cTn id="28" dur="indefinite" nodeType="mainSeq"/>
+              <p:prevCondLst>
+                <p:cond delay="0" evt="onPrev">
+                  <p:tgtEl>
+                    <p:sldTgt/>
+                  </p:tgtEl>
+                </p:cond>
+              </p:prevCondLst>
+              <p:nextCondLst>
+                <p:cond delay="0" evt="onNext">
+                  <p:tgtEl>
+                    <p:sldTgt/>
+                  </p:tgtEl>
+                </p:cond>
+              </p:nextCondLst>
+            </p:seq>
+          </p:childTnLst>
+        </p:cTn>
+      </p:par>
+    </p:tnLst>
+  </p:timing>
+</p:sld>
+</file>
+
+<file path=ppt/slides/slide15.xml><?xml version="1.0" encoding="utf-8"?>
+<p:sld xmlns:a="http://schemas.openxmlformats.org/drawingml/2006/main" xmlns:p="http://schemas.openxmlformats.org/presentationml/2006/main" xmlns:r="http://schemas.openxmlformats.org/officeDocument/2006/relationships" xmlns:p14="http://schemas.microsoft.com/office/powerpoint/2010/main" xmlns:p15="http://schemas.microsoft.com/office/powerpoint/2012/main" xmlns:mc="http://schemas.openxmlformats.org/markup-compatibility/2006">
+  <p:cSld>
+    <p:spTree>
+      <p:nvGrpSpPr>
+        <p:cNvPr id="1" name=""/>
+        <p:cNvGrpSpPr/>
+        <p:nvPr/>
+      </p:nvGrpSpPr>
+      <p:grpSpPr>
+        <a:xfrm>
+          <a:off x="0" y="0"/>
+          <a:ext cx="0" cy="0"/>
+          <a:chOff x="0" y="0"/>
+          <a:chExt cx="0" cy="0"/>
+        </a:xfrm>
+      </p:grpSpPr>
+      <p:sp>
+        <p:nvSpPr>
+          <p:cNvPr id="234" name="CustomShape 1"/>
+          <p:cNvSpPr/>
+          <p:nvPr/>
+        </p:nvSpPr>
+        <p:spPr>
+          <a:xfrm>
+            <a:off x="720000" y="288000"/>
+            <a:ext cx="6612840" cy="492840"/>
+          </a:xfrm>
+          <a:prstGeom prst="rect">
+            <a:avLst/>
+          </a:prstGeom>
+          <a:noFill/>
+          <a:ln>
+            <a:noFill/>
+          </a:ln>
+        </p:spPr>
+        <p:style>
+          <a:lnRef idx="0"/>
+          <a:fillRef idx="0"/>
+          <a:effectRef idx="0"/>
+          <a:fontRef idx="minor"/>
+        </p:style>
+        <p:txBody>
+          <a:bodyPr lIns="0" rIns="0" tIns="0" bIns="0" anchor="ctr"/>
+          <a:p>
+            <a:pPr>
+              <a:lnSpc>
+                <a:spcPct val="85000"/>
+              </a:lnSpc>
+            </a:pPr>
+            <a:r>
+              <a:rPr b="1" lang="en-US" sz="1800" spc="-1" strike="noStrike">
+                <a:solidFill>
+                  <a:srgbClr val="e63232"/>
+                </a:solidFill>
+                <a:latin typeface="Arial"/>
+                <a:ea typeface="DejaVu Sans"/>
+              </a:rPr>
+              <a:t>Testing</a:t>
+            </a:r>
+            <a:endParaRPr b="0" lang="en-US" sz="1800" spc="-1" strike="noStrike">
+              <a:latin typeface="Arial"/>
+            </a:endParaRPr>
+          </a:p>
+        </p:txBody>
+      </p:sp>
+      <p:sp>
+        <p:nvSpPr>
+          <p:cNvPr id="235" name="CustomShape 2"/>
+          <p:cNvSpPr/>
+          <p:nvPr/>
+        </p:nvSpPr>
+        <p:spPr>
+          <a:xfrm>
+            <a:off x="4968000" y="5004000"/>
+            <a:ext cx="3228840" cy="96840"/>
+          </a:xfrm>
+          <a:prstGeom prst="rect">
+            <a:avLst/>
+          </a:prstGeom>
+          <a:noFill/>
+          <a:ln>
+            <a:noFill/>
+          </a:ln>
+        </p:spPr>
+        <p:style>
+          <a:lnRef idx="0"/>
+          <a:fillRef idx="0"/>
+          <a:effectRef idx="0"/>
+          <a:fontRef idx="minor"/>
+        </p:style>
+        <p:txBody>
+          <a:bodyPr lIns="0" rIns="0" tIns="0" bIns="0"/>
+          <a:p>
+            <a:pPr algn="r">
+              <a:lnSpc>
+                <a:spcPct val="100000"/>
+              </a:lnSpc>
+            </a:pPr>
+            <a:r>
+              <a:rPr b="0" lang="en-US" sz="600" spc="-1" strike="noStrike">
+                <a:solidFill>
+                  <a:srgbClr val="ffffff"/>
+                </a:solidFill>
+                <a:latin typeface="Arial"/>
+                <a:ea typeface="DejaVu Sans"/>
+              </a:rPr>
+              <a:t>JS Tooling</a:t>
+            </a:r>
+            <a:endParaRPr b="0" lang="en-US" sz="600" spc="-1" strike="noStrike">
+              <a:latin typeface="Arial"/>
+            </a:endParaRPr>
+          </a:p>
+        </p:txBody>
+      </p:sp>
+      <p:sp>
+        <p:nvSpPr>
+          <p:cNvPr id="236" name="CustomShape 3"/>
+          <p:cNvSpPr/>
+          <p:nvPr/>
+        </p:nvSpPr>
+        <p:spPr>
+          <a:xfrm>
+            <a:off x="8280000" y="5004000"/>
+            <a:ext cx="132840" cy="96840"/>
+          </a:xfrm>
+          <a:prstGeom prst="rect">
+            <a:avLst/>
+          </a:prstGeom>
+          <a:noFill/>
+          <a:ln>
+            <a:noFill/>
+          </a:ln>
+        </p:spPr>
+        <p:style>
+          <a:lnRef idx="0"/>
+          <a:fillRef idx="0"/>
+          <a:effectRef idx="0"/>
+          <a:fontRef idx="minor"/>
+        </p:style>
+        <p:txBody>
+          <a:bodyPr lIns="0" rIns="0" tIns="0" bIns="0"/>
+          <a:p>
+            <a:pPr algn="r">
+              <a:lnSpc>
+                <a:spcPct val="100000"/>
+              </a:lnSpc>
+            </a:pPr>
+            <a:fld id="{6DD6B84E-1C28-425E-B79A-E407FA5770BF}" type="slidenum">
+              <a:rPr b="0" lang="en-US" sz="600" spc="-1" strike="noStrike">
+                <a:solidFill>
+                  <a:srgbClr val="ffffff"/>
+                </a:solidFill>
+                <a:latin typeface="Arial"/>
+                <a:ea typeface="DejaVu Sans"/>
+              </a:rPr>
+              <a:t>&lt;number&gt;</a:t>
+            </a:fld>
+            <a:endParaRPr b="0" lang="en-US" sz="600" spc="-1" strike="noStrike">
+              <a:latin typeface="Arial"/>
+            </a:endParaRPr>
+          </a:p>
+        </p:txBody>
+      </p:sp>
+      <p:sp>
+        <p:nvSpPr>
+          <p:cNvPr id="237" name="CustomShape 4"/>
+          <p:cNvSpPr/>
+          <p:nvPr/>
+        </p:nvSpPr>
+        <p:spPr>
+          <a:xfrm>
+            <a:off x="602640" y="504720"/>
+            <a:ext cx="6612840" cy="3876120"/>
+          </a:xfrm>
+          <a:prstGeom prst="rect">
+            <a:avLst/>
+          </a:prstGeom>
+          <a:noFill/>
+          <a:ln>
+            <a:noFill/>
+          </a:ln>
+        </p:spPr>
+        <p:style>
+          <a:lnRef idx="0"/>
+          <a:fillRef idx="0"/>
+          <a:effectRef idx="0"/>
+          <a:fontRef idx="minor"/>
+        </p:style>
+        <p:txBody>
+          <a:bodyPr lIns="0" rIns="0" tIns="0" bIns="0"/>
+          <a:p>
+            <a:pPr>
+              <a:lnSpc>
+                <a:spcPct val="120000"/>
+              </a:lnSpc>
+            </a:pPr>
+            <a:endParaRPr b="0" lang="en-US" sz="1800" spc="-1" strike="noStrike">
+              <a:latin typeface="Arial"/>
+            </a:endParaRPr>
+          </a:p>
+          <a:p>
+            <a:pPr>
+              <a:lnSpc>
+                <a:spcPct val="120000"/>
+              </a:lnSpc>
+            </a:pPr>
+            <a:endParaRPr b="0" lang="en-US" sz="1800" spc="-1" strike="noStrike">
+              <a:latin typeface="Arial"/>
+            </a:endParaRPr>
+          </a:p>
+        </p:txBody>
+      </p:sp>
+      <p:pic>
+        <p:nvPicPr>
+          <p:cNvPr id="238" name="" descr=""/>
+          <p:cNvPicPr/>
+          <p:nvPr/>
+        </p:nvPicPr>
+        <p:blipFill>
+          <a:blip r:embed="rId1"/>
+          <a:stretch/>
+        </p:blipFill>
+        <p:spPr>
+          <a:xfrm>
+            <a:off x="1828800" y="288000"/>
+            <a:ext cx="5029200" cy="4606920"/>
+          </a:xfrm>
+          <a:prstGeom prst="rect">
+            <a:avLst/>
+          </a:prstGeom>
+          <a:ln>
+            <a:noFill/>
+          </a:ln>
+        </p:spPr>
+      </p:pic>
+      <p:sp>
+        <p:nvSpPr>
+          <p:cNvPr id="239" name="CustomShape 5"/>
+          <p:cNvSpPr/>
+          <p:nvPr/>
+        </p:nvSpPr>
+        <p:spPr>
+          <a:xfrm>
+            <a:off x="3931920" y="196560"/>
+            <a:ext cx="1920240" cy="1083600"/>
+          </a:xfrm>
+          <a:prstGeom prst="rect">
+            <a:avLst/>
+          </a:prstGeom>
+          <a:solidFill>
+            <a:srgbClr val="ffffff"/>
+          </a:solidFill>
+          <a:ln>
+            <a:solidFill>
+              <a:srgbClr val="ffffff"/>
+            </a:solidFill>
+          </a:ln>
+        </p:spPr>
+        <p:style>
+          <a:lnRef idx="0"/>
+          <a:fillRef idx="0"/>
+          <a:effectRef idx="0"/>
+          <a:fontRef idx="minor"/>
+        </p:style>
+      </p:sp>
+      <p:sp>
+        <p:nvSpPr>
+          <p:cNvPr id="240" name="CustomShape 6"/>
+          <p:cNvSpPr/>
+          <p:nvPr/>
+        </p:nvSpPr>
+        <p:spPr>
+          <a:xfrm>
+            <a:off x="4389120" y="504720"/>
+            <a:ext cx="731520" cy="822960"/>
+          </a:xfrm>
+          <a:prstGeom prst="rect">
+            <a:avLst/>
+          </a:prstGeom>
+          <a:solidFill>
+            <a:srgbClr val="ffffff"/>
+          </a:solidFill>
+          <a:ln>
+            <a:solidFill>
+              <a:srgbClr val="ffffff"/>
+            </a:solidFill>
+          </a:ln>
+        </p:spPr>
+        <p:style>
+          <a:lnRef idx="0"/>
+          <a:fillRef idx="0"/>
+          <a:effectRef idx="0"/>
+          <a:fontRef idx="minor"/>
+        </p:style>
+      </p:sp>
+    </p:spTree>
+  </p:cSld>
+  <p:timing>
+    <p:tnLst>
+      <p:par>
+        <p:cTn id="29" dur="indefinite" restart="never" nodeType="tmRoot">
+          <p:childTnLst>
+            <p:seq>
+              <p:cTn id="30" dur="indefinite" nodeType="mainSeq"/>
+              <p:prevCondLst>
+                <p:cond delay="0" evt="onPrev">
+                  <p:tgtEl>
+                    <p:sldTgt/>
+                  </p:tgtEl>
+                </p:cond>
+              </p:prevCondLst>
+              <p:nextCondLst>
+                <p:cond delay="0" evt="onNext">
+                  <p:tgtEl>
+                    <p:sldTgt/>
+                  </p:tgtEl>
+                </p:cond>
+              </p:nextCondLst>
+            </p:seq>
+          </p:childTnLst>
+        </p:cTn>
+      </p:par>
+    </p:tnLst>
+  </p:timing>
+</p:sld>
+</file>
+
+<file path=ppt/slides/slide16.xml><?xml version="1.0" encoding="utf-8"?>
+<p:sld xmlns:a="http://schemas.openxmlformats.org/drawingml/2006/main" xmlns:p="http://schemas.openxmlformats.org/presentationml/2006/main" xmlns:r="http://schemas.openxmlformats.org/officeDocument/2006/relationships" xmlns:p14="http://schemas.microsoft.com/office/powerpoint/2010/main" xmlns:p15="http://schemas.microsoft.com/office/powerpoint/2012/main" xmlns:mc="http://schemas.openxmlformats.org/markup-compatibility/2006">
+  <p:cSld>
+    <p:spTree>
+      <p:nvGrpSpPr>
+        <p:cNvPr id="1" name=""/>
+        <p:cNvGrpSpPr/>
+        <p:nvPr/>
+      </p:nvGrpSpPr>
+      <p:grpSpPr>
+        <a:xfrm>
+          <a:off x="0" y="0"/>
+          <a:ext cx="0" cy="0"/>
+          <a:chOff x="0" y="0"/>
+          <a:chExt cx="0" cy="0"/>
+        </a:xfrm>
+      </p:grpSpPr>
+      <p:sp>
+        <p:nvSpPr>
+          <p:cNvPr id="241" name="CustomShape 1"/>
+          <p:cNvSpPr/>
+          <p:nvPr/>
+        </p:nvSpPr>
+        <p:spPr>
+          <a:xfrm>
+            <a:off x="720000" y="288000"/>
+            <a:ext cx="6612840" cy="492840"/>
+          </a:xfrm>
+          <a:prstGeom prst="rect">
+            <a:avLst/>
+          </a:prstGeom>
+          <a:noFill/>
+          <a:ln>
+            <a:noFill/>
+          </a:ln>
+        </p:spPr>
+        <p:style>
+          <a:lnRef idx="0"/>
+          <a:fillRef idx="0"/>
+          <a:effectRef idx="0"/>
+          <a:fontRef idx="minor"/>
+        </p:style>
+        <p:txBody>
+          <a:bodyPr lIns="0" rIns="0" tIns="0" bIns="0" anchor="ctr"/>
+          <a:p>
+            <a:pPr>
+              <a:lnSpc>
+                <a:spcPct val="85000"/>
+              </a:lnSpc>
+            </a:pPr>
+            <a:r>
+              <a:rPr b="1" lang="en-US" sz="1800" spc="-1" strike="noStrike">
+                <a:solidFill>
+                  <a:srgbClr val="e63232"/>
+                </a:solidFill>
+                <a:latin typeface="Arial"/>
+                <a:ea typeface="DejaVu Sans"/>
+              </a:rPr>
+              <a:t>Testing</a:t>
+            </a:r>
+            <a:endParaRPr b="0" lang="en-US" sz="1800" spc="-1" strike="noStrike">
+              <a:latin typeface="Arial"/>
+            </a:endParaRPr>
+          </a:p>
+        </p:txBody>
+      </p:sp>
+      <p:sp>
+        <p:nvSpPr>
+          <p:cNvPr id="242" name="CustomShape 2"/>
+          <p:cNvSpPr/>
+          <p:nvPr/>
+        </p:nvSpPr>
+        <p:spPr>
+          <a:xfrm>
+            <a:off x="4968000" y="5004000"/>
+            <a:ext cx="3228840" cy="96840"/>
+          </a:xfrm>
+          <a:prstGeom prst="rect">
+            <a:avLst/>
+          </a:prstGeom>
+          <a:noFill/>
+          <a:ln>
+            <a:noFill/>
+          </a:ln>
+        </p:spPr>
+        <p:style>
+          <a:lnRef idx="0"/>
+          <a:fillRef idx="0"/>
+          <a:effectRef idx="0"/>
+          <a:fontRef idx="minor"/>
+        </p:style>
+        <p:txBody>
+          <a:bodyPr lIns="0" rIns="0" tIns="0" bIns="0"/>
+          <a:p>
+            <a:pPr algn="r">
+              <a:lnSpc>
+                <a:spcPct val="100000"/>
+              </a:lnSpc>
+            </a:pPr>
+            <a:r>
+              <a:rPr b="0" lang="en-US" sz="600" spc="-1" strike="noStrike">
+                <a:solidFill>
+                  <a:srgbClr val="ffffff"/>
+                </a:solidFill>
+                <a:latin typeface="Arial"/>
+                <a:ea typeface="DejaVu Sans"/>
+              </a:rPr>
+              <a:t>JS Tooling</a:t>
+            </a:r>
+            <a:endParaRPr b="0" lang="en-US" sz="600" spc="-1" strike="noStrike">
+              <a:latin typeface="Arial"/>
+            </a:endParaRPr>
+          </a:p>
+        </p:txBody>
+      </p:sp>
+      <p:sp>
+        <p:nvSpPr>
+          <p:cNvPr id="243" name="CustomShape 3"/>
+          <p:cNvSpPr/>
+          <p:nvPr/>
+        </p:nvSpPr>
+        <p:spPr>
+          <a:xfrm>
+            <a:off x="8280000" y="5004000"/>
+            <a:ext cx="132840" cy="96840"/>
+          </a:xfrm>
+          <a:prstGeom prst="rect">
+            <a:avLst/>
+          </a:prstGeom>
+          <a:noFill/>
+          <a:ln>
+            <a:noFill/>
+          </a:ln>
+        </p:spPr>
+        <p:style>
+          <a:lnRef idx="0"/>
+          <a:fillRef idx="0"/>
+          <a:effectRef idx="0"/>
+          <a:fontRef idx="minor"/>
+        </p:style>
+        <p:txBody>
+          <a:bodyPr lIns="0" rIns="0" tIns="0" bIns="0"/>
+          <a:p>
+            <a:pPr algn="r">
+              <a:lnSpc>
+                <a:spcPct val="100000"/>
+              </a:lnSpc>
+            </a:pPr>
+            <a:fld id="{649C339F-E10D-433D-9175-446AFC79B6CD}" type="slidenum">
+              <a:rPr b="0" lang="en-US" sz="600" spc="-1" strike="noStrike">
+                <a:solidFill>
+                  <a:srgbClr val="ffffff"/>
+                </a:solidFill>
+                <a:latin typeface="Arial"/>
+                <a:ea typeface="DejaVu Sans"/>
+              </a:rPr>
+              <a:t>&lt;number&gt;</a:t>
+            </a:fld>
+            <a:endParaRPr b="0" lang="en-US" sz="600" spc="-1" strike="noStrike">
+              <a:latin typeface="Arial"/>
+            </a:endParaRPr>
+          </a:p>
+        </p:txBody>
+      </p:sp>
+      <p:sp>
+        <p:nvSpPr>
+          <p:cNvPr id="244" name="CustomShape 4"/>
+          <p:cNvSpPr/>
+          <p:nvPr/>
+        </p:nvSpPr>
+        <p:spPr>
+          <a:xfrm>
+            <a:off x="602640" y="504720"/>
+            <a:ext cx="6612840" cy="3876120"/>
+          </a:xfrm>
+          <a:prstGeom prst="rect">
+            <a:avLst/>
+          </a:prstGeom>
+          <a:noFill/>
+          <a:ln>
+            <a:noFill/>
+          </a:ln>
+        </p:spPr>
+        <p:style>
+          <a:lnRef idx="0"/>
+          <a:fillRef idx="0"/>
+          <a:effectRef idx="0"/>
+          <a:fontRef idx="minor"/>
+        </p:style>
+        <p:txBody>
+          <a:bodyPr lIns="0" rIns="0" tIns="0" bIns="0"/>
+          <a:p>
+            <a:pPr>
+              <a:lnSpc>
+                <a:spcPct val="120000"/>
+              </a:lnSpc>
+            </a:pPr>
+            <a:endParaRPr b="0" lang="en-US" sz="1800" spc="-1" strike="noStrike">
+              <a:latin typeface="Arial"/>
+            </a:endParaRPr>
+          </a:p>
+          <a:p>
+            <a:pPr>
+              <a:lnSpc>
+                <a:spcPct val="120000"/>
+              </a:lnSpc>
+            </a:pPr>
+            <a:endParaRPr b="0" lang="en-US" sz="1800" spc="-1" strike="noStrike">
+              <a:latin typeface="Arial"/>
+            </a:endParaRPr>
+          </a:p>
+        </p:txBody>
+      </p:sp>
+      <p:pic>
+        <p:nvPicPr>
+          <p:cNvPr id="245" name="" descr=""/>
+          <p:cNvPicPr/>
+          <p:nvPr/>
+        </p:nvPicPr>
+        <p:blipFill>
+          <a:blip r:embed="rId1"/>
+          <a:stretch/>
+        </p:blipFill>
+        <p:spPr>
+          <a:xfrm>
+            <a:off x="1828800" y="288000"/>
+            <a:ext cx="5029200" cy="4606920"/>
+          </a:xfrm>
+          <a:prstGeom prst="rect">
+            <a:avLst/>
+          </a:prstGeom>
+          <a:ln>
+            <a:noFill/>
+          </a:ln>
+        </p:spPr>
+      </p:pic>
+      <p:sp>
+        <p:nvSpPr>
+          <p:cNvPr id="246" name="CustomShape 5"/>
+          <p:cNvSpPr/>
+          <p:nvPr/>
+        </p:nvSpPr>
+        <p:spPr>
+          <a:xfrm>
+            <a:off x="3931920" y="196560"/>
+            <a:ext cx="1920240" cy="1083600"/>
+          </a:xfrm>
+          <a:prstGeom prst="rect">
+            <a:avLst/>
+          </a:prstGeom>
+          <a:solidFill>
+            <a:srgbClr val="ffffff"/>
+          </a:solidFill>
+          <a:ln>
+            <a:solidFill>
+              <a:srgbClr val="ffffff"/>
+            </a:solidFill>
+          </a:ln>
+        </p:spPr>
+        <p:style>
+          <a:lnRef idx="0"/>
+          <a:fillRef idx="0"/>
+          <a:effectRef idx="0"/>
+          <a:fontRef idx="minor"/>
+        </p:style>
+      </p:sp>
+      <p:sp>
+        <p:nvSpPr>
+          <p:cNvPr id="247" name="CustomShape 6"/>
+          <p:cNvSpPr/>
+          <p:nvPr/>
+        </p:nvSpPr>
+        <p:spPr>
+          <a:xfrm>
+            <a:off x="4389120" y="504720"/>
+            <a:ext cx="731520" cy="822960"/>
+          </a:xfrm>
+          <a:prstGeom prst="rect">
+            <a:avLst/>
+          </a:prstGeom>
+          <a:solidFill>
+            <a:srgbClr val="ffffff"/>
+          </a:solidFill>
+          <a:ln>
+            <a:solidFill>
+              <a:srgbClr val="ffffff"/>
+            </a:solidFill>
+          </a:ln>
+        </p:spPr>
+        <p:style>
+          <a:lnRef idx="0"/>
+          <a:fillRef idx="0"/>
+          <a:effectRef idx="0"/>
+          <a:fontRef idx="minor"/>
+        </p:style>
+      </p:sp>
+      <p:sp>
+        <p:nvSpPr>
+          <p:cNvPr id="248" name="CustomShape 7"/>
+          <p:cNvSpPr/>
+          <p:nvPr/>
+        </p:nvSpPr>
+        <p:spPr>
+          <a:xfrm>
+            <a:off x="1371600" y="2743200"/>
+            <a:ext cx="7040880" cy="2151720"/>
+          </a:xfrm>
+          <a:prstGeom prst="rect">
+            <a:avLst/>
+          </a:prstGeom>
+          <a:solidFill>
+            <a:srgbClr val="ffffff"/>
+          </a:solidFill>
+          <a:ln>
+            <a:solidFill>
+              <a:srgbClr val="ffffff"/>
+            </a:solidFill>
+          </a:ln>
+        </p:spPr>
+        <p:style>
+          <a:lnRef idx="0"/>
+          <a:fillRef idx="0"/>
+          <a:effectRef idx="0"/>
+          <a:fontRef idx="minor"/>
+        </p:style>
+      </p:sp>
+      <p:pic>
+        <p:nvPicPr>
+          <p:cNvPr id="249" name="" descr=""/>
+          <p:cNvPicPr/>
+          <p:nvPr/>
+        </p:nvPicPr>
+        <p:blipFill>
+          <a:blip r:embed="rId2"/>
+          <a:stretch/>
+        </p:blipFill>
+        <p:spPr>
+          <a:xfrm>
+            <a:off x="1737360" y="1554480"/>
+            <a:ext cx="1005840" cy="1005840"/>
+          </a:xfrm>
+          <a:prstGeom prst="rect">
+            <a:avLst/>
+          </a:prstGeom>
+          <a:ln>
+            <a:noFill/>
+          </a:ln>
+        </p:spPr>
+      </p:pic>
+      <p:pic>
+        <p:nvPicPr>
+          <p:cNvPr id="250" name="" descr=""/>
+          <p:cNvPicPr/>
+          <p:nvPr/>
+        </p:nvPicPr>
+        <p:blipFill>
+          <a:blip r:embed="rId3"/>
+          <a:stretch/>
+        </p:blipFill>
+        <p:spPr>
+          <a:xfrm>
+            <a:off x="5873040" y="1554480"/>
+            <a:ext cx="1076400" cy="1076400"/>
+          </a:xfrm>
+          <a:prstGeom prst="rect">
+            <a:avLst/>
+          </a:prstGeom>
+          <a:ln>
+            <a:noFill/>
+          </a:ln>
+        </p:spPr>
+      </p:pic>
+    </p:spTree>
+  </p:cSld>
+  <p:timing>
+    <p:tnLst>
+      <p:par>
+        <p:cTn id="31" dur="indefinite" restart="never" nodeType="tmRoot">
+          <p:childTnLst>
+            <p:seq>
+              <p:cTn id="32" dur="indefinite" nodeType="mainSeq"/>
+              <p:prevCondLst>
+                <p:cond delay="0" evt="onPrev">
+                  <p:tgtEl>
+                    <p:sldTgt/>
+                  </p:tgtEl>
+                </p:cond>
+              </p:prevCondLst>
+              <p:nextCondLst>
+                <p:cond delay="0" evt="onNext">
+                  <p:tgtEl>
+                    <p:sldTgt/>
+                  </p:tgtEl>
+                </p:cond>
+              </p:nextCondLst>
+            </p:seq>
+          </p:childTnLst>
+        </p:cTn>
+      </p:par>
+    </p:tnLst>
+  </p:timing>
+</p:sld>
+</file>
+
+<file path=ppt/slides/slide17.xml><?xml version="1.0" encoding="utf-8"?>
+<p:sld xmlns:a="http://schemas.openxmlformats.org/drawingml/2006/main" xmlns:p="http://schemas.openxmlformats.org/presentationml/2006/main" xmlns:r="http://schemas.openxmlformats.org/officeDocument/2006/relationships" xmlns:p14="http://schemas.microsoft.com/office/powerpoint/2010/main" xmlns:p15="http://schemas.microsoft.com/office/powerpoint/2012/main" xmlns:mc="http://schemas.openxmlformats.org/markup-compatibility/2006">
+  <p:cSld>
+    <p:spTree>
+      <p:nvGrpSpPr>
+        <p:cNvPr id="1" name=""/>
+        <p:cNvGrpSpPr/>
+        <p:nvPr/>
+      </p:nvGrpSpPr>
+      <p:grpSpPr>
+        <a:xfrm>
+          <a:off x="0" y="0"/>
+          <a:ext cx="0" cy="0"/>
+          <a:chOff x="0" y="0"/>
+          <a:chExt cx="0" cy="0"/>
+        </a:xfrm>
+      </p:grpSpPr>
+      <p:sp>
+        <p:nvSpPr>
+          <p:cNvPr id="251" name="CustomShape 1"/>
+          <p:cNvSpPr/>
+          <p:nvPr/>
+        </p:nvSpPr>
+        <p:spPr>
+          <a:xfrm>
+            <a:off x="720000" y="288000"/>
+            <a:ext cx="6612840" cy="492840"/>
+          </a:xfrm>
+          <a:prstGeom prst="rect">
+            <a:avLst/>
+          </a:prstGeom>
+          <a:noFill/>
+          <a:ln>
+            <a:noFill/>
+          </a:ln>
+        </p:spPr>
+        <p:style>
+          <a:lnRef idx="0"/>
+          <a:fillRef idx="0"/>
+          <a:effectRef idx="0"/>
+          <a:fontRef idx="minor"/>
+        </p:style>
+        <p:txBody>
+          <a:bodyPr lIns="0" rIns="0" tIns="0" bIns="0" anchor="ctr"/>
+          <a:p>
+            <a:pPr>
+              <a:lnSpc>
+                <a:spcPct val="85000"/>
+              </a:lnSpc>
+            </a:pPr>
+            <a:r>
+              <a:rPr b="1" lang="en-US" sz="1800" spc="-1" strike="noStrike">
+                <a:solidFill>
+                  <a:srgbClr val="e63232"/>
+                </a:solidFill>
+                <a:latin typeface="Arial"/>
+                <a:ea typeface="DejaVu Sans"/>
+              </a:rPr>
+              <a:t>Testi</a:t>
+            </a:r>
+            <a:r>
+              <a:rPr b="1" lang="en-US" sz="1800" spc="-1" strike="noStrike">
+                <a:solidFill>
+                  <a:srgbClr val="e63232"/>
+                </a:solidFill>
+                <a:latin typeface="Arial"/>
+                <a:ea typeface="DejaVu Sans"/>
+              </a:rPr>
+              <a:t>ng</a:t>
+            </a:r>
+            <a:endParaRPr b="0" lang="en-US" sz="1800" spc="-1" strike="noStrike">
+              <a:latin typeface="Arial"/>
+            </a:endParaRPr>
+          </a:p>
+        </p:txBody>
+      </p:sp>
+      <p:sp>
+        <p:nvSpPr>
+          <p:cNvPr id="252" name="CustomShape 2"/>
+          <p:cNvSpPr/>
+          <p:nvPr/>
+        </p:nvSpPr>
+        <p:spPr>
+          <a:xfrm>
+            <a:off x="4968000" y="5004000"/>
+            <a:ext cx="3228840" cy="96840"/>
+          </a:xfrm>
+          <a:prstGeom prst="rect">
+            <a:avLst/>
+          </a:prstGeom>
+          <a:noFill/>
+          <a:ln>
+            <a:noFill/>
+          </a:ln>
+        </p:spPr>
+        <p:style>
+          <a:lnRef idx="0"/>
+          <a:fillRef idx="0"/>
+          <a:effectRef idx="0"/>
+          <a:fontRef idx="minor"/>
+        </p:style>
+        <p:txBody>
+          <a:bodyPr lIns="0" rIns="0" tIns="0" bIns="0"/>
+          <a:p>
+            <a:pPr algn="r">
+              <a:lnSpc>
+                <a:spcPct val="100000"/>
+              </a:lnSpc>
+            </a:pPr>
+            <a:r>
+              <a:rPr b="0" lang="en-US" sz="600" spc="-1" strike="noStrike">
+                <a:solidFill>
+                  <a:srgbClr val="ffffff"/>
+                </a:solidFill>
+                <a:latin typeface="Arial"/>
+                <a:ea typeface="DejaVu Sans"/>
+              </a:rPr>
+              <a:t>JS Tooling</a:t>
+            </a:r>
+            <a:endParaRPr b="0" lang="en-US" sz="600" spc="-1" strike="noStrike">
+              <a:latin typeface="Arial"/>
+            </a:endParaRPr>
+          </a:p>
+        </p:txBody>
+      </p:sp>
+      <p:sp>
+        <p:nvSpPr>
+          <p:cNvPr id="253" name="CustomShape 3"/>
+          <p:cNvSpPr/>
+          <p:nvPr/>
+        </p:nvSpPr>
+        <p:spPr>
+          <a:xfrm>
+            <a:off x="8280000" y="5004000"/>
+            <a:ext cx="132840" cy="96840"/>
+          </a:xfrm>
+          <a:prstGeom prst="rect">
+            <a:avLst/>
+          </a:prstGeom>
+          <a:noFill/>
+          <a:ln>
+            <a:noFill/>
+          </a:ln>
+        </p:spPr>
+        <p:style>
+          <a:lnRef idx="0"/>
+          <a:fillRef idx="0"/>
+          <a:effectRef idx="0"/>
+          <a:fontRef idx="minor"/>
+        </p:style>
+        <p:txBody>
+          <a:bodyPr lIns="0" rIns="0" tIns="0" bIns="0"/>
+          <a:p>
+            <a:pPr algn="r">
+              <a:lnSpc>
+                <a:spcPct val="100000"/>
+              </a:lnSpc>
+            </a:pPr>
+            <a:fld id="{47406E15-80CF-42A6-8C20-E6F08D25B1B0}" type="slidenum">
+              <a:rPr b="0" lang="en-US" sz="600" spc="-1" strike="noStrike">
+                <a:solidFill>
+                  <a:srgbClr val="ffffff"/>
+                </a:solidFill>
+                <a:latin typeface="Arial"/>
+                <a:ea typeface="DejaVu Sans"/>
+              </a:rPr>
+              <a:t>&lt;number&gt;</a:t>
+            </a:fld>
+            <a:endParaRPr b="0" lang="en-US" sz="600" spc="-1" strike="noStrike">
+              <a:latin typeface="Arial"/>
+            </a:endParaRPr>
+          </a:p>
+        </p:txBody>
+      </p:sp>
+      <p:sp>
+        <p:nvSpPr>
+          <p:cNvPr id="254" name="CustomShape 4"/>
+          <p:cNvSpPr/>
+          <p:nvPr/>
+        </p:nvSpPr>
+        <p:spPr>
+          <a:xfrm>
+            <a:off x="602640" y="504720"/>
+            <a:ext cx="6612840" cy="3876120"/>
+          </a:xfrm>
+          <a:prstGeom prst="rect">
+            <a:avLst/>
+          </a:prstGeom>
+          <a:noFill/>
+          <a:ln>
+            <a:noFill/>
+          </a:ln>
+        </p:spPr>
+        <p:style>
+          <a:lnRef idx="0"/>
+          <a:fillRef idx="0"/>
+          <a:effectRef idx="0"/>
+          <a:fontRef idx="minor"/>
+        </p:style>
+        <p:txBody>
+          <a:bodyPr lIns="0" rIns="0" tIns="0" bIns="0"/>
+          <a:p>
+            <a:pPr>
+              <a:lnSpc>
+                <a:spcPct val="120000"/>
+              </a:lnSpc>
+            </a:pPr>
+            <a:endParaRPr b="0" lang="en-US" sz="1800" spc="-1" strike="noStrike">
+              <a:latin typeface="Arial"/>
+            </a:endParaRPr>
+          </a:p>
+          <a:p>
+            <a:pPr>
+              <a:lnSpc>
+                <a:spcPct val="120000"/>
+              </a:lnSpc>
+            </a:pPr>
+            <a:endParaRPr b="0" lang="en-US" sz="1800" spc="-1" strike="noStrike">
+              <a:latin typeface="Arial"/>
+            </a:endParaRPr>
+          </a:p>
+        </p:txBody>
+      </p:sp>
+      <p:pic>
+        <p:nvPicPr>
+          <p:cNvPr id="255" name="" descr=""/>
+          <p:cNvPicPr/>
+          <p:nvPr/>
+        </p:nvPicPr>
+        <p:blipFill>
+          <a:blip r:embed="rId1"/>
+          <a:stretch/>
+        </p:blipFill>
+        <p:spPr>
+          <a:xfrm>
+            <a:off x="1828800" y="288000"/>
+            <a:ext cx="5029200" cy="4606920"/>
+          </a:xfrm>
+          <a:prstGeom prst="rect">
+            <a:avLst/>
+          </a:prstGeom>
+          <a:ln>
+            <a:noFill/>
+          </a:ln>
+        </p:spPr>
+      </p:pic>
+      <p:sp>
+        <p:nvSpPr>
+          <p:cNvPr id="256" name="CustomShape 5"/>
+          <p:cNvSpPr/>
+          <p:nvPr/>
+        </p:nvSpPr>
+        <p:spPr>
+          <a:xfrm>
+            <a:off x="3931920" y="196560"/>
+            <a:ext cx="1920240" cy="1083600"/>
+          </a:xfrm>
+          <a:prstGeom prst="rect">
+            <a:avLst/>
+          </a:prstGeom>
+          <a:solidFill>
+            <a:srgbClr val="ffffff"/>
+          </a:solidFill>
+          <a:ln>
+            <a:solidFill>
+              <a:srgbClr val="ffffff"/>
+            </a:solidFill>
+          </a:ln>
+        </p:spPr>
+        <p:style>
+          <a:lnRef idx="0"/>
+          <a:fillRef idx="0"/>
+          <a:effectRef idx="0"/>
+          <a:fontRef idx="minor"/>
+        </p:style>
+      </p:sp>
+      <p:sp>
+        <p:nvSpPr>
+          <p:cNvPr id="257" name="CustomShape 6"/>
+          <p:cNvSpPr/>
+          <p:nvPr/>
+        </p:nvSpPr>
+        <p:spPr>
+          <a:xfrm>
+            <a:off x="4389120" y="504720"/>
+            <a:ext cx="731520" cy="822960"/>
+          </a:xfrm>
+          <a:prstGeom prst="rect">
+            <a:avLst/>
+          </a:prstGeom>
+          <a:solidFill>
+            <a:srgbClr val="ffffff"/>
+          </a:solidFill>
+          <a:ln>
+            <a:solidFill>
+              <a:srgbClr val="ffffff"/>
+            </a:solidFill>
+          </a:ln>
+        </p:spPr>
+        <p:style>
+          <a:lnRef idx="0"/>
+          <a:fillRef idx="0"/>
+          <a:effectRef idx="0"/>
+          <a:fontRef idx="minor"/>
+        </p:style>
+      </p:sp>
+      <p:sp>
+        <p:nvSpPr>
+          <p:cNvPr id="258" name="CustomShape 7"/>
+          <p:cNvSpPr/>
+          <p:nvPr/>
+        </p:nvSpPr>
+        <p:spPr>
+          <a:xfrm>
+            <a:off x="2568600" y="1097280"/>
+            <a:ext cx="4746600" cy="1723680"/>
+          </a:xfrm>
+          <a:prstGeom prst="rect">
+            <a:avLst/>
+          </a:prstGeom>
+          <a:solidFill>
+            <a:srgbClr val="ffffff"/>
+          </a:solidFill>
+          <a:ln>
+            <a:solidFill>
+              <a:srgbClr val="ffffff"/>
+            </a:solidFill>
+          </a:ln>
+        </p:spPr>
+        <p:style>
+          <a:lnRef idx="0"/>
+          <a:fillRef idx="0"/>
+          <a:effectRef idx="0"/>
+          <a:fontRef idx="minor"/>
+        </p:style>
+      </p:sp>
+    </p:spTree>
+  </p:cSld>
+  <p:timing>
+    <p:tnLst>
+      <p:par>
+        <p:cTn id="33" dur="indefinite" restart="never" nodeType="tmRoot">
+          <p:childTnLst>
+            <p:seq>
+              <p:cTn id="34" dur="indefinite" nodeType="mainSeq"/>
+              <p:prevCondLst>
+                <p:cond delay="0" evt="onPrev">
+                  <p:tgtEl>
+                    <p:sldTgt/>
+                  </p:tgtEl>
+                </p:cond>
+              </p:prevCondLst>
+              <p:nextCondLst>
+                <p:cond delay="0" evt="onNext">
+                  <p:tgtEl>
+                    <p:sldTgt/>
+                  </p:tgtEl>
+                </p:cond>
+              </p:nextCondLst>
+            </p:seq>
+          </p:childTnLst>
+        </p:cTn>
+      </p:par>
+    </p:tnLst>
+  </p:timing>
+</p:sld>
+</file>
+
+<file path=ppt/slides/slide18.xml><?xml version="1.0" encoding="utf-8"?>
+<p:sld xmlns:a="http://schemas.openxmlformats.org/drawingml/2006/main" xmlns:p="http://schemas.openxmlformats.org/presentationml/2006/main" xmlns:r="http://schemas.openxmlformats.org/officeDocument/2006/relationships" xmlns:p14="http://schemas.microsoft.com/office/powerpoint/2010/main" xmlns:p15="http://schemas.microsoft.com/office/powerpoint/2012/main" xmlns:mc="http://schemas.openxmlformats.org/markup-compatibility/2006">
+  <p:cSld>
+    <p:spTree>
+      <p:nvGrpSpPr>
+        <p:cNvPr id="1" name=""/>
+        <p:cNvGrpSpPr/>
+        <p:nvPr/>
+      </p:nvGrpSpPr>
+      <p:grpSpPr>
+        <a:xfrm>
+          <a:off x="0" y="0"/>
+          <a:ext cx="0" cy="0"/>
+          <a:chOff x="0" y="0"/>
+          <a:chExt cx="0" cy="0"/>
+        </a:xfrm>
+      </p:grpSpPr>
+      <p:sp>
+        <p:nvSpPr>
+          <p:cNvPr id="259" name="CustomShape 1"/>
+          <p:cNvSpPr/>
+          <p:nvPr/>
+        </p:nvSpPr>
+        <p:spPr>
+          <a:xfrm>
+            <a:off x="720000" y="288000"/>
+            <a:ext cx="6612840" cy="492840"/>
+          </a:xfrm>
+          <a:prstGeom prst="rect">
+            <a:avLst/>
+          </a:prstGeom>
+          <a:noFill/>
+          <a:ln>
+            <a:noFill/>
+          </a:ln>
+        </p:spPr>
+        <p:style>
+          <a:lnRef idx="0"/>
+          <a:fillRef idx="0"/>
+          <a:effectRef idx="0"/>
+          <a:fontRef idx="minor"/>
+        </p:style>
+        <p:txBody>
+          <a:bodyPr lIns="0" rIns="0" tIns="0" bIns="0" anchor="ctr"/>
+          <a:p>
+            <a:pPr>
+              <a:lnSpc>
+                <a:spcPct val="85000"/>
+              </a:lnSpc>
+            </a:pPr>
+            <a:r>
+              <a:rPr b="1" lang="en-US" sz="1800" spc="-1" strike="noStrike">
+                <a:solidFill>
+                  <a:srgbClr val="e63232"/>
+                </a:solidFill>
+                <a:latin typeface="Arial"/>
+                <a:ea typeface="DejaVu Sans"/>
+              </a:rPr>
+              <a:t>Testing</a:t>
+            </a:r>
+            <a:endParaRPr b="0" lang="en-US" sz="1800" spc="-1" strike="noStrike">
+              <a:latin typeface="Arial"/>
+            </a:endParaRPr>
+          </a:p>
+        </p:txBody>
+      </p:sp>
+      <p:sp>
+        <p:nvSpPr>
+          <p:cNvPr id="260" name="CustomShape 2"/>
+          <p:cNvSpPr/>
+          <p:nvPr/>
+        </p:nvSpPr>
+        <p:spPr>
+          <a:xfrm>
+            <a:off x="4968000" y="5004000"/>
+            <a:ext cx="3228840" cy="96840"/>
+          </a:xfrm>
+          <a:prstGeom prst="rect">
+            <a:avLst/>
+          </a:prstGeom>
+          <a:noFill/>
+          <a:ln>
+            <a:noFill/>
+          </a:ln>
+        </p:spPr>
+        <p:style>
+          <a:lnRef idx="0"/>
+          <a:fillRef idx="0"/>
+          <a:effectRef idx="0"/>
+          <a:fontRef idx="minor"/>
+        </p:style>
+        <p:txBody>
+          <a:bodyPr lIns="0" rIns="0" tIns="0" bIns="0"/>
+          <a:p>
+            <a:pPr algn="r">
+              <a:lnSpc>
+                <a:spcPct val="100000"/>
+              </a:lnSpc>
+            </a:pPr>
+            <a:r>
+              <a:rPr b="0" lang="en-US" sz="600" spc="-1" strike="noStrike">
+                <a:solidFill>
+                  <a:srgbClr val="ffffff"/>
+                </a:solidFill>
+                <a:latin typeface="Arial"/>
+                <a:ea typeface="DejaVu Sans"/>
+              </a:rPr>
+              <a:t>JS Tooling</a:t>
+            </a:r>
+            <a:endParaRPr b="0" lang="en-US" sz="600" spc="-1" strike="noStrike">
+              <a:latin typeface="Arial"/>
+            </a:endParaRPr>
+          </a:p>
+        </p:txBody>
+      </p:sp>
+      <p:sp>
+        <p:nvSpPr>
+          <p:cNvPr id="261" name="CustomShape 3"/>
+          <p:cNvSpPr/>
+          <p:nvPr/>
+        </p:nvSpPr>
+        <p:spPr>
+          <a:xfrm>
+            <a:off x="8280000" y="5004000"/>
+            <a:ext cx="132840" cy="96840"/>
+          </a:xfrm>
+          <a:prstGeom prst="rect">
+            <a:avLst/>
+          </a:prstGeom>
+          <a:noFill/>
+          <a:ln>
+            <a:noFill/>
+          </a:ln>
+        </p:spPr>
+        <p:style>
+          <a:lnRef idx="0"/>
+          <a:fillRef idx="0"/>
+          <a:effectRef idx="0"/>
+          <a:fontRef idx="minor"/>
+        </p:style>
+        <p:txBody>
+          <a:bodyPr lIns="0" rIns="0" tIns="0" bIns="0"/>
+          <a:p>
+            <a:pPr algn="r">
+              <a:lnSpc>
+                <a:spcPct val="100000"/>
+              </a:lnSpc>
+            </a:pPr>
+            <a:fld id="{219EA617-C8E5-4371-9A5B-F512185B6DD4}" type="slidenum">
+              <a:rPr b="0" lang="en-US" sz="600" spc="-1" strike="noStrike">
+                <a:solidFill>
+                  <a:srgbClr val="ffffff"/>
+                </a:solidFill>
+                <a:latin typeface="Arial"/>
+                <a:ea typeface="DejaVu Sans"/>
+              </a:rPr>
+              <a:t>&lt;number&gt;</a:t>
+            </a:fld>
+            <a:endParaRPr b="0" lang="en-US" sz="600" spc="-1" strike="noStrike">
+              <a:latin typeface="Arial"/>
+            </a:endParaRPr>
+          </a:p>
+        </p:txBody>
+      </p:sp>
+      <p:sp>
+        <p:nvSpPr>
+          <p:cNvPr id="262" name="CustomShape 4"/>
+          <p:cNvSpPr/>
+          <p:nvPr/>
+        </p:nvSpPr>
+        <p:spPr>
+          <a:xfrm>
+            <a:off x="602640" y="504720"/>
+            <a:ext cx="6612840" cy="3876120"/>
+          </a:xfrm>
+          <a:prstGeom prst="rect">
+            <a:avLst/>
+          </a:prstGeom>
+          <a:noFill/>
+          <a:ln>
+            <a:noFill/>
+          </a:ln>
+        </p:spPr>
+        <p:style>
+          <a:lnRef idx="0"/>
+          <a:fillRef idx="0"/>
+          <a:effectRef idx="0"/>
+          <a:fontRef idx="minor"/>
+        </p:style>
+        <p:txBody>
+          <a:bodyPr lIns="0" rIns="0" tIns="0" bIns="0"/>
+          <a:p>
+            <a:pPr>
+              <a:lnSpc>
+                <a:spcPct val="120000"/>
+              </a:lnSpc>
+            </a:pPr>
+            <a:endParaRPr b="0" lang="en-US" sz="1800" spc="-1" strike="noStrike">
+              <a:latin typeface="Arial"/>
+            </a:endParaRPr>
+          </a:p>
+          <a:p>
+            <a:pPr>
+              <a:lnSpc>
+                <a:spcPct val="120000"/>
+              </a:lnSpc>
+            </a:pPr>
+            <a:endParaRPr b="0" lang="en-US" sz="1800" spc="-1" strike="noStrike">
+              <a:latin typeface="Arial"/>
+            </a:endParaRPr>
+          </a:p>
+        </p:txBody>
+      </p:sp>
+      <p:pic>
+        <p:nvPicPr>
+          <p:cNvPr id="263" name="" descr=""/>
+          <p:cNvPicPr/>
+          <p:nvPr/>
+        </p:nvPicPr>
+        <p:blipFill>
+          <a:blip r:embed="rId1"/>
+          <a:stretch/>
+        </p:blipFill>
+        <p:spPr>
+          <a:xfrm>
+            <a:off x="1828800" y="288000"/>
+            <a:ext cx="5029200" cy="4606920"/>
+          </a:xfrm>
+          <a:prstGeom prst="rect">
+            <a:avLst/>
+          </a:prstGeom>
+          <a:ln>
+            <a:noFill/>
+          </a:ln>
+        </p:spPr>
+      </p:pic>
+      <p:sp>
+        <p:nvSpPr>
+          <p:cNvPr id="264" name="CustomShape 5"/>
+          <p:cNvSpPr/>
+          <p:nvPr/>
+        </p:nvSpPr>
+        <p:spPr>
+          <a:xfrm>
+            <a:off x="3931920" y="196560"/>
+            <a:ext cx="1920240" cy="1083600"/>
+          </a:xfrm>
+          <a:prstGeom prst="rect">
+            <a:avLst/>
+          </a:prstGeom>
+          <a:solidFill>
+            <a:srgbClr val="ffffff"/>
+          </a:solidFill>
+          <a:ln>
+            <a:solidFill>
+              <a:srgbClr val="ffffff"/>
+            </a:solidFill>
+          </a:ln>
+        </p:spPr>
+        <p:style>
+          <a:lnRef idx="0"/>
+          <a:fillRef idx="0"/>
+          <a:effectRef idx="0"/>
+          <a:fontRef idx="minor"/>
+        </p:style>
+      </p:sp>
+      <p:sp>
+        <p:nvSpPr>
+          <p:cNvPr id="265" name="CustomShape 6"/>
+          <p:cNvSpPr/>
+          <p:nvPr/>
+        </p:nvSpPr>
+        <p:spPr>
+          <a:xfrm>
+            <a:off x="4389120" y="504720"/>
+            <a:ext cx="731520" cy="822960"/>
+          </a:xfrm>
+          <a:prstGeom prst="rect">
+            <a:avLst/>
+          </a:prstGeom>
+          <a:solidFill>
+            <a:srgbClr val="ffffff"/>
+          </a:solidFill>
+          <a:ln>
+            <a:solidFill>
+              <a:srgbClr val="ffffff"/>
+            </a:solidFill>
+          </a:ln>
+        </p:spPr>
+        <p:style>
+          <a:lnRef idx="0"/>
+          <a:fillRef idx="0"/>
+          <a:effectRef idx="0"/>
+          <a:fontRef idx="minor"/>
+        </p:style>
+      </p:sp>
+      <p:sp>
+        <p:nvSpPr>
+          <p:cNvPr id="266" name="CustomShape 7"/>
+          <p:cNvSpPr/>
+          <p:nvPr/>
+        </p:nvSpPr>
+        <p:spPr>
+          <a:xfrm>
+            <a:off x="2568600" y="1097280"/>
+            <a:ext cx="4746600" cy="1723680"/>
+          </a:xfrm>
+          <a:prstGeom prst="rect">
+            <a:avLst/>
+          </a:prstGeom>
+          <a:solidFill>
+            <a:srgbClr val="ffffff"/>
+          </a:solidFill>
+          <a:ln>
+            <a:solidFill>
+              <a:srgbClr val="ffffff"/>
+            </a:solidFill>
+          </a:ln>
+        </p:spPr>
+        <p:style>
+          <a:lnRef idx="0"/>
+          <a:fillRef idx="0"/>
+          <a:effectRef idx="0"/>
+          <a:fontRef idx="minor"/>
+        </p:style>
+      </p:sp>
+      <p:sp>
+        <p:nvSpPr>
+          <p:cNvPr id="267" name="TextShape 8"/>
+          <p:cNvSpPr txBox="1"/>
+          <p:nvPr/>
+        </p:nvSpPr>
+        <p:spPr>
+          <a:xfrm>
+            <a:off x="1645920" y="504720"/>
+            <a:ext cx="7772400" cy="2649960"/>
+          </a:xfrm>
+          <a:prstGeom prst="rect">
+            <a:avLst/>
+          </a:prstGeom>
+          <a:noFill/>
+          <a:ln>
+            <a:noFill/>
+          </a:ln>
+        </p:spPr>
+        <p:txBody>
+          <a:bodyPr lIns="90000" rIns="90000" tIns="45000" bIns="45000"/>
+          <a:p>
+            <a:pPr marL="216000" indent="-216000">
+              <a:buClr>
+                <a:srgbClr val="000000"/>
+              </a:buClr>
+              <a:buSzPct val="45000"/>
+              <a:buFont typeface="Wingdings" charset="2"/>
+              <a:buChar char=""/>
+            </a:pPr>
+            <a:r>
+              <a:rPr b="0" lang="en-US" sz="1800" spc="-1" strike="noStrike">
+                <a:latin typeface="Arial"/>
+              </a:rPr>
+              <a:t>Testing structure (Mocha, Jasmine, Jest)</a:t>
+            </a:r>
+            <a:endParaRPr b="0" lang="en-US" sz="1800" spc="-1" strike="noStrike">
+              <a:latin typeface="Arial"/>
+            </a:endParaRPr>
+          </a:p>
+          <a:p>
+            <a:pPr marL="216000" indent="-216000">
+              <a:buClr>
+                <a:srgbClr val="000000"/>
+              </a:buClr>
+              <a:buSzPct val="45000"/>
+              <a:buFont typeface="Wingdings" charset="2"/>
+              <a:buChar char=""/>
+            </a:pPr>
+            <a:endParaRPr b="0" lang="en-US" sz="1800" spc="-1" strike="noStrike">
+              <a:latin typeface="Arial"/>
+            </a:endParaRPr>
+          </a:p>
+          <a:p>
+            <a:pPr marL="216000" indent="-216000">
+              <a:buClr>
+                <a:srgbClr val="000000"/>
+              </a:buClr>
+              <a:buSzPct val="45000"/>
+              <a:buFont typeface="Wingdings" charset="2"/>
+              <a:buChar char=""/>
+            </a:pPr>
+            <a:r>
+              <a:rPr b="0" lang="en-US" sz="1800" spc="-1" strike="noStrike">
+                <a:latin typeface="Arial"/>
+              </a:rPr>
+              <a:t>Asserters (Chai, Jasmine, Jest)</a:t>
+            </a:r>
+            <a:endParaRPr b="0" lang="en-US" sz="1800" spc="-1" strike="noStrike">
+              <a:latin typeface="Arial"/>
+            </a:endParaRPr>
+          </a:p>
+          <a:p>
+            <a:pPr marL="216000" indent="-216000">
+              <a:buClr>
+                <a:srgbClr val="000000"/>
+              </a:buClr>
+              <a:buSzPct val="45000"/>
+              <a:buFont typeface="Wingdings" charset="2"/>
+              <a:buChar char=""/>
+            </a:pPr>
+            <a:endParaRPr b="0" lang="en-US" sz="1800" spc="-1" strike="noStrike">
+              <a:latin typeface="Arial"/>
+            </a:endParaRPr>
+          </a:p>
+          <a:p>
+            <a:pPr marL="216000" indent="-216000">
+              <a:buClr>
+                <a:srgbClr val="000000"/>
+              </a:buClr>
+              <a:buSzPct val="45000"/>
+              <a:buFont typeface="Wingdings" charset="2"/>
+              <a:buChar char=""/>
+            </a:pPr>
+            <a:r>
+              <a:rPr b="0" lang="en-US" sz="1800" spc="-1" strike="noStrike">
+                <a:latin typeface="Arial"/>
+              </a:rPr>
+              <a:t>Runner (Mocha, Jasmine, Jest, Karma)</a:t>
+            </a:r>
+            <a:endParaRPr b="0" lang="en-US" sz="1800" spc="-1" strike="noStrike">
+              <a:latin typeface="Arial"/>
+            </a:endParaRPr>
+          </a:p>
+          <a:p>
+            <a:pPr marL="216000" indent="-216000">
+              <a:buClr>
+                <a:srgbClr val="000000"/>
+              </a:buClr>
+              <a:buSzPct val="45000"/>
+              <a:buFont typeface="Wingdings" charset="2"/>
+              <a:buChar char=""/>
+            </a:pPr>
+            <a:endParaRPr b="0" lang="en-US" sz="1800" spc="-1" strike="noStrike">
+              <a:latin typeface="Arial"/>
+            </a:endParaRPr>
+          </a:p>
+          <a:p>
+            <a:pPr marL="216000" indent="-216000">
+              <a:buClr>
+                <a:srgbClr val="000000"/>
+              </a:buClr>
+              <a:buSzPct val="45000"/>
+              <a:buFont typeface="Wingdings" charset="2"/>
+              <a:buChar char=""/>
+            </a:pPr>
+            <a:r>
+              <a:rPr b="0" lang="en-US" sz="1800" spc="-1" strike="noStrike">
+                <a:latin typeface="Arial"/>
+              </a:rPr>
+              <a:t>Mocks/Spies/Stubs (Sinon, Jasmine, Enzyme, Jest)</a:t>
+            </a:r>
+            <a:endParaRPr b="0" lang="en-US" sz="1800" spc="-1" strike="noStrike">
+              <a:latin typeface="Arial"/>
+            </a:endParaRPr>
+          </a:p>
+          <a:p>
+            <a:pPr marL="216000" indent="-216000">
+              <a:buClr>
+                <a:srgbClr val="000000"/>
+              </a:buClr>
+              <a:buSzPct val="45000"/>
+              <a:buFont typeface="Wingdings" charset="2"/>
+              <a:buChar char=""/>
+            </a:pPr>
+            <a:endParaRPr b="0" lang="en-US" sz="1800" spc="-1" strike="noStrike">
+              <a:latin typeface="Arial"/>
+            </a:endParaRPr>
+          </a:p>
+          <a:p>
+            <a:pPr marL="216000" indent="-216000">
+              <a:buClr>
+                <a:srgbClr val="000000"/>
+              </a:buClr>
+              <a:buSzPct val="45000"/>
+              <a:buFont typeface="Wingdings" charset="2"/>
+              <a:buChar char=""/>
+            </a:pPr>
+            <a:r>
+              <a:rPr b="0" lang="en-US" sz="1800" spc="-1" strike="noStrike">
+                <a:latin typeface="Arial"/>
+              </a:rPr>
+              <a:t>Code Coverage (Istanbul, Jest, Blanket)</a:t>
+            </a:r>
+            <a:endParaRPr b="0" lang="en-US" sz="1800" spc="-1" strike="noStrike">
+              <a:latin typeface="Arial"/>
+            </a:endParaRPr>
+          </a:p>
+        </p:txBody>
+      </p:sp>
+      <p:pic>
+        <p:nvPicPr>
+          <p:cNvPr id="268" name="" descr=""/>
+          <p:cNvPicPr/>
+          <p:nvPr/>
+        </p:nvPicPr>
+        <p:blipFill>
+          <a:blip r:embed="rId2"/>
+          <a:stretch/>
+        </p:blipFill>
+        <p:spPr>
+          <a:xfrm>
+            <a:off x="6317280" y="3383280"/>
+            <a:ext cx="997920" cy="747360"/>
+          </a:xfrm>
+          <a:prstGeom prst="rect">
+            <a:avLst/>
+          </a:prstGeom>
+          <a:ln>
+            <a:noFill/>
+          </a:ln>
+        </p:spPr>
+      </p:pic>
+      <p:pic>
+        <p:nvPicPr>
+          <p:cNvPr id="269" name="" descr=""/>
+          <p:cNvPicPr/>
+          <p:nvPr/>
+        </p:nvPicPr>
+        <p:blipFill>
+          <a:blip r:embed="rId3"/>
+          <a:stretch/>
+        </p:blipFill>
+        <p:spPr>
+          <a:xfrm>
+            <a:off x="1645920" y="3291840"/>
+            <a:ext cx="722520" cy="722520"/>
+          </a:xfrm>
+          <a:prstGeom prst="rect">
+            <a:avLst/>
+          </a:prstGeom>
+          <a:ln>
+            <a:noFill/>
+          </a:ln>
+        </p:spPr>
+      </p:pic>
+      <p:sp>
+        <p:nvSpPr>
+          <p:cNvPr id="270" name="TextShape 9"/>
+          <p:cNvSpPr txBox="1"/>
+          <p:nvPr/>
+        </p:nvSpPr>
+        <p:spPr>
+          <a:xfrm>
+            <a:off x="6949440" y="3439440"/>
+            <a:ext cx="1554480" cy="858240"/>
+          </a:xfrm>
+          <a:prstGeom prst="rect">
+            <a:avLst/>
+          </a:prstGeom>
+          <a:noFill/>
+          <a:ln>
+            <a:noFill/>
+          </a:ln>
+        </p:spPr>
+        <p:txBody>
+          <a:bodyPr lIns="90000" rIns="90000" tIns="45000" bIns="45000"/>
+          <a:p>
+            <a:pPr marL="216000" indent="-216000">
+              <a:buClr>
+                <a:srgbClr val="000000"/>
+              </a:buClr>
+              <a:buSzPct val="45000"/>
+              <a:buFont typeface="Wingdings" charset="2"/>
+              <a:buChar char=""/>
+            </a:pPr>
+            <a:r>
+              <a:rPr b="0" lang="en-US" sz="1800" spc="-1" strike="noStrike">
+                <a:latin typeface="Arial"/>
+              </a:rPr>
+              <a:t>Fast</a:t>
+            </a:r>
+            <a:endParaRPr b="0" lang="en-US" sz="1800" spc="-1" strike="noStrike">
+              <a:latin typeface="Arial"/>
+            </a:endParaRPr>
+          </a:p>
+          <a:p>
+            <a:pPr marL="216000" indent="-216000">
+              <a:buClr>
+                <a:srgbClr val="000000"/>
+              </a:buClr>
+              <a:buSzPct val="45000"/>
+              <a:buFont typeface="Wingdings" charset="2"/>
+              <a:buChar char=""/>
+            </a:pPr>
+            <a:r>
+              <a:rPr b="0" lang="en-US" sz="1800" spc="-1" strike="noStrike">
+                <a:latin typeface="Arial"/>
+              </a:rPr>
+              <a:t>Easy setup</a:t>
+            </a:r>
+            <a:endParaRPr b="0" lang="en-US" sz="1800" spc="-1" strike="noStrike">
+              <a:latin typeface="Arial"/>
+            </a:endParaRPr>
+          </a:p>
+        </p:txBody>
+      </p:sp>
+      <p:sp>
+        <p:nvSpPr>
+          <p:cNvPr id="271" name="TextShape 10"/>
+          <p:cNvSpPr txBox="1"/>
+          <p:nvPr/>
+        </p:nvSpPr>
+        <p:spPr>
+          <a:xfrm>
+            <a:off x="91440" y="3494160"/>
+            <a:ext cx="2194560" cy="346320"/>
+          </a:xfrm>
+          <a:prstGeom prst="rect">
+            <a:avLst/>
+          </a:prstGeom>
+          <a:noFill/>
+          <a:ln>
+            <a:noFill/>
+          </a:ln>
+        </p:spPr>
+        <p:txBody>
+          <a:bodyPr lIns="90000" rIns="90000" tIns="45000" bIns="45000"/>
+          <a:p>
+            <a:pPr marL="216000" indent="-216000">
+              <a:buClr>
+                <a:srgbClr val="000000"/>
+              </a:buClr>
+              <a:buSzPct val="45000"/>
+              <a:buFont typeface="Wingdings" charset="2"/>
+              <a:buChar char=""/>
+            </a:pPr>
+            <a:r>
+              <a:rPr b="0" lang="en-US" sz="1800" spc="-1" strike="noStrike">
+                <a:latin typeface="Arial"/>
+              </a:rPr>
+              <a:t>Flexible</a:t>
+            </a:r>
+            <a:endParaRPr b="0" lang="en-US" sz="1800" spc="-1" strike="noStrike">
+              <a:latin typeface="Arial"/>
+            </a:endParaRPr>
+          </a:p>
+        </p:txBody>
+      </p:sp>
+    </p:spTree>
+  </p:cSld>
+  <p:timing>
+    <p:tnLst>
+      <p:par>
+        <p:cTn id="35" dur="indefinite" restart="never" nodeType="tmRoot">
+          <p:childTnLst>
+            <p:seq>
+              <p:cTn id="36" dur="indefinite" nodeType="mainSeq"/>
+              <p:prevCondLst>
+                <p:cond delay="0" evt="onPrev">
+                  <p:tgtEl>
+                    <p:sldTgt/>
+                  </p:tgtEl>
+                </p:cond>
+              </p:prevCondLst>
+              <p:nextCondLst>
+                <p:cond delay="0" evt="onNext">
+                  <p:tgtEl>
+                    <p:sldTgt/>
+                  </p:tgtEl>
+                </p:cond>
+              </p:nextCondLst>
+            </p:seq>
+          </p:childTnLst>
+        </p:cTn>
+      </p:par>
+    </p:tnLst>
+  </p:timing>
+</p:sld>
+</file>
+
+<file path=ppt/slides/slide19.xml><?xml version="1.0" encoding="utf-8"?>
+<p:sld xmlns:a="http://schemas.openxmlformats.org/drawingml/2006/main" xmlns:p="http://schemas.openxmlformats.org/presentationml/2006/main" xmlns:r="http://schemas.openxmlformats.org/officeDocument/2006/relationships" xmlns:p14="http://schemas.microsoft.com/office/powerpoint/2010/main" xmlns:p15="http://schemas.microsoft.com/office/powerpoint/2012/main" xmlns:mc="http://schemas.openxmlformats.org/markup-compatibility/2006">
+  <p:cSld>
+    <p:spTree>
+      <p:nvGrpSpPr>
+        <p:cNvPr id="1" name=""/>
+        <p:cNvGrpSpPr/>
+        <p:nvPr/>
+      </p:nvGrpSpPr>
+      <p:grpSpPr>
+        <a:xfrm>
+          <a:off x="0" y="0"/>
+          <a:ext cx="0" cy="0"/>
+          <a:chOff x="0" y="0"/>
+          <a:chExt cx="0" cy="0"/>
+        </a:xfrm>
+      </p:grpSpPr>
+      <p:sp>
+        <p:nvSpPr>
+          <p:cNvPr id="272" name="CustomShape 1"/>
+          <p:cNvSpPr/>
+          <p:nvPr/>
+        </p:nvSpPr>
+        <p:spPr>
+          <a:xfrm>
+            <a:off x="720000" y="288000"/>
+            <a:ext cx="6612840" cy="492840"/>
+          </a:xfrm>
+          <a:prstGeom prst="rect">
+            <a:avLst/>
+          </a:prstGeom>
+          <a:noFill/>
+          <a:ln>
+            <a:noFill/>
+          </a:ln>
+        </p:spPr>
+        <p:style>
+          <a:lnRef idx="0"/>
+          <a:fillRef idx="0"/>
+          <a:effectRef idx="0"/>
+          <a:fontRef idx="minor"/>
+        </p:style>
+        <p:txBody>
+          <a:bodyPr lIns="0" rIns="0" tIns="0" bIns="0" anchor="ctr"/>
+          <a:p>
+            <a:pPr>
+              <a:lnSpc>
+                <a:spcPct val="85000"/>
+              </a:lnSpc>
+            </a:pPr>
+            <a:r>
+              <a:rPr b="1" lang="en-US" sz="1800" spc="-1" strike="noStrike">
+                <a:solidFill>
+                  <a:srgbClr val="e63232"/>
+                </a:solidFill>
+                <a:latin typeface="Arial"/>
+                <a:ea typeface="DejaVu Sans"/>
+              </a:rPr>
+              <a:t>Dinner &amp; Hands On</a:t>
+            </a:r>
+            <a:endParaRPr b="0" lang="en-US" sz="1800" spc="-1" strike="noStrike">
+              <a:latin typeface="Arial"/>
+            </a:endParaRPr>
+          </a:p>
+        </p:txBody>
+      </p:sp>
+      <p:sp>
+        <p:nvSpPr>
+          <p:cNvPr id="273" name="CustomShape 2"/>
+          <p:cNvSpPr/>
+          <p:nvPr/>
+        </p:nvSpPr>
+        <p:spPr>
+          <a:xfrm>
+            <a:off x="1097280" y="2194560"/>
+            <a:ext cx="3646800" cy="767880"/>
+          </a:xfrm>
+          <a:prstGeom prst="rect">
+            <a:avLst/>
+          </a:prstGeom>
+          <a:noFill/>
+          <a:ln>
+            <a:noFill/>
+          </a:ln>
+        </p:spPr>
+        <p:style>
+          <a:lnRef idx="0"/>
+          <a:fillRef idx="0"/>
+          <a:effectRef idx="0"/>
+          <a:fontRef idx="minor"/>
+        </p:style>
+      </p:sp>
+      <p:sp>
+        <p:nvSpPr>
+          <p:cNvPr id="274" name="CustomShape 3"/>
+          <p:cNvSpPr/>
+          <p:nvPr/>
+        </p:nvSpPr>
+        <p:spPr>
+          <a:xfrm>
+            <a:off x="4968000" y="5004000"/>
+            <a:ext cx="3228840" cy="96840"/>
+          </a:xfrm>
+          <a:prstGeom prst="rect">
+            <a:avLst/>
+          </a:prstGeom>
+          <a:noFill/>
+          <a:ln>
+            <a:noFill/>
+          </a:ln>
+        </p:spPr>
+        <p:style>
+          <a:lnRef idx="0"/>
+          <a:fillRef idx="0"/>
+          <a:effectRef idx="0"/>
+          <a:fontRef idx="minor"/>
+        </p:style>
+        <p:txBody>
+          <a:bodyPr lIns="0" rIns="0" tIns="0" bIns="0"/>
+          <a:p>
+            <a:pPr algn="r">
+              <a:lnSpc>
+                <a:spcPct val="100000"/>
+              </a:lnSpc>
+            </a:pPr>
+            <a:r>
+              <a:rPr b="0" lang="en-US" sz="600" spc="-1" strike="noStrike">
+                <a:solidFill>
+                  <a:srgbClr val="ffffff"/>
+                </a:solidFill>
+                <a:latin typeface="Arial"/>
+                <a:ea typeface="DejaVu Sans"/>
+              </a:rPr>
+              <a:t>React</a:t>
+            </a:r>
+            <a:endParaRPr b="0" lang="en-US" sz="600" spc="-1" strike="noStrike">
+              <a:latin typeface="Arial"/>
+            </a:endParaRPr>
+          </a:p>
+        </p:txBody>
+      </p:sp>
+      <p:sp>
+        <p:nvSpPr>
+          <p:cNvPr id="275" name="CustomShape 4"/>
+          <p:cNvSpPr/>
+          <p:nvPr/>
+        </p:nvSpPr>
+        <p:spPr>
+          <a:xfrm>
+            <a:off x="8280000" y="5004000"/>
+            <a:ext cx="132840" cy="96840"/>
+          </a:xfrm>
+          <a:prstGeom prst="rect">
+            <a:avLst/>
+          </a:prstGeom>
+          <a:noFill/>
+          <a:ln>
+            <a:noFill/>
+          </a:ln>
+        </p:spPr>
+        <p:style>
+          <a:lnRef idx="0"/>
+          <a:fillRef idx="0"/>
+          <a:effectRef idx="0"/>
+          <a:fontRef idx="minor"/>
+        </p:style>
+        <p:txBody>
+          <a:bodyPr lIns="0" rIns="0" tIns="0" bIns="0"/>
+          <a:p>
+            <a:pPr algn="r">
+              <a:lnSpc>
+                <a:spcPct val="100000"/>
+              </a:lnSpc>
+            </a:pPr>
+            <a:fld id="{EA15A800-86D2-4E44-BC4F-C361E466B043}" type="slidenum">
+              <a:rPr b="0" lang="en-US" sz="600" spc="-1" strike="noStrike">
+                <a:solidFill>
+                  <a:srgbClr val="ffffff"/>
+                </a:solidFill>
+                <a:latin typeface="Arial"/>
+                <a:ea typeface="DejaVu Sans"/>
+              </a:rPr>
+              <a:t>&lt;number&gt;</a:t>
+            </a:fld>
+            <a:endParaRPr b="0" lang="en-US" sz="600" spc="-1" strike="noStrike">
+              <a:latin typeface="Arial"/>
+            </a:endParaRPr>
+          </a:p>
+        </p:txBody>
+      </p:sp>
+      <p:pic>
+        <p:nvPicPr>
+          <p:cNvPr id="276" name="Picture Placeholder 6" descr=""/>
+          <p:cNvPicPr/>
+          <p:nvPr/>
+        </p:nvPicPr>
+        <p:blipFill>
+          <a:blip r:embed="rId1"/>
+          <a:stretch/>
+        </p:blipFill>
+        <p:spPr>
+          <a:xfrm>
+            <a:off x="6840000" y="810000"/>
+            <a:ext cx="2292840" cy="3498840"/>
+          </a:xfrm>
+          <a:prstGeom prst="rect">
+            <a:avLst/>
+          </a:prstGeom>
+          <a:ln w="9360">
+            <a:solidFill>
+              <a:schemeClr val="bg1"/>
+            </a:solidFill>
+            <a:round/>
+          </a:ln>
+        </p:spPr>
+      </p:pic>
+      <p:sp>
+        <p:nvSpPr>
+          <p:cNvPr id="277" name="CustomShape 5"/>
+          <p:cNvSpPr/>
+          <p:nvPr/>
+        </p:nvSpPr>
+        <p:spPr>
+          <a:xfrm>
+            <a:off x="1737360" y="2066040"/>
+            <a:ext cx="3646800" cy="767880"/>
+          </a:xfrm>
+          <a:prstGeom prst="rect">
+            <a:avLst/>
+          </a:prstGeom>
+          <a:noFill/>
+          <a:ln>
+            <a:noFill/>
+          </a:ln>
+        </p:spPr>
+        <p:style>
+          <a:lnRef idx="0"/>
+          <a:fillRef idx="0"/>
+          <a:effectRef idx="0"/>
+          <a:fontRef idx="minor"/>
+        </p:style>
+        <p:txBody>
+          <a:bodyPr lIns="0" rIns="0" tIns="0" bIns="0"/>
+          <a:p>
+            <a:pPr>
+              <a:lnSpc>
+                <a:spcPct val="120000"/>
+              </a:lnSpc>
+            </a:pPr>
+            <a:r>
+              <a:rPr b="0" lang="en-US" sz="3200" spc="-1" strike="noStrike">
+                <a:solidFill>
+                  <a:srgbClr val="ffffff"/>
+                </a:solidFill>
+                <a:latin typeface="Arial"/>
+                <a:ea typeface="DejaVu Sans"/>
+              </a:rPr>
+              <a:t>It’s dinnertime!</a:t>
+            </a:r>
+            <a:endParaRPr b="0" lang="en-US" sz="3200" spc="-1" strike="noStrike">
+              <a:latin typeface="Arial"/>
+            </a:endParaRPr>
+          </a:p>
+        </p:txBody>
+      </p:sp>
+    </p:spTree>
+  </p:cSld>
+  <p:timing>
+    <p:tnLst>
+      <p:par>
+        <p:cTn id="37" dur="indefinite" restart="never" nodeType="tmRoot">
+          <p:childTnLst>
+            <p:seq>
+              <p:cTn id="38" dur="indefinite" nodeType="mainSeq"/>
               <p:prevCondLst>
                 <p:cond delay="0" evt="onPrev">
                   <p:tgtEl>
@@ -6078,7 +8827,7 @@
         <p:spPr>
           <a:xfrm>
             <a:off x="720000" y="288000"/>
-            <a:ext cx="6613200" cy="493200"/>
+            <a:ext cx="6612840" cy="492840"/>
           </a:xfrm>
           <a:prstGeom prst="rect">
             <a:avLst/>
@@ -6127,7 +8876,7 @@
         <p:spPr>
           <a:xfrm>
             <a:off x="4968000" y="5004000"/>
-            <a:ext cx="3229200" cy="97200"/>
+            <a:ext cx="3228840" cy="96840"/>
           </a:xfrm>
           <a:prstGeom prst="rect">
             <a:avLst/>
@@ -6176,7 +8925,7 @@
         <p:spPr>
           <a:xfrm>
             <a:off x="8280000" y="5004000"/>
-            <a:ext cx="133200" cy="97200"/>
+            <a:ext cx="132840" cy="96840"/>
           </a:xfrm>
           <a:prstGeom prst="rect">
             <a:avLst/>
@@ -6200,7 +8949,7 @@
                 <a:spcPct val="100000"/>
               </a:lnSpc>
             </a:pPr>
-            <a:fld id="{5B65B2D8-5951-4A3A-94C2-60FCEE7F84F3}" type="slidenum">
+            <a:fld id="{C63B3D1F-5BE4-4173-B20F-1B17547E6F5B}" type="slidenum">
               <a:rPr b="0" lang="en-US" sz="600" spc="-1" strike="noStrike">
                 <a:solidFill>
                   <a:srgbClr val="ffffff"/>
@@ -6225,7 +8974,7 @@
         <p:spPr>
           <a:xfrm>
             <a:off x="602640" y="504720"/>
-            <a:ext cx="6613200" cy="3876480"/>
+            <a:ext cx="6612840" cy="3876120"/>
           </a:xfrm>
           <a:prstGeom prst="rect">
             <a:avLst/>
@@ -6278,7 +9027,7 @@
         <p:spPr>
           <a:xfrm>
             <a:off x="160200" y="822960"/>
-            <a:ext cx="8833320" cy="3657600"/>
+            <a:ext cx="8832960" cy="3657240"/>
           </a:xfrm>
           <a:prstGeom prst="rect">
             <a:avLst/>
@@ -6346,7 +9095,7 @@
         <p:spPr>
           <a:xfrm>
             <a:off x="720000" y="288000"/>
-            <a:ext cx="6613200" cy="493200"/>
+            <a:ext cx="6612840" cy="492840"/>
           </a:xfrm>
           <a:prstGeom prst="rect">
             <a:avLst/>
@@ -6395,7 +9144,7 @@
         <p:spPr>
           <a:xfrm>
             <a:off x="4968000" y="5004000"/>
-            <a:ext cx="3229200" cy="97200"/>
+            <a:ext cx="3228840" cy="96840"/>
           </a:xfrm>
           <a:prstGeom prst="rect">
             <a:avLst/>
@@ -6444,7 +9193,7 @@
         <p:spPr>
           <a:xfrm>
             <a:off x="8280000" y="5004000"/>
-            <a:ext cx="133200" cy="97200"/>
+            <a:ext cx="132840" cy="96840"/>
           </a:xfrm>
           <a:prstGeom prst="rect">
             <a:avLst/>
@@ -6468,7 +9217,7 @@
                 <a:spcPct val="100000"/>
               </a:lnSpc>
             </a:pPr>
-            <a:fld id="{9E4799F0-ADEF-4893-AB36-BD46EC3F25DE}" type="slidenum">
+            <a:fld id="{CA7AD86E-9D1C-4889-972C-7CDD6D1DB3F3}" type="slidenum">
               <a:rPr b="0" lang="en-US" sz="600" spc="-1" strike="noStrike">
                 <a:solidFill>
                   <a:srgbClr val="ffffff"/>
@@ -6493,7 +9242,7 @@
         <p:spPr>
           <a:xfrm>
             <a:off x="602640" y="504720"/>
-            <a:ext cx="6613200" cy="3876480"/>
+            <a:ext cx="6612840" cy="3876120"/>
           </a:xfrm>
           <a:prstGeom prst="rect">
             <a:avLst/>
@@ -6528,6 +9277,211 @@
               </a:lnSpc>
             </a:pPr>
             <a:endParaRPr b="0" lang="en-US" sz="1800" spc="-1" strike="noStrike">
+              <a:latin typeface="Arial"/>
+            </a:endParaRPr>
+          </a:p>
+        </p:txBody>
+      </p:sp>
+      <p:sp>
+        <p:nvSpPr>
+          <p:cNvPr id="137" name="TextShape 5"/>
+          <p:cNvSpPr txBox="1"/>
+          <p:nvPr/>
+        </p:nvSpPr>
+        <p:spPr>
+          <a:xfrm>
+            <a:off x="457200" y="1828800"/>
+            <a:ext cx="8046720" cy="1279440"/>
+          </a:xfrm>
+          <a:prstGeom prst="rect">
+            <a:avLst/>
+          </a:prstGeom>
+          <a:noFill/>
+          <a:ln>
+            <a:noFill/>
+          </a:ln>
+        </p:spPr>
+        <p:txBody>
+          <a:bodyPr lIns="90000" rIns="90000" tIns="45000" bIns="45000"/>
+          <a:p>
+            <a:r>
+              <a:rPr b="0" lang="en-US" sz="2800" spc="-1" strike="noStrike">
+                <a:latin typeface="Arial"/>
+                <a:ea typeface="Noto Sans CJK SC"/>
+              </a:rPr>
+              <a:t>Tooli</a:t>
+            </a:r>
+            <a:r>
+              <a:rPr b="0" lang="en-US" sz="2800" spc="-1" strike="noStrike">
+                <a:latin typeface="Arial"/>
+                <a:ea typeface="Noto Sans CJK SC"/>
+              </a:rPr>
+              <a:t>ng</a:t>
+            </a:r>
+            <a:r>
+              <a:rPr b="0" lang="en-US" sz="1800" spc="-1" strike="noStrike">
+                <a:latin typeface="Arial"/>
+                <a:ea typeface="Noto Sans CJK SC"/>
+              </a:rPr>
+              <a:t> </a:t>
+            </a:r>
+            <a:r>
+              <a:rPr b="0" lang="en-US" sz="2800" spc="-1" strike="noStrike">
+                <a:latin typeface="Arial"/>
+              </a:rPr>
+              <a:t>is </a:t>
+            </a:r>
+            <a:r>
+              <a:rPr b="0" lang="en-US" sz="2800" spc="-1" strike="noStrike">
+                <a:latin typeface="Arial"/>
+              </a:rPr>
+              <a:t>the </a:t>
+            </a:r>
+            <a:r>
+              <a:rPr b="0" lang="en-US" sz="2800" spc="-1" strike="noStrike">
+                <a:latin typeface="Arial"/>
+              </a:rPr>
+              <a:t>catch</a:t>
+            </a:r>
+            <a:r>
+              <a:rPr b="0" lang="en-US" sz="2800" spc="-1" strike="noStrike">
+                <a:latin typeface="Arial"/>
+              </a:rPr>
+              <a:t>-all </a:t>
+            </a:r>
+            <a:r>
+              <a:rPr b="0" lang="en-US" sz="2800" spc="-1" strike="noStrike">
+                <a:latin typeface="Arial"/>
+              </a:rPr>
+              <a:t>term </a:t>
+            </a:r>
+            <a:r>
+              <a:rPr b="0" lang="en-US" sz="2800" spc="-1" strike="noStrike">
+                <a:latin typeface="Arial"/>
+              </a:rPr>
+              <a:t>for </a:t>
+            </a:r>
+            <a:r>
+              <a:rPr b="0" lang="en-US" sz="2800" spc="-1" strike="noStrike">
+                <a:latin typeface="Arial"/>
+              </a:rPr>
+              <a:t>librari</a:t>
+            </a:r>
+            <a:r>
+              <a:rPr b="0" lang="en-US" sz="2800" spc="-1" strike="noStrike">
+                <a:latin typeface="Arial"/>
+              </a:rPr>
+              <a:t>es, </a:t>
+            </a:r>
+            <a:r>
+              <a:rPr b="0" lang="en-US" sz="2800" spc="-1" strike="noStrike">
+                <a:latin typeface="Arial"/>
+              </a:rPr>
+              <a:t>script</a:t>
+            </a:r>
+            <a:r>
+              <a:rPr b="0" lang="en-US" sz="2800" spc="-1" strike="noStrike">
+                <a:latin typeface="Arial"/>
+              </a:rPr>
+              <a:t>s, </a:t>
+            </a:r>
+            <a:r>
+              <a:rPr b="0" lang="en-US" sz="2800" spc="-1" strike="noStrike">
+                <a:latin typeface="Arial"/>
+              </a:rPr>
+              <a:t>fram</a:t>
+            </a:r>
+            <a:r>
+              <a:rPr b="0" lang="en-US" sz="2800" spc="-1" strike="noStrike">
+                <a:latin typeface="Arial"/>
+              </a:rPr>
+              <a:t>ewor</a:t>
+            </a:r>
+            <a:r>
+              <a:rPr b="0" lang="en-US" sz="2800" spc="-1" strike="noStrike">
+                <a:latin typeface="Arial"/>
+              </a:rPr>
+              <a:t>ks, </a:t>
+            </a:r>
+            <a:r>
+              <a:rPr b="0" lang="en-US" sz="2800" spc="-1" strike="noStrike">
+                <a:latin typeface="Arial"/>
+              </a:rPr>
+              <a:t>pack</a:t>
+            </a:r>
+            <a:r>
+              <a:rPr b="0" lang="en-US" sz="2800" spc="-1" strike="noStrike">
+                <a:latin typeface="Arial"/>
+              </a:rPr>
+              <a:t>ages, </a:t>
+            </a:r>
+            <a:r>
+              <a:rPr b="0" lang="en-US" sz="2800" spc="-1" strike="noStrike">
+                <a:latin typeface="Arial"/>
+              </a:rPr>
+              <a:t>etc </a:t>
+            </a:r>
+            <a:r>
+              <a:rPr b="0" lang="en-US" sz="2800" spc="-1" strike="noStrike">
+                <a:latin typeface="Arial"/>
+              </a:rPr>
+              <a:t>whic</a:t>
+            </a:r>
+            <a:r>
+              <a:rPr b="0" lang="en-US" sz="2800" spc="-1" strike="noStrike">
+                <a:latin typeface="Arial"/>
+              </a:rPr>
+              <a:t>h </a:t>
+            </a:r>
+            <a:r>
+              <a:rPr b="0" lang="en-US" sz="2800" spc="-1" strike="noStrike">
+                <a:latin typeface="Arial"/>
+              </a:rPr>
+              <a:t>make </a:t>
+            </a:r>
+            <a:r>
+              <a:rPr b="0" lang="en-US" sz="2800" spc="-1" strike="noStrike">
+                <a:latin typeface="Arial"/>
+              </a:rPr>
+              <a:t>your </a:t>
+            </a:r>
+            <a:r>
+              <a:rPr b="0" lang="en-US" sz="2800" spc="-1" strike="noStrike">
+                <a:latin typeface="Arial"/>
+              </a:rPr>
+              <a:t>life </a:t>
+            </a:r>
+            <a:r>
+              <a:rPr b="0" lang="en-US" sz="2800" spc="-1" strike="noStrike">
+                <a:latin typeface="Arial"/>
+              </a:rPr>
+              <a:t>as a </a:t>
+            </a:r>
+            <a:r>
+              <a:rPr b="0" lang="en-US" sz="2800" spc="-1" strike="noStrike">
+                <a:latin typeface="Arial"/>
+              </a:rPr>
+              <a:t>devel</a:t>
+            </a:r>
+            <a:r>
+              <a:rPr b="0" lang="en-US" sz="2800" spc="-1" strike="noStrike">
+                <a:latin typeface="Arial"/>
+              </a:rPr>
+              <a:t>oper </a:t>
+            </a:r>
+            <a:r>
+              <a:rPr b="0" lang="en-US" sz="2800" spc="-1" strike="noStrike">
+                <a:latin typeface="Arial"/>
+              </a:rPr>
+              <a:t>easie</a:t>
+            </a:r>
+            <a:r>
+              <a:rPr b="0" lang="en-US" sz="2800" spc="-1" strike="noStrike">
+                <a:latin typeface="Arial"/>
+              </a:rPr>
+              <a:t>r</a:t>
+            </a:r>
+            <a:endParaRPr b="0" lang="en-US" sz="2800" spc="-1" strike="noStrike">
               <a:latin typeface="Arial"/>
             </a:endParaRPr>
           </a:p>
@@ -6584,14 +9538,14 @@
       </p:grpSpPr>
       <p:sp>
         <p:nvSpPr>
-          <p:cNvPr id="137" name="CustomShape 1"/>
+          <p:cNvPr id="138" name="CustomShape 1"/>
           <p:cNvSpPr/>
           <p:nvPr/>
         </p:nvSpPr>
         <p:spPr>
           <a:xfrm>
             <a:off x="720000" y="288000"/>
-            <a:ext cx="6613200" cy="493200"/>
+            <a:ext cx="6612840" cy="492840"/>
           </a:xfrm>
           <a:prstGeom prst="rect">
             <a:avLst/>
@@ -6633,14 +9587,14 @@
       </p:sp>
       <p:sp>
         <p:nvSpPr>
-          <p:cNvPr id="138" name="CustomShape 2"/>
+          <p:cNvPr id="139" name="CustomShape 2"/>
           <p:cNvSpPr/>
           <p:nvPr/>
         </p:nvSpPr>
         <p:spPr>
           <a:xfrm>
             <a:off x="4968000" y="5004000"/>
-            <a:ext cx="3229200" cy="97200"/>
+            <a:ext cx="3228840" cy="96840"/>
           </a:xfrm>
           <a:prstGeom prst="rect">
             <a:avLst/>
@@ -6682,14 +9636,14 @@
       </p:sp>
       <p:sp>
         <p:nvSpPr>
-          <p:cNvPr id="139" name="CustomShape 3"/>
+          <p:cNvPr id="140" name="CustomShape 3"/>
           <p:cNvSpPr/>
           <p:nvPr/>
         </p:nvSpPr>
         <p:spPr>
           <a:xfrm>
             <a:off x="8280000" y="5004000"/>
-            <a:ext cx="133200" cy="97200"/>
+            <a:ext cx="132840" cy="96840"/>
           </a:xfrm>
           <a:prstGeom prst="rect">
             <a:avLst/>
@@ -6713,7 +9667,7 @@
                 <a:spcPct val="100000"/>
               </a:lnSpc>
             </a:pPr>
-            <a:fld id="{A3FE6B18-FB41-4933-B431-31DF5E467B54}" type="slidenum">
+            <a:fld id="{548C1EAB-E4B7-492C-9A25-4F838A903AFB}" type="slidenum">
               <a:rPr b="0" lang="en-US" sz="600" spc="-1" strike="noStrike">
                 <a:solidFill>
                   <a:srgbClr val="ffffff"/>
@@ -6731,14 +9685,14 @@
       </p:sp>
       <p:sp>
         <p:nvSpPr>
-          <p:cNvPr id="140" name="CustomShape 4"/>
+          <p:cNvPr id="141" name="CustomShape 4"/>
           <p:cNvSpPr/>
           <p:nvPr/>
         </p:nvSpPr>
         <p:spPr>
           <a:xfrm>
             <a:off x="602640" y="504720"/>
-            <a:ext cx="6613200" cy="3876480"/>
+            <a:ext cx="6612840" cy="3876120"/>
           </a:xfrm>
           <a:prstGeom prst="rect">
             <a:avLst/>
@@ -6780,7 +9734,7 @@
       </p:sp>
       <p:pic>
         <p:nvPicPr>
-          <p:cNvPr id="141" name="" descr=""/>
+          <p:cNvPr id="142" name="" descr=""/>
           <p:cNvPicPr/>
           <p:nvPr/>
         </p:nvPicPr>
@@ -6790,8 +9744,8 @@
         </p:blipFill>
         <p:spPr>
           <a:xfrm>
-            <a:off x="0" y="1252800"/>
-            <a:ext cx="914040" cy="575640"/>
+            <a:off x="91440" y="1252800"/>
+            <a:ext cx="913680" cy="575280"/>
           </a:xfrm>
           <a:prstGeom prst="rect">
             <a:avLst/>
@@ -6803,7 +9757,7 @@
       </p:pic>
       <p:pic>
         <p:nvPicPr>
-          <p:cNvPr id="142" name="" descr=""/>
+          <p:cNvPr id="143" name="" descr=""/>
           <p:cNvPicPr/>
           <p:nvPr/>
         </p:nvPicPr>
@@ -6813,8 +9767,8 @@
         </p:blipFill>
         <p:spPr>
           <a:xfrm>
-            <a:off x="914400" y="1280160"/>
-            <a:ext cx="516960" cy="480960"/>
+            <a:off x="763560" y="1347480"/>
+            <a:ext cx="516600" cy="480600"/>
           </a:xfrm>
           <a:prstGeom prst="rect">
             <a:avLst/>
@@ -6826,7 +9780,7 @@
       </p:pic>
       <p:pic>
         <p:nvPicPr>
-          <p:cNvPr id="143" name="" descr=""/>
+          <p:cNvPr id="144" name="" descr=""/>
           <p:cNvPicPr/>
           <p:nvPr/>
         </p:nvPicPr>
@@ -6837,7 +9791,7 @@
         <p:spPr>
           <a:xfrm>
             <a:off x="6858000" y="1097280"/>
-            <a:ext cx="1154160" cy="1154160"/>
+            <a:ext cx="1153800" cy="1153800"/>
           </a:xfrm>
           <a:prstGeom prst="rect">
             <a:avLst/>
@@ -6849,14 +9803,14 @@
       </p:pic>
       <p:sp>
         <p:nvSpPr>
-          <p:cNvPr id="144" name="CustomShape 5"/>
+          <p:cNvPr id="145" name="CustomShape 5"/>
           <p:cNvSpPr/>
           <p:nvPr/>
         </p:nvSpPr>
         <p:spPr>
           <a:xfrm>
             <a:off x="457200" y="914400"/>
-            <a:ext cx="1737000" cy="345960"/>
+            <a:ext cx="1736640" cy="345600"/>
           </a:xfrm>
           <a:prstGeom prst="rect">
             <a:avLst/>
@@ -6882,7 +9836,11 @@
             </a:pPr>
             <a:r>
               <a:rPr b="0" lang="en-US" sz="1800" spc="-1" strike="noStrike">
-                <a:latin typeface="Arial"/>
+                <a:solidFill>
+                  <a:srgbClr val="000000"/>
+                </a:solidFill>
+                <a:latin typeface="Arial"/>
+                <a:ea typeface="DejaVu Sans"/>
               </a:rPr>
               <a:t>Runners</a:t>
             </a:r>
@@ -6894,14 +9852,14 @@
       </p:sp>
       <p:sp>
         <p:nvSpPr>
-          <p:cNvPr id="145" name="CustomShape 6"/>
+          <p:cNvPr id="146" name="CustomShape 6"/>
           <p:cNvSpPr/>
           <p:nvPr/>
         </p:nvSpPr>
         <p:spPr>
           <a:xfrm>
             <a:off x="7040880" y="822960"/>
-            <a:ext cx="1188360" cy="345960"/>
+            <a:ext cx="1188000" cy="345600"/>
           </a:xfrm>
           <a:prstGeom prst="rect">
             <a:avLst/>
@@ -6927,7 +9885,11 @@
             </a:pPr>
             <a:r>
               <a:rPr b="0" lang="en-US" sz="1800" spc="-1" strike="noStrike">
-                <a:latin typeface="Arial"/>
+                <a:solidFill>
+                  <a:srgbClr val="000000"/>
+                </a:solidFill>
+                <a:latin typeface="Arial"/>
+                <a:ea typeface="DejaVu Sans"/>
               </a:rPr>
               <a:t>Bundlers</a:t>
             </a:r>
@@ -6939,7 +9901,7 @@
       </p:sp>
       <p:pic>
         <p:nvPicPr>
-          <p:cNvPr id="146" name="" descr=""/>
+          <p:cNvPr id="147" name="" descr=""/>
           <p:cNvPicPr/>
           <p:nvPr/>
         </p:nvPicPr>
@@ -6950,7 +9912,7 @@
         <p:spPr>
           <a:xfrm>
             <a:off x="7989480" y="1169280"/>
-            <a:ext cx="971280" cy="971280"/>
+            <a:ext cx="970920" cy="970920"/>
           </a:xfrm>
           <a:prstGeom prst="rect">
             <a:avLst/>
@@ -6962,7 +9924,7 @@
       </p:pic>
       <p:pic>
         <p:nvPicPr>
-          <p:cNvPr id="147" name="" descr=""/>
+          <p:cNvPr id="148" name="" descr=""/>
           <p:cNvPicPr/>
           <p:nvPr/>
         </p:nvPicPr>
@@ -6973,7 +9935,7 @@
         <p:spPr>
           <a:xfrm>
             <a:off x="7815600" y="2140920"/>
-            <a:ext cx="1145160" cy="903600"/>
+            <a:ext cx="1144800" cy="903240"/>
           </a:xfrm>
           <a:prstGeom prst="rect">
             <a:avLst/>
@@ -6985,7 +9947,7 @@
       </p:pic>
       <p:pic>
         <p:nvPicPr>
-          <p:cNvPr id="148" name="" descr=""/>
+          <p:cNvPr id="149" name="" descr=""/>
           <p:cNvPicPr/>
           <p:nvPr/>
         </p:nvPicPr>
@@ -6996,7 +9958,7 @@
         <p:spPr>
           <a:xfrm>
             <a:off x="7040880" y="2326320"/>
-            <a:ext cx="710280" cy="599400"/>
+            <a:ext cx="709920" cy="599040"/>
           </a:xfrm>
           <a:prstGeom prst="rect">
             <a:avLst/>
@@ -7008,14 +9970,14 @@
       </p:pic>
       <p:sp>
         <p:nvSpPr>
-          <p:cNvPr id="149" name="CustomShape 7"/>
+          <p:cNvPr id="150" name="CustomShape 7"/>
           <p:cNvSpPr/>
           <p:nvPr/>
         </p:nvSpPr>
         <p:spPr>
           <a:xfrm>
             <a:off x="274320" y="2560320"/>
-            <a:ext cx="1371240" cy="345960"/>
+            <a:ext cx="1370880" cy="345600"/>
           </a:xfrm>
           <a:prstGeom prst="rect">
             <a:avLst/>
@@ -7041,7 +10003,11 @@
             </a:pPr>
             <a:r>
               <a:rPr b="0" lang="en-US" sz="1800" spc="-1" strike="noStrike">
-                <a:latin typeface="Arial"/>
+                <a:solidFill>
+                  <a:srgbClr val="000000"/>
+                </a:solidFill>
+                <a:latin typeface="Arial"/>
+                <a:ea typeface="DejaVu Sans"/>
               </a:rPr>
               <a:t>Transpilers</a:t>
             </a:r>
@@ -7053,7 +10019,7 @@
       </p:sp>
       <p:pic>
         <p:nvPicPr>
-          <p:cNvPr id="150" name="" descr=""/>
+          <p:cNvPr id="151" name="" descr=""/>
           <p:cNvPicPr/>
           <p:nvPr/>
         </p:nvPicPr>
@@ -7064,7 +10030,7 @@
         <p:spPr>
           <a:xfrm>
             <a:off x="182880" y="3042720"/>
-            <a:ext cx="952560" cy="431640"/>
+            <a:ext cx="952200" cy="431280"/>
           </a:xfrm>
           <a:prstGeom prst="rect">
             <a:avLst/>
@@ -7076,7 +10042,7 @@
       </p:pic>
       <p:pic>
         <p:nvPicPr>
-          <p:cNvPr id="151" name="" descr=""/>
+          <p:cNvPr id="152" name="" descr=""/>
           <p:cNvPicPr/>
           <p:nvPr/>
         </p:nvPicPr>
@@ -7087,7 +10053,7 @@
         <p:spPr>
           <a:xfrm>
             <a:off x="1188720" y="2906640"/>
-            <a:ext cx="713520" cy="713520"/>
+            <a:ext cx="713160" cy="713160"/>
           </a:xfrm>
           <a:prstGeom prst="rect">
             <a:avLst/>
@@ -7099,7 +10065,7 @@
       </p:pic>
       <p:pic>
         <p:nvPicPr>
-          <p:cNvPr id="152" name="" descr=""/>
+          <p:cNvPr id="153" name="" descr=""/>
           <p:cNvPicPr/>
           <p:nvPr/>
         </p:nvPicPr>
@@ -7110,7 +10076,7 @@
         <p:spPr>
           <a:xfrm>
             <a:off x="405360" y="3657600"/>
-            <a:ext cx="1057320" cy="849960"/>
+            <a:ext cx="1056960" cy="849600"/>
           </a:xfrm>
           <a:prstGeom prst="rect">
             <a:avLst/>
@@ -7122,7 +10088,7 @@
       </p:pic>
       <p:pic>
         <p:nvPicPr>
-          <p:cNvPr id="153" name="" descr=""/>
+          <p:cNvPr id="154" name="" descr=""/>
           <p:cNvPicPr/>
           <p:nvPr/>
         </p:nvPicPr>
@@ -7133,7 +10099,7 @@
         <p:spPr>
           <a:xfrm>
             <a:off x="4754880" y="2103120"/>
-            <a:ext cx="625680" cy="715320"/>
+            <a:ext cx="625320" cy="714960"/>
           </a:xfrm>
           <a:prstGeom prst="rect">
             <a:avLst/>
@@ -7145,7 +10111,7 @@
       </p:pic>
       <p:pic>
         <p:nvPicPr>
-          <p:cNvPr id="154" name="" descr=""/>
+          <p:cNvPr id="155" name="" descr=""/>
           <p:cNvPicPr/>
           <p:nvPr/>
         </p:nvPicPr>
@@ -7156,7 +10122,7 @@
         <p:spPr>
           <a:xfrm>
             <a:off x="3108960" y="2926080"/>
-            <a:ext cx="2056680" cy="799560"/>
+            <a:ext cx="2056320" cy="799200"/>
           </a:xfrm>
           <a:prstGeom prst="rect">
             <a:avLst/>
@@ -7168,7 +10134,7 @@
       </p:pic>
       <p:pic>
         <p:nvPicPr>
-          <p:cNvPr id="155" name="" descr=""/>
+          <p:cNvPr id="156" name="" descr=""/>
           <p:cNvPicPr/>
           <p:nvPr/>
         </p:nvPicPr>
@@ -7179,7 +10145,7 @@
         <p:spPr>
           <a:xfrm>
             <a:off x="3566160" y="457200"/>
-            <a:ext cx="788400" cy="788400"/>
+            <a:ext cx="788040" cy="788040"/>
           </a:xfrm>
           <a:prstGeom prst="rect">
             <a:avLst/>
@@ -7191,7 +10157,7 @@
       </p:pic>
       <p:pic>
         <p:nvPicPr>
-          <p:cNvPr id="156" name="" descr=""/>
+          <p:cNvPr id="157" name="" descr=""/>
           <p:cNvPicPr/>
           <p:nvPr/>
         </p:nvPicPr>
@@ -7202,7 +10168,7 @@
         <p:spPr>
           <a:xfrm>
             <a:off x="4514760" y="529200"/>
-            <a:ext cx="788400" cy="788400"/>
+            <a:ext cx="788040" cy="788040"/>
           </a:xfrm>
           <a:prstGeom prst="rect">
             <a:avLst/>
@@ -7214,14 +10180,14 @@
       </p:pic>
       <p:sp>
         <p:nvSpPr>
-          <p:cNvPr id="157" name="CustomShape 8"/>
+          <p:cNvPr id="158" name="CustomShape 8"/>
           <p:cNvSpPr/>
           <p:nvPr/>
         </p:nvSpPr>
         <p:spPr>
           <a:xfrm>
             <a:off x="4297680" y="182880"/>
-            <a:ext cx="1737000" cy="345960"/>
+            <a:ext cx="1736640" cy="345600"/>
           </a:xfrm>
           <a:prstGeom prst="rect">
             <a:avLst/>
@@ -7247,7 +10213,11 @@
             </a:pPr>
             <a:r>
               <a:rPr b="0" lang="en-US" sz="1800" spc="-1" strike="noStrike">
-                <a:latin typeface="Arial"/>
+                <a:solidFill>
+                  <a:srgbClr val="000000"/>
+                </a:solidFill>
+                <a:latin typeface="Arial"/>
+                <a:ea typeface="DejaVu Sans"/>
               </a:rPr>
               <a:t>Linters</a:t>
             </a:r>
@@ -7259,7 +10229,7 @@
       </p:sp>
       <p:pic>
         <p:nvPicPr>
-          <p:cNvPr id="158" name="" descr=""/>
+          <p:cNvPr id="159" name="" descr=""/>
           <p:cNvPicPr/>
           <p:nvPr/>
         </p:nvPicPr>
@@ -7270,7 +10240,7 @@
         <p:spPr>
           <a:xfrm>
             <a:off x="3126600" y="1937880"/>
-            <a:ext cx="896400" cy="896400"/>
+            <a:ext cx="896040" cy="896040"/>
           </a:xfrm>
           <a:prstGeom prst="rect">
             <a:avLst/>
@@ -7282,7 +10252,7 @@
       </p:pic>
       <p:pic>
         <p:nvPicPr>
-          <p:cNvPr id="159" name="" descr=""/>
+          <p:cNvPr id="160" name="" descr=""/>
           <p:cNvPicPr/>
           <p:nvPr/>
         </p:nvPicPr>
@@ -7293,7 +10263,7 @@
         <p:spPr>
           <a:xfrm>
             <a:off x="5212080" y="2911680"/>
-            <a:ext cx="731160" cy="1019880"/>
+            <a:ext cx="730800" cy="1019520"/>
           </a:xfrm>
           <a:prstGeom prst="rect">
             <a:avLst/>
@@ -7305,7 +10275,7 @@
       </p:pic>
       <p:pic>
         <p:nvPicPr>
-          <p:cNvPr id="160" name="" descr=""/>
+          <p:cNvPr id="161" name="" descr=""/>
           <p:cNvPicPr/>
           <p:nvPr/>
         </p:nvPicPr>
@@ -7316,7 +10286,7 @@
         <p:spPr>
           <a:xfrm>
             <a:off x="4063320" y="3749040"/>
-            <a:ext cx="874080" cy="581400"/>
+            <a:ext cx="873720" cy="581040"/>
           </a:xfrm>
           <a:prstGeom prst="rect">
             <a:avLst/>
@@ -7328,7 +10298,7 @@
       </p:pic>
       <p:pic>
         <p:nvPicPr>
-          <p:cNvPr id="161" name="" descr=""/>
+          <p:cNvPr id="162" name="" descr=""/>
           <p:cNvPicPr/>
           <p:nvPr/>
         </p:nvPicPr>
@@ -7339,7 +10309,7 @@
         <p:spPr>
           <a:xfrm>
             <a:off x="8602560" y="4389120"/>
-            <a:ext cx="723960" cy="542160"/>
+            <a:ext cx="723600" cy="541800"/>
           </a:xfrm>
           <a:prstGeom prst="rect">
             <a:avLst/>
@@ -7351,7 +10321,7 @@
       </p:pic>
       <p:pic>
         <p:nvPicPr>
-          <p:cNvPr id="162" name="" descr=""/>
+          <p:cNvPr id="163" name="" descr=""/>
           <p:cNvPicPr/>
           <p:nvPr/>
         </p:nvPicPr>
@@ -7362,7 +10332,7 @@
         <p:spPr>
           <a:xfrm>
             <a:off x="7506360" y="4206240"/>
-            <a:ext cx="722880" cy="722880"/>
+            <a:ext cx="722520" cy="722520"/>
           </a:xfrm>
           <a:prstGeom prst="rect">
             <a:avLst/>
@@ -7374,7 +10344,7 @@
       </p:pic>
       <p:pic>
         <p:nvPicPr>
-          <p:cNvPr id="163" name="" descr=""/>
+          <p:cNvPr id="164" name="" descr=""/>
           <p:cNvPicPr/>
           <p:nvPr/>
         </p:nvPicPr>
@@ -7385,7 +10355,7 @@
         <p:spPr>
           <a:xfrm>
             <a:off x="8138160" y="3605040"/>
-            <a:ext cx="783720" cy="783720"/>
+            <a:ext cx="783360" cy="783360"/>
           </a:xfrm>
           <a:prstGeom prst="rect">
             <a:avLst/>
@@ -7397,7 +10367,7 @@
       </p:pic>
       <p:pic>
         <p:nvPicPr>
-          <p:cNvPr id="164" name="" descr=""/>
+          <p:cNvPr id="165" name="" descr=""/>
           <p:cNvPicPr/>
           <p:nvPr/>
         </p:nvPicPr>
@@ -7408,7 +10378,7 @@
         <p:spPr>
           <a:xfrm>
             <a:off x="6800760" y="3749040"/>
-            <a:ext cx="788400" cy="784800"/>
+            <a:ext cx="788040" cy="784440"/>
           </a:xfrm>
           <a:prstGeom prst="rect">
             <a:avLst/>
@@ -7420,14 +10390,14 @@
       </p:pic>
       <p:sp>
         <p:nvSpPr>
-          <p:cNvPr id="165" name="CustomShape 9"/>
+          <p:cNvPr id="166" name="CustomShape 9"/>
           <p:cNvSpPr/>
           <p:nvPr/>
         </p:nvSpPr>
         <p:spPr>
           <a:xfrm>
             <a:off x="6858000" y="3291840"/>
-            <a:ext cx="2194200" cy="857880"/>
+            <a:ext cx="2193840" cy="857520"/>
           </a:xfrm>
           <a:prstGeom prst="rect">
             <a:avLst/>
@@ -7453,7 +10423,11 @@
             </a:pPr>
             <a:r>
               <a:rPr b="0" lang="en-US" sz="1800" spc="-1" strike="noStrike">
-                <a:latin typeface="Arial"/>
+                <a:solidFill>
+                  <a:srgbClr val="000000"/>
+                </a:solidFill>
+                <a:latin typeface="Arial"/>
+                <a:ea typeface="DejaVu Sans"/>
               </a:rPr>
               <a:t>Testing frameworks</a:t>
             </a:r>
@@ -7514,14 +10488,14 @@
       </p:grpSpPr>
       <p:sp>
         <p:nvSpPr>
-          <p:cNvPr id="166" name="CustomShape 1"/>
+          <p:cNvPr id="167" name="CustomShape 1"/>
           <p:cNvSpPr/>
           <p:nvPr/>
         </p:nvSpPr>
         <p:spPr>
           <a:xfrm>
             <a:off x="720000" y="288000"/>
-            <a:ext cx="6613200" cy="493200"/>
+            <a:ext cx="6612840" cy="492840"/>
           </a:xfrm>
           <a:prstGeom prst="rect">
             <a:avLst/>
@@ -7563,14 +10537,14 @@
       </p:sp>
       <p:sp>
         <p:nvSpPr>
-          <p:cNvPr id="167" name="CustomShape 2"/>
+          <p:cNvPr id="168" name="CustomShape 2"/>
           <p:cNvSpPr/>
           <p:nvPr/>
         </p:nvSpPr>
         <p:spPr>
           <a:xfrm>
             <a:off x="4968000" y="5004000"/>
-            <a:ext cx="3229200" cy="97200"/>
+            <a:ext cx="3228840" cy="96840"/>
           </a:xfrm>
           <a:prstGeom prst="rect">
             <a:avLst/>
@@ -7612,14 +10586,14 @@
       </p:sp>
       <p:sp>
         <p:nvSpPr>
-          <p:cNvPr id="168" name="CustomShape 3"/>
+          <p:cNvPr id="169" name="CustomShape 3"/>
           <p:cNvSpPr/>
           <p:nvPr/>
         </p:nvSpPr>
         <p:spPr>
           <a:xfrm>
             <a:off x="8280000" y="5004000"/>
-            <a:ext cx="133200" cy="97200"/>
+            <a:ext cx="132840" cy="96840"/>
           </a:xfrm>
           <a:prstGeom prst="rect">
             <a:avLst/>
@@ -7643,7 +10617,7 @@
                 <a:spcPct val="100000"/>
               </a:lnSpc>
             </a:pPr>
-            <a:fld id="{41D4DCC1-1DFD-49C6-A90E-D2910452A75C}" type="slidenum">
+            <a:fld id="{9D75103D-E97F-4875-B3F7-E42C524C58C0}" type="slidenum">
               <a:rPr b="0" lang="en-US" sz="600" spc="-1" strike="noStrike">
                 <a:solidFill>
                   <a:srgbClr val="ffffff"/>
@@ -7651,7 +10625,7 @@
                 <a:latin typeface="Arial"/>
                 <a:ea typeface="DejaVu Sans"/>
               </a:rPr>
-              <a:t>1</a:t>
+              <a:t>&lt;number&gt;</a:t>
             </a:fld>
             <a:endParaRPr b="0" lang="en-US" sz="600" spc="-1" strike="noStrike">
               <a:latin typeface="Arial"/>
@@ -7661,14 +10635,14 @@
       </p:sp>
       <p:sp>
         <p:nvSpPr>
-          <p:cNvPr id="169" name="CustomShape 4"/>
+          <p:cNvPr id="170" name="CustomShape 4"/>
           <p:cNvSpPr/>
           <p:nvPr/>
         </p:nvSpPr>
         <p:spPr>
           <a:xfrm>
             <a:off x="602640" y="504720"/>
-            <a:ext cx="6613200" cy="3876480"/>
+            <a:ext cx="6612840" cy="3876120"/>
           </a:xfrm>
           <a:prstGeom prst="rect">
             <a:avLst/>
@@ -7710,14 +10684,14 @@
       </p:sp>
       <p:sp>
         <p:nvSpPr>
-          <p:cNvPr id="170" name="TextShape 5"/>
-          <p:cNvSpPr txBox="1"/>
+          <p:cNvPr id="171" name="CustomShape 5"/>
+          <p:cNvSpPr/>
           <p:nvPr/>
         </p:nvSpPr>
         <p:spPr>
           <a:xfrm>
             <a:off x="731520" y="4408560"/>
-            <a:ext cx="7406640" cy="346320"/>
+            <a:ext cx="7406280" cy="345960"/>
           </a:xfrm>
           <a:prstGeom prst="rect">
             <a:avLst/>
@@ -7727,9 +10701,20 @@
             <a:noFill/>
           </a:ln>
         </p:spPr>
+        <p:style>
+          <a:lnRef idx="0"/>
+          <a:fillRef idx="0"/>
+          <a:effectRef idx="0"/>
+          <a:fontRef idx="minor"/>
+        </p:style>
         <p:txBody>
           <a:bodyPr lIns="90000" rIns="90000" tIns="45000" bIns="45000"/>
           <a:p>
+            <a:pPr>
+              <a:lnSpc>
+                <a:spcPct val="100000"/>
+              </a:lnSpc>
+            </a:pPr>
             <a:r>
               <a:rPr b="0" lang="en-US" sz="1800" spc="-1" strike="noStrike">
                 <a:latin typeface="Arial"/>
@@ -7744,14 +10729,14 @@
       </p:sp>
       <p:sp>
         <p:nvSpPr>
-          <p:cNvPr id="171" name="TextShape 6"/>
-          <p:cNvSpPr txBox="1"/>
+          <p:cNvPr id="172" name="CustomShape 6"/>
+          <p:cNvSpPr/>
           <p:nvPr/>
         </p:nvSpPr>
         <p:spPr>
           <a:xfrm>
             <a:off x="731520" y="1135440"/>
-            <a:ext cx="4480560" cy="1882080"/>
+            <a:ext cx="4480200" cy="1881720"/>
           </a:xfrm>
           <a:prstGeom prst="rect">
             <a:avLst/>
@@ -7761,10 +10746,19 @@
             <a:noFill/>
           </a:ln>
         </p:spPr>
+        <p:style>
+          <a:lnRef idx="0"/>
+          <a:fillRef idx="0"/>
+          <a:effectRef idx="0"/>
+          <a:fontRef idx="minor"/>
+        </p:style>
         <p:txBody>
           <a:bodyPr lIns="90000" rIns="90000" tIns="45000" bIns="45000"/>
           <a:p>
-            <a:pPr marL="216000" indent="-216000">
+            <a:pPr marL="216000" indent="-215640">
+              <a:lnSpc>
+                <a:spcPct val="100000"/>
+              </a:lnSpc>
               <a:buClr>
                 <a:srgbClr val="000000"/>
               </a:buClr>
@@ -7783,7 +10777,20 @@
             </a:endParaRPr>
           </a:p>
           <a:p>
-            <a:pPr marL="216000" indent="-216000">
+            <a:pPr>
+              <a:lnSpc>
+                <a:spcPct val="100000"/>
+              </a:lnSpc>
+            </a:pPr>
+            <a:endParaRPr b="0" lang="en-US" sz="1800" spc="-1" strike="noStrike">
+              <a:latin typeface="Arial"/>
+            </a:endParaRPr>
+          </a:p>
+          <a:p>
+            <a:pPr marL="216000" indent="-215640">
+              <a:lnSpc>
+                <a:spcPct val="100000"/>
+              </a:lnSpc>
               <a:buClr>
                 <a:srgbClr val="000000"/>
               </a:buClr>
@@ -7791,12 +10798,31 @@
               <a:buFont typeface="Wingdings" charset="2"/>
               <a:buChar char=""/>
             </a:pPr>
+            <a:r>
+              <a:rPr b="0" lang="en-US" sz="1800" spc="-1" strike="noStrike">
+                <a:latin typeface="Arial"/>
+              </a:rPr>
+              <a:t>Achieved through plugins</a:t>
+            </a:r>
             <a:endParaRPr b="0" lang="en-US" sz="1800" spc="-1" strike="noStrike">
               <a:latin typeface="Arial"/>
             </a:endParaRPr>
           </a:p>
           <a:p>
-            <a:pPr marL="216000" indent="-216000">
+            <a:pPr>
+              <a:lnSpc>
+                <a:spcPct val="100000"/>
+              </a:lnSpc>
+            </a:pPr>
+            <a:endParaRPr b="0" lang="en-US" sz="1800" spc="-1" strike="noStrike">
+              <a:latin typeface="Arial"/>
+            </a:endParaRPr>
+          </a:p>
+          <a:p>
+            <a:pPr marL="216000" indent="-215640">
+              <a:lnSpc>
+                <a:spcPct val="100000"/>
+              </a:lnSpc>
               <a:buClr>
                 <a:srgbClr val="000000"/>
               </a:buClr>
@@ -7808,38 +10834,6 @@
               <a:rPr b="0" lang="en-US" sz="1800" spc="-1" strike="noStrike">
                 <a:latin typeface="Arial"/>
               </a:rPr>
-              <a:t>Achieved through plugins</a:t>
-            </a:r>
-            <a:endParaRPr b="0" lang="en-US" sz="1800" spc="-1" strike="noStrike">
-              <a:latin typeface="Arial"/>
-            </a:endParaRPr>
-          </a:p>
-          <a:p>
-            <a:pPr marL="216000" indent="-216000">
-              <a:buClr>
-                <a:srgbClr val="000000"/>
-              </a:buClr>
-              <a:buSzPct val="45000"/>
-              <a:buFont typeface="Wingdings" charset="2"/>
-              <a:buChar char=""/>
-            </a:pPr>
-            <a:endParaRPr b="0" lang="en-US" sz="1800" spc="-1" strike="noStrike">
-              <a:latin typeface="Arial"/>
-            </a:endParaRPr>
-          </a:p>
-          <a:p>
-            <a:pPr marL="216000" indent="-216000">
-              <a:buClr>
-                <a:srgbClr val="000000"/>
-              </a:buClr>
-              <a:buSzPct val="45000"/>
-              <a:buFont typeface="Wingdings" charset="2"/>
-              <a:buChar char=""/>
-            </a:pPr>
-            <a:r>
-              <a:rPr b="0" lang="en-US" sz="1800" spc="-1" strike="noStrike">
-                <a:latin typeface="Arial"/>
-              </a:rPr>
               <a:t>Problematic in maintenance</a:t>
             </a:r>
             <a:endParaRPr b="0" lang="en-US" sz="1800" spc="-1" strike="noStrike">
@@ -7847,17 +10841,73 @@
             </a:endParaRPr>
           </a:p>
           <a:p>
+            <a:pPr>
+              <a:lnSpc>
+                <a:spcPct val="100000"/>
+              </a:lnSpc>
+            </a:pPr>
             <a:endParaRPr b="0" lang="en-US" sz="1800" spc="-1" strike="noStrike">
               <a:latin typeface="Arial"/>
             </a:endParaRPr>
           </a:p>
           <a:p>
+            <a:pPr>
+              <a:lnSpc>
+                <a:spcPct val="100000"/>
+              </a:lnSpc>
+            </a:pPr>
             <a:endParaRPr b="0" lang="en-US" sz="1800" spc="-1" strike="noStrike">
               <a:latin typeface="Arial"/>
             </a:endParaRPr>
           </a:p>
         </p:txBody>
       </p:sp>
+      <p:pic>
+        <p:nvPicPr>
+          <p:cNvPr id="173" name="" descr=""/>
+          <p:cNvPicPr/>
+          <p:nvPr/>
+        </p:nvPicPr>
+        <p:blipFill>
+          <a:blip r:embed="rId1"/>
+          <a:stretch/>
+        </p:blipFill>
+        <p:spPr>
+          <a:xfrm>
+            <a:off x="5211720" y="1019880"/>
+            <a:ext cx="2010960" cy="1266120"/>
+          </a:xfrm>
+          <a:prstGeom prst="rect">
+            <a:avLst/>
+          </a:prstGeom>
+          <a:ln>
+            <a:noFill/>
+          </a:ln>
+        </p:spPr>
+      </p:pic>
+      <p:pic>
+        <p:nvPicPr>
+          <p:cNvPr id="174" name="" descr=""/>
+          <p:cNvPicPr/>
+          <p:nvPr/>
+        </p:nvPicPr>
+        <p:blipFill>
+          <a:blip r:embed="rId2"/>
+          <a:stretch/>
+        </p:blipFill>
+        <p:spPr>
+          <a:xfrm>
+            <a:off x="4589280" y="1097280"/>
+            <a:ext cx="1262880" cy="1174680"/>
+          </a:xfrm>
+          <a:prstGeom prst="rect">
+            <a:avLst/>
+          </a:prstGeom>
+          <a:ln>
+            <a:noFill/>
+          </a:ln>
+        </p:spPr>
+      </p:pic>
     </p:spTree>
   </p:cSld>
   <p:timing>
@@ -7909,14 +10959,14 @@
       </p:grpSpPr>
       <p:sp>
         <p:nvSpPr>
-          <p:cNvPr id="172" name="CustomShape 1"/>
+          <p:cNvPr id="175" name="CustomShape 1"/>
           <p:cNvSpPr/>
           <p:nvPr/>
         </p:nvSpPr>
         <p:spPr>
           <a:xfrm>
             <a:off x="720000" y="288000"/>
-            <a:ext cx="6613200" cy="493200"/>
+            <a:ext cx="6612840" cy="492840"/>
           </a:xfrm>
           <a:prstGeom prst="rect">
             <a:avLst/>
@@ -7958,14 +11008,14 @@
       </p:sp>
       <p:sp>
         <p:nvSpPr>
-          <p:cNvPr id="173" name="CustomShape 2"/>
+          <p:cNvPr id="176" name="CustomShape 2"/>
           <p:cNvSpPr/>
           <p:nvPr/>
         </p:nvSpPr>
         <p:spPr>
           <a:xfrm>
             <a:off x="4968000" y="5004000"/>
-            <a:ext cx="3229200" cy="97200"/>
+            <a:ext cx="3228840" cy="96840"/>
           </a:xfrm>
           <a:prstGeom prst="rect">
             <a:avLst/>
@@ -8007,14 +11057,14 @@
       </p:sp>
       <p:sp>
         <p:nvSpPr>
-          <p:cNvPr id="174" name="CustomShape 3"/>
+          <p:cNvPr id="177" name="CustomShape 3"/>
           <p:cNvSpPr/>
           <p:nvPr/>
         </p:nvSpPr>
         <p:spPr>
           <a:xfrm>
             <a:off x="8280000" y="5004000"/>
-            <a:ext cx="133200" cy="97200"/>
+            <a:ext cx="132840" cy="96840"/>
           </a:xfrm>
           <a:prstGeom prst="rect">
             <a:avLst/>
@@ -8038,7 +11088,7 @@
                 <a:spcPct val="100000"/>
               </a:lnSpc>
             </a:pPr>
-            <a:fld id="{7941AE5D-EB94-4486-8326-43747BB57297}" type="slidenum">
+            <a:fld id="{45E7181F-56C6-48CD-AD5C-6343C6DC5C8D}" type="slidenum">
               <a:rPr b="0" lang="en-US" sz="600" spc="-1" strike="noStrike">
                 <a:solidFill>
                   <a:srgbClr val="ffffff"/>
@@ -8046,7 +11096,7 @@
                 <a:latin typeface="Arial"/>
                 <a:ea typeface="DejaVu Sans"/>
               </a:rPr>
-              <a:t>1</a:t>
+              <a:t>&lt;number&gt;</a:t>
             </a:fld>
             <a:endParaRPr b="0" lang="en-US" sz="600" spc="-1" strike="noStrike">
               <a:latin typeface="Arial"/>
@@ -8056,14 +11106,14 @@
       </p:sp>
       <p:sp>
         <p:nvSpPr>
-          <p:cNvPr id="175" name="CustomShape 4"/>
+          <p:cNvPr id="178" name="CustomShape 4"/>
           <p:cNvSpPr/>
           <p:nvPr/>
         </p:nvSpPr>
         <p:spPr>
           <a:xfrm>
             <a:off x="602640" y="504720"/>
-            <a:ext cx="6613200" cy="3876480"/>
+            <a:ext cx="6612840" cy="3876120"/>
           </a:xfrm>
           <a:prstGeom prst="rect">
             <a:avLst/>
@@ -8105,14 +11155,14 @@
       </p:sp>
       <p:sp>
         <p:nvSpPr>
-          <p:cNvPr id="176" name="TextShape 5"/>
-          <p:cNvSpPr txBox="1"/>
+          <p:cNvPr id="179" name="CustomShape 5"/>
+          <p:cNvSpPr/>
           <p:nvPr/>
         </p:nvSpPr>
         <p:spPr>
           <a:xfrm>
             <a:off x="822960" y="1280160"/>
-            <a:ext cx="6217920" cy="1882080"/>
+            <a:ext cx="6217560" cy="1881720"/>
           </a:xfrm>
           <a:prstGeom prst="rect">
             <a:avLst/>
@@ -8122,10 +11172,19 @@
             <a:noFill/>
           </a:ln>
         </p:spPr>
+        <p:style>
+          <a:lnRef idx="0"/>
+          <a:fillRef idx="0"/>
+          <a:effectRef idx="0"/>
+          <a:fontRef idx="minor"/>
+        </p:style>
         <p:txBody>
           <a:bodyPr lIns="90000" rIns="90000" tIns="45000" bIns="45000"/>
           <a:p>
-            <a:pPr marL="216000" indent="-216000">
+            <a:pPr marL="216000" indent="-215640">
+              <a:lnSpc>
+                <a:spcPct val="100000"/>
+              </a:lnSpc>
               <a:buClr>
                 <a:srgbClr val="000000"/>
               </a:buClr>
@@ -8144,7 +11203,20 @@
             </a:endParaRPr>
           </a:p>
           <a:p>
-            <a:pPr marL="216000" indent="-216000">
+            <a:pPr>
+              <a:lnSpc>
+                <a:spcPct val="100000"/>
+              </a:lnSpc>
+            </a:pPr>
+            <a:endParaRPr b="0" lang="en-US" sz="1800" spc="-1" strike="noStrike">
+              <a:latin typeface="Arial"/>
+            </a:endParaRPr>
+          </a:p>
+          <a:p>
+            <a:pPr marL="216000" indent="-215640">
+              <a:lnSpc>
+                <a:spcPct val="100000"/>
+              </a:lnSpc>
               <a:buClr>
                 <a:srgbClr val="000000"/>
               </a:buClr>
@@ -8152,12 +11224,31 @@
               <a:buFont typeface="Wingdings" charset="2"/>
               <a:buChar char=""/>
             </a:pPr>
+            <a:r>
+              <a:rPr b="0" lang="en-US" sz="1800" spc="-1" strike="noStrike">
+                <a:latin typeface="Arial"/>
+              </a:rPr>
+              <a:t>Scripts</a:t>
+            </a:r>
             <a:endParaRPr b="0" lang="en-US" sz="1800" spc="-1" strike="noStrike">
               <a:latin typeface="Arial"/>
             </a:endParaRPr>
           </a:p>
           <a:p>
-            <a:pPr marL="216000" indent="-216000">
+            <a:pPr>
+              <a:lnSpc>
+                <a:spcPct val="100000"/>
+              </a:lnSpc>
+            </a:pPr>
+            <a:endParaRPr b="0" lang="en-US" sz="1800" spc="-1" strike="noStrike">
+              <a:latin typeface="Arial"/>
+            </a:endParaRPr>
+          </a:p>
+          <a:p>
+            <a:pPr marL="216000" indent="-215640">
+              <a:lnSpc>
+                <a:spcPct val="100000"/>
+              </a:lnSpc>
               <a:buClr>
                 <a:srgbClr val="000000"/>
               </a:buClr>
@@ -8169,14 +11260,27 @@
               <a:rPr b="0" lang="en-US" sz="1800" spc="-1" strike="noStrike">
                 <a:latin typeface="Arial"/>
               </a:rPr>
-              <a:t>Scripts</a:t>
+              <a:t>Config</a:t>
             </a:r>
             <a:endParaRPr b="0" lang="en-US" sz="1800" spc="-1" strike="noStrike">
               <a:latin typeface="Arial"/>
             </a:endParaRPr>
           </a:p>
           <a:p>
-            <a:pPr marL="216000" indent="-216000">
+            <a:pPr>
+              <a:lnSpc>
+                <a:spcPct val="100000"/>
+              </a:lnSpc>
+            </a:pPr>
+            <a:endParaRPr b="0" lang="en-US" sz="1800" spc="-1" strike="noStrike">
+              <a:latin typeface="Arial"/>
+            </a:endParaRPr>
+          </a:p>
+          <a:p>
+            <a:pPr marL="216000" indent="-215640">
+              <a:lnSpc>
+                <a:spcPct val="100000"/>
+              </a:lnSpc>
               <a:buClr>
                 <a:srgbClr val="000000"/>
               </a:buClr>
@@ -8184,66 +11288,21 @@
               <a:buFont typeface="Wingdings" charset="2"/>
               <a:buChar char=""/>
             </a:pPr>
-            <a:endParaRPr b="0" lang="en-US" sz="1800" spc="-1" strike="noStrike">
-              <a:latin typeface="Arial"/>
-            </a:endParaRPr>
-          </a:p>
-          <a:p>
-            <a:pPr marL="216000" indent="-216000">
-              <a:buClr>
-                <a:srgbClr val="000000"/>
-              </a:buClr>
-              <a:buSzPct val="45000"/>
-              <a:buFont typeface="Wingdings" charset="2"/>
-              <a:buChar char=""/>
-            </a:pPr>
             <a:r>
               <a:rPr b="0" lang="en-US" sz="1800" spc="-1" strike="noStrike">
                 <a:latin typeface="Arial"/>
               </a:rPr>
-              <a:t>Config</a:t>
+              <a:t>Project information </a:t>
             </a:r>
             <a:endParaRPr b="0" lang="en-US" sz="1800" spc="-1" strike="noStrike">
               <a:latin typeface="Arial"/>
             </a:endParaRPr>
           </a:p>
-          <a:p>
-            <a:pPr marL="216000" indent="-216000">
-              <a:buClr>
-                <a:srgbClr val="000000"/>
-              </a:buClr>
-              <a:buSzPct val="45000"/>
-              <a:buFont typeface="Wingdings" charset="2"/>
-              <a:buChar char=""/>
-            </a:pPr>
-            <a:endParaRPr b="0" lang="en-US" sz="1800" spc="-1" strike="noStrike">
-              <a:latin typeface="Arial"/>
-            </a:endParaRPr>
-          </a:p>
-          <a:p>
-            <a:pPr marL="216000" indent="-216000">
-              <a:buClr>
-                <a:srgbClr val="000000"/>
-              </a:buClr>
-              <a:buSzPct val="45000"/>
-              <a:buFont typeface="Wingdings" charset="2"/>
-              <a:buChar char=""/>
-            </a:pPr>
-            <a:r>
-              <a:rPr b="0" lang="en-US" sz="1800" spc="-1" strike="noStrike">
-                <a:latin typeface="Arial"/>
-              </a:rPr>
-              <a:t>Documentation </a:t>
-            </a:r>
-            <a:endParaRPr b="0" lang="en-US" sz="1800" spc="-1" strike="noStrike">
-              <a:latin typeface="Arial"/>
-            </a:endParaRPr>
-          </a:p>
         </p:txBody>
       </p:sp>
       <p:pic>
         <p:nvPicPr>
-          <p:cNvPr id="177" name="" descr=""/>
+          <p:cNvPr id="180" name="" descr=""/>
           <p:cNvPicPr/>
           <p:nvPr/>
         </p:nvPicPr>
@@ -8254,7 +11313,30 @@
         <p:spPr>
           <a:xfrm>
             <a:off x="8538120" y="4389120"/>
-            <a:ext cx="514440" cy="514440"/>
+            <a:ext cx="514080" cy="514080"/>
+          </a:xfrm>
+          <a:prstGeom prst="rect">
+            <a:avLst/>
+          </a:prstGeom>
+          <a:ln>
+            <a:noFill/>
+          </a:ln>
+        </p:spPr>
+      </p:pic>
+      <p:pic>
+        <p:nvPicPr>
+          <p:cNvPr id="181" name="" descr=""/>
+          <p:cNvPicPr/>
+          <p:nvPr/>
+        </p:nvPicPr>
+        <p:blipFill>
+          <a:blip r:embed="rId2"/>
+          <a:stretch/>
+        </p:blipFill>
+        <p:spPr>
+          <a:xfrm>
+            <a:off x="5624640" y="1554480"/>
+            <a:ext cx="2056320" cy="799200"/>
           </a:xfrm>
           <a:prstGeom prst="rect">
             <a:avLst/>
@@ -8315,14 +11397,14 @@
       </p:grpSpPr>
       <p:sp>
         <p:nvSpPr>
-          <p:cNvPr id="178" name="CustomShape 1"/>
+          <p:cNvPr id="182" name="CustomShape 1"/>
           <p:cNvSpPr/>
           <p:nvPr/>
         </p:nvSpPr>
         <p:spPr>
           <a:xfrm>
             <a:off x="720000" y="288000"/>
-            <a:ext cx="6613200" cy="493200"/>
+            <a:ext cx="6612840" cy="492840"/>
           </a:xfrm>
           <a:prstGeom prst="rect">
             <a:avLst/>
@@ -8364,14 +11446,14 @@
       </p:sp>
       <p:sp>
         <p:nvSpPr>
-          <p:cNvPr id="179" name="CustomShape 2"/>
+          <p:cNvPr id="183" name="CustomShape 2"/>
           <p:cNvSpPr/>
           <p:nvPr/>
         </p:nvSpPr>
         <p:spPr>
           <a:xfrm>
             <a:off x="4968000" y="5004000"/>
-            <a:ext cx="3229200" cy="97200"/>
+            <a:ext cx="3228840" cy="96840"/>
           </a:xfrm>
           <a:prstGeom prst="rect">
             <a:avLst/>
@@ -8413,14 +11495,14 @@
       </p:sp>
       <p:sp>
         <p:nvSpPr>
-          <p:cNvPr id="180" name="CustomShape 3"/>
+          <p:cNvPr id="184" name="CustomShape 3"/>
           <p:cNvSpPr/>
           <p:nvPr/>
         </p:nvSpPr>
         <p:spPr>
           <a:xfrm>
             <a:off x="8280000" y="5004000"/>
-            <a:ext cx="133200" cy="97200"/>
+            <a:ext cx="132840" cy="96840"/>
           </a:xfrm>
           <a:prstGeom prst="rect">
             <a:avLst/>
@@ -8444,7 +11526,7 @@
                 <a:spcPct val="100000"/>
               </a:lnSpc>
             </a:pPr>
-            <a:fld id="{83D8F47A-60AD-4020-93D5-592F70BE20C5}" type="slidenum">
+            <a:fld id="{387D9A64-8866-4672-907D-05E8B9189EF0}" type="slidenum">
               <a:rPr b="0" lang="en-US" sz="600" spc="-1" strike="noStrike">
                 <a:solidFill>
                   <a:srgbClr val="ffffff"/>
@@ -8452,7 +11534,7 @@
                 <a:latin typeface="Arial"/>
                 <a:ea typeface="DejaVu Sans"/>
               </a:rPr>
-              <a:t>1</a:t>
+              <a:t>&lt;number&gt;</a:t>
             </a:fld>
             <a:endParaRPr b="0" lang="en-US" sz="600" spc="-1" strike="noStrike">
               <a:latin typeface="Arial"/>
@@ -8462,14 +11544,14 @@
       </p:sp>
       <p:sp>
         <p:nvSpPr>
-          <p:cNvPr id="181" name="CustomShape 4"/>
+          <p:cNvPr id="185" name="CustomShape 4"/>
           <p:cNvSpPr/>
           <p:nvPr/>
         </p:nvSpPr>
         <p:spPr>
           <a:xfrm>
             <a:off x="602640" y="504720"/>
-            <a:ext cx="6613200" cy="3876480"/>
+            <a:ext cx="6612840" cy="3876120"/>
           </a:xfrm>
           <a:prstGeom prst="rect">
             <a:avLst/>
@@ -8511,14 +11593,14 @@
       </p:sp>
       <p:sp>
         <p:nvSpPr>
-          <p:cNvPr id="182" name="CustomShape 5"/>
-          <p:cNvSpPr/>
-          <p:nvPr/>
-        </p:nvSpPr>
-        <p:spPr>
-          <a:xfrm>
-            <a:off x="1005840" y="1737360"/>
-            <a:ext cx="5852160" cy="731520"/>
+          <p:cNvPr id="186" name="TextShape 5"/>
+          <p:cNvSpPr txBox="1"/>
+          <p:nvPr/>
+        </p:nvSpPr>
+        <p:spPr>
+          <a:xfrm>
+            <a:off x="1188720" y="1554480"/>
+            <a:ext cx="3383280" cy="1882080"/>
           </a:xfrm>
           <a:prstGeom prst="rect">
             <a:avLst/>
@@ -8528,25 +11610,118 @@
             <a:noFill/>
           </a:ln>
         </p:spPr>
-        <p:style>
-          <a:lnRef idx="0"/>
-          <a:fillRef idx="0"/>
-          <a:effectRef idx="0"/>
-          <a:fontRef idx="minor"/>
-        </p:style>
         <p:txBody>
           <a:bodyPr lIns="90000" rIns="90000" tIns="45000" bIns="45000"/>
           <a:p>
-            <a:pPr>
-              <a:lnSpc>
-                <a:spcPct val="100000"/>
-              </a:lnSpc>
+            <a:pPr marL="216000" indent="-216000">
+              <a:buClr>
+                <a:srgbClr val="000000"/>
+              </a:buClr>
+              <a:buSzPct val="45000"/>
+              <a:buFont typeface="Wingdings" charset="2"/>
+              <a:buChar char=""/>
             </a:pPr>
             <a:r>
               <a:rPr b="0" lang="en-US" sz="1800" spc="-1" strike="noStrike">
                 <a:latin typeface="Arial"/>
               </a:rPr>
-              <a:t>https://medium.com/js-imaginea/comparing-bundlers-webpack-rollup-parcel-f8f5dc609cfd</a:t>
+              <a:t>Bundling</a:t>
+            </a:r>
+            <a:endParaRPr b="0" lang="en-US" sz="1800" spc="-1" strike="noStrike">
+              <a:latin typeface="Arial"/>
+            </a:endParaRPr>
+          </a:p>
+          <a:p>
+            <a:pPr marL="216000" indent="-216000">
+              <a:buClr>
+                <a:srgbClr val="000000"/>
+              </a:buClr>
+              <a:buSzPct val="45000"/>
+              <a:buFont typeface="Wingdings" charset="2"/>
+              <a:buChar char=""/>
+            </a:pPr>
+            <a:endParaRPr b="0" lang="en-US" sz="1800" spc="-1" strike="noStrike">
+              <a:latin typeface="Arial"/>
+            </a:endParaRPr>
+          </a:p>
+          <a:p>
+            <a:pPr marL="216000" indent="-216000">
+              <a:buClr>
+                <a:srgbClr val="000000"/>
+              </a:buClr>
+              <a:buSzPct val="45000"/>
+              <a:buFont typeface="Wingdings" charset="2"/>
+              <a:buChar char=""/>
+            </a:pPr>
+            <a:r>
+              <a:rPr b="0" lang="en-US" sz="1800" spc="-1" strike="noStrike">
+                <a:latin typeface="Arial"/>
+              </a:rPr>
+              <a:t>Code splitting</a:t>
+            </a:r>
+            <a:endParaRPr b="0" lang="en-US" sz="1800" spc="-1" strike="noStrike">
+              <a:latin typeface="Arial"/>
+            </a:endParaRPr>
+          </a:p>
+          <a:p>
+            <a:pPr marL="216000" indent="-216000">
+              <a:buClr>
+                <a:srgbClr val="000000"/>
+              </a:buClr>
+              <a:buSzPct val="45000"/>
+              <a:buFont typeface="Wingdings" charset="2"/>
+              <a:buChar char=""/>
+            </a:pPr>
+            <a:endParaRPr b="0" lang="en-US" sz="1800" spc="-1" strike="noStrike">
+              <a:latin typeface="Arial"/>
+            </a:endParaRPr>
+          </a:p>
+          <a:p>
+            <a:pPr marL="216000" indent="-216000">
+              <a:buClr>
+                <a:srgbClr val="000000"/>
+              </a:buClr>
+              <a:buSzPct val="45000"/>
+              <a:buFont typeface="Wingdings" charset="2"/>
+              <a:buChar char=""/>
+            </a:pPr>
+            <a:r>
+              <a:rPr b="0" lang="en-US" sz="1800" spc="-1" strike="noStrike">
+                <a:latin typeface="Arial"/>
+              </a:rPr>
+              <a:t>Hot reload</a:t>
+            </a:r>
+            <a:endParaRPr b="0" lang="en-US" sz="1800" spc="-1" strike="noStrike">
+              <a:latin typeface="Arial"/>
+            </a:endParaRPr>
+          </a:p>
+          <a:p>
+            <a:pPr marL="216000" indent="-216000">
+              <a:buClr>
+                <a:srgbClr val="000000"/>
+              </a:buClr>
+              <a:buSzPct val="45000"/>
+              <a:buFont typeface="Wingdings" charset="2"/>
+              <a:buChar char=""/>
+            </a:pPr>
+            <a:endParaRPr b="0" lang="en-US" sz="1800" spc="-1" strike="noStrike">
+              <a:latin typeface="Arial"/>
+            </a:endParaRPr>
+          </a:p>
+          <a:p>
+            <a:pPr marL="216000" indent="-216000">
+              <a:buClr>
+                <a:srgbClr val="000000"/>
+              </a:buClr>
+              <a:buSzPct val="45000"/>
+              <a:buFont typeface="Wingdings" charset="2"/>
+              <a:buChar char=""/>
+            </a:pPr>
+            <a:r>
+              <a:rPr b="0" lang="en-US" sz="1800" spc="-1" strike="noStrike">
+                <a:latin typeface="Arial"/>
+              </a:rPr>
+              <a:t>minification</a:t>
             </a:r>
             <a:endParaRPr b="0" lang="en-US" sz="1800" spc="-1" strike="noStrike">
               <a:latin typeface="Arial"/>
@@ -8605,14 +11780,14 @@
       </p:grpSpPr>
       <p:sp>
         <p:nvSpPr>
-          <p:cNvPr id="183" name="CustomShape 1"/>
+          <p:cNvPr id="187" name="CustomShape 1"/>
           <p:cNvSpPr/>
           <p:nvPr/>
         </p:nvSpPr>
         <p:spPr>
           <a:xfrm>
             <a:off x="720000" y="288000"/>
-            <a:ext cx="6613200" cy="493200"/>
+            <a:ext cx="6612840" cy="492840"/>
           </a:xfrm>
           <a:prstGeom prst="rect">
             <a:avLst/>
@@ -8644,7 +11819,7 @@
                 <a:latin typeface="Arial"/>
                 <a:ea typeface="DejaVu Sans"/>
               </a:rPr>
-              <a:t>Transpilers</a:t>
+              <a:t>Bundlers</a:t>
             </a:r>
             <a:endParaRPr b="0" lang="en-US" sz="1800" spc="-1" strike="noStrike">
               <a:latin typeface="Arial"/>
@@ -8654,14 +11829,14 @@
       </p:sp>
       <p:sp>
         <p:nvSpPr>
-          <p:cNvPr id="184" name="CustomShape 2"/>
+          <p:cNvPr id="188" name="CustomShape 2"/>
           <p:cNvSpPr/>
           <p:nvPr/>
         </p:nvSpPr>
         <p:spPr>
           <a:xfrm>
             <a:off x="4968000" y="5004000"/>
-            <a:ext cx="3229200" cy="97200"/>
+            <a:ext cx="3228840" cy="96840"/>
           </a:xfrm>
           <a:prstGeom prst="rect">
             <a:avLst/>
@@ -8703,14 +11878,14 @@
       </p:sp>
       <p:sp>
         <p:nvSpPr>
-          <p:cNvPr id="185" name="CustomShape 3"/>
+          <p:cNvPr id="189" name="CustomShape 3"/>
           <p:cNvSpPr/>
           <p:nvPr/>
         </p:nvSpPr>
         <p:spPr>
           <a:xfrm>
             <a:off x="8280000" y="5004000"/>
-            <a:ext cx="133200" cy="97200"/>
+            <a:ext cx="132840" cy="96840"/>
           </a:xfrm>
           <a:prstGeom prst="rect">
             <a:avLst/>
@@ -8734,7 +11909,7 @@
                 <a:spcPct val="100000"/>
               </a:lnSpc>
             </a:pPr>
-            <a:fld id="{AC51FF9A-9DEE-4896-A164-B26CA1A90C80}" type="slidenum">
+            <a:fld id="{C01C107C-2FA7-42B4-8874-681670651F0A}" type="slidenum">
               <a:rPr b="0" lang="en-US" sz="600" spc="-1" strike="noStrike">
                 <a:solidFill>
                   <a:srgbClr val="ffffff"/>
@@ -8742,7 +11917,7 @@
                 <a:latin typeface="Arial"/>
                 <a:ea typeface="DejaVu Sans"/>
               </a:rPr>
-              <a:t>1</a:t>
+              <a:t>&lt;number&gt;</a:t>
             </a:fld>
             <a:endParaRPr b="0" lang="en-US" sz="600" spc="-1" strike="noStrike">
               <a:latin typeface="Arial"/>
@@ -8752,14 +11927,14 @@
       </p:sp>
       <p:sp>
         <p:nvSpPr>
-          <p:cNvPr id="186" name="CustomShape 4"/>
+          <p:cNvPr id="190" name="CustomShape 4"/>
           <p:cNvSpPr/>
           <p:nvPr/>
         </p:nvSpPr>
         <p:spPr>
           <a:xfrm>
             <a:off x="602640" y="504720"/>
-            <a:ext cx="6613200" cy="3876480"/>
+            <a:ext cx="6612840" cy="3876120"/>
           </a:xfrm>
           <a:prstGeom prst="rect">
             <a:avLst/>
@@ -8793,6 +11968,423 @@
                 <a:spcPct val="120000"/>
               </a:lnSpc>
             </a:pPr>
+            <a:endParaRPr b="0" lang="en-US" sz="1800" spc="-1" strike="noStrike">
+              <a:latin typeface="Arial"/>
+            </a:endParaRPr>
+          </a:p>
+        </p:txBody>
+      </p:sp>
+      <p:pic>
+        <p:nvPicPr>
+          <p:cNvPr id="191" name="" descr=""/>
+          <p:cNvPicPr/>
+          <p:nvPr/>
+        </p:nvPicPr>
+        <p:blipFill>
+          <a:blip r:embed="rId1"/>
+          <a:stretch/>
+        </p:blipFill>
+        <p:spPr>
+          <a:xfrm>
+            <a:off x="1040760" y="822960"/>
+            <a:ext cx="1153800" cy="1153800"/>
+          </a:xfrm>
+          <a:prstGeom prst="rect">
+            <a:avLst/>
+          </a:prstGeom>
+          <a:ln>
+            <a:noFill/>
+          </a:ln>
+        </p:spPr>
+      </p:pic>
+      <p:pic>
+        <p:nvPicPr>
+          <p:cNvPr id="192" name="" descr=""/>
+          <p:cNvPicPr/>
+          <p:nvPr/>
+        </p:nvPicPr>
+        <p:blipFill>
+          <a:blip r:embed="rId2"/>
+          <a:stretch/>
+        </p:blipFill>
+        <p:spPr>
+          <a:xfrm>
+            <a:off x="3566160" y="857880"/>
+            <a:ext cx="970920" cy="970920"/>
+          </a:xfrm>
+          <a:prstGeom prst="rect">
+            <a:avLst/>
+          </a:prstGeom>
+          <a:ln>
+            <a:noFill/>
+          </a:ln>
+        </p:spPr>
+      </p:pic>
+      <p:pic>
+        <p:nvPicPr>
+          <p:cNvPr id="193" name="" descr=""/>
+          <p:cNvPicPr/>
+          <p:nvPr/>
+        </p:nvPicPr>
+        <p:blipFill>
+          <a:blip r:embed="rId3"/>
+          <a:stretch/>
+        </p:blipFill>
+        <p:spPr>
+          <a:xfrm>
+            <a:off x="6536160" y="925560"/>
+            <a:ext cx="1144800" cy="903240"/>
+          </a:xfrm>
+          <a:prstGeom prst="rect">
+            <a:avLst/>
+          </a:prstGeom>
+          <a:ln>
+            <a:noFill/>
+          </a:ln>
+        </p:spPr>
+      </p:pic>
+      <p:sp>
+        <p:nvSpPr>
+          <p:cNvPr id="194" name="TextShape 5"/>
+          <p:cNvSpPr txBox="1"/>
+          <p:nvPr/>
+        </p:nvSpPr>
+        <p:spPr>
+          <a:xfrm>
+            <a:off x="365760" y="2103120"/>
+            <a:ext cx="3017520" cy="1370160"/>
+          </a:xfrm>
+          <a:prstGeom prst="rect">
+            <a:avLst/>
+          </a:prstGeom>
+          <a:noFill/>
+          <a:ln>
+            <a:noFill/>
+          </a:ln>
+        </p:spPr>
+        <p:txBody>
+          <a:bodyPr lIns="90000" rIns="90000" tIns="45000" bIns="45000"/>
+          <a:p>
+            <a:pPr marL="216000" indent="-216000">
+              <a:buClr>
+                <a:srgbClr val="000000"/>
+              </a:buClr>
+              <a:buSzPct val="45000"/>
+              <a:buFont typeface="Wingdings" charset="2"/>
+              <a:buChar char=""/>
+            </a:pPr>
+            <a:r>
+              <a:rPr b="0" lang="en-US" sz="1800" spc="-1" strike="noStrike">
+                <a:latin typeface="Arial"/>
+              </a:rPr>
+              <a:t>Very flexible</a:t>
+            </a:r>
+            <a:endParaRPr b="0" lang="en-US" sz="1800" spc="-1" strike="noStrike">
+              <a:latin typeface="Arial"/>
+            </a:endParaRPr>
+          </a:p>
+          <a:p>
+            <a:pPr marL="216000" indent="-216000">
+              <a:buClr>
+                <a:srgbClr val="000000"/>
+              </a:buClr>
+              <a:buSzPct val="45000"/>
+              <a:buFont typeface="Wingdings" charset="2"/>
+              <a:buChar char=""/>
+            </a:pPr>
+            <a:r>
+              <a:rPr b="0" lang="en-US" sz="1800" spc="-1" strike="noStrike">
+                <a:latin typeface="Arial"/>
+              </a:rPr>
+              <a:t>Production quality builds</a:t>
+            </a:r>
+            <a:endParaRPr b="0" lang="en-US" sz="1800" spc="-1" strike="noStrike">
+              <a:latin typeface="Arial"/>
+            </a:endParaRPr>
+          </a:p>
+          <a:p>
+            <a:pPr marL="216000" indent="-216000">
+              <a:buClr>
+                <a:srgbClr val="000000"/>
+              </a:buClr>
+              <a:buSzPct val="45000"/>
+              <a:buFont typeface="Wingdings" charset="2"/>
+              <a:buChar char=""/>
+            </a:pPr>
+            <a:r>
+              <a:rPr b="0" lang="en-US" sz="1800" spc="-1" strike="noStrike">
+                <a:latin typeface="Arial"/>
+              </a:rPr>
+              <a:t>JS only out of the box</a:t>
+            </a:r>
+            <a:endParaRPr b="0" lang="en-US" sz="1800" spc="-1" strike="noStrike">
+              <a:latin typeface="Arial"/>
+            </a:endParaRPr>
+          </a:p>
+          <a:p>
+            <a:pPr marL="216000" indent="-216000">
+              <a:buClr>
+                <a:srgbClr val="000000"/>
+              </a:buClr>
+              <a:buSzPct val="45000"/>
+              <a:buFont typeface="Wingdings" charset="2"/>
+              <a:buChar char=""/>
+            </a:pPr>
+            <a:r>
+              <a:rPr b="0" lang="en-US" sz="1800" spc="-1" strike="noStrike">
+                <a:latin typeface="Arial"/>
+              </a:rPr>
+              <a:t>HMR with plugin</a:t>
+            </a:r>
+            <a:endParaRPr b="0" lang="en-US" sz="1800" spc="-1" strike="noStrike">
+              <a:latin typeface="Arial"/>
+            </a:endParaRPr>
+          </a:p>
+          <a:p>
+            <a:pPr marL="216000" indent="-216000">
+              <a:buClr>
+                <a:srgbClr val="000000"/>
+              </a:buClr>
+              <a:buSzPct val="45000"/>
+              <a:buFont typeface="Wingdings" charset="2"/>
+              <a:buChar char=""/>
+            </a:pPr>
+            <a:endParaRPr b="0" lang="en-US" sz="1800" spc="-1" strike="noStrike">
+              <a:latin typeface="Arial"/>
+            </a:endParaRPr>
+          </a:p>
+        </p:txBody>
+      </p:sp>
+      <p:sp>
+        <p:nvSpPr>
+          <p:cNvPr id="195" name="TextShape 6"/>
+          <p:cNvSpPr txBox="1"/>
+          <p:nvPr/>
+        </p:nvSpPr>
+        <p:spPr>
+          <a:xfrm>
+            <a:off x="6766560" y="2103120"/>
+            <a:ext cx="2286000" cy="1882080"/>
+          </a:xfrm>
+          <a:prstGeom prst="rect">
+            <a:avLst/>
+          </a:prstGeom>
+          <a:noFill/>
+          <a:ln>
+            <a:noFill/>
+          </a:ln>
+        </p:spPr>
+        <p:txBody>
+          <a:bodyPr lIns="90000" rIns="90000" tIns="45000" bIns="45000"/>
+          <a:p>
+            <a:pPr marL="216000" indent="-216000">
+              <a:buClr>
+                <a:srgbClr val="000000"/>
+              </a:buClr>
+              <a:buSzPct val="45000"/>
+              <a:buFont typeface="Wingdings" charset="2"/>
+              <a:buChar char=""/>
+            </a:pPr>
+            <a:r>
+              <a:rPr b="0" lang="en-US" sz="1800" spc="-1" strike="noStrike">
+                <a:latin typeface="Arial"/>
+              </a:rPr>
+              <a:t>No config</a:t>
+            </a:r>
+            <a:endParaRPr b="0" lang="en-US" sz="1800" spc="-1" strike="noStrike">
+              <a:latin typeface="Arial"/>
+            </a:endParaRPr>
+          </a:p>
+          <a:p>
+            <a:pPr marL="216000" indent="-216000">
+              <a:buClr>
+                <a:srgbClr val="000000"/>
+              </a:buClr>
+              <a:buSzPct val="45000"/>
+              <a:buFont typeface="Wingdings" charset="2"/>
+              <a:buChar char=""/>
+            </a:pPr>
+            <a:r>
+              <a:rPr b="0" lang="en-US" sz="1800" spc="-1" strike="noStrike">
+                <a:latin typeface="Arial"/>
+              </a:rPr>
+              <a:t>Very fast</a:t>
+            </a:r>
+            <a:endParaRPr b="0" lang="en-US" sz="1800" spc="-1" strike="noStrike">
+              <a:latin typeface="Arial"/>
+            </a:endParaRPr>
+          </a:p>
+          <a:p>
+            <a:pPr marL="216000" indent="-216000">
+              <a:buClr>
+                <a:srgbClr val="000000"/>
+              </a:buClr>
+              <a:buSzPct val="45000"/>
+              <a:buFont typeface="Wingdings" charset="2"/>
+              <a:buChar char=""/>
+            </a:pPr>
+            <a:r>
+              <a:rPr b="0" lang="en-US" sz="1800" spc="-1" strike="noStrike">
+                <a:latin typeface="Arial"/>
+              </a:rPr>
+              <a:t>Support various filetypes out of the box</a:t>
+            </a:r>
+            <a:endParaRPr b="0" lang="en-US" sz="1800" spc="-1" strike="noStrike">
+              <a:latin typeface="Arial"/>
+            </a:endParaRPr>
+          </a:p>
+          <a:p>
+            <a:pPr marL="216000" indent="-216000">
+              <a:buClr>
+                <a:srgbClr val="000000"/>
+              </a:buClr>
+              <a:buSzPct val="45000"/>
+              <a:buFont typeface="Wingdings" charset="2"/>
+              <a:buChar char=""/>
+            </a:pPr>
+            <a:r>
+              <a:rPr b="0" lang="en-US" sz="1800" spc="-1" strike="noStrike">
+                <a:latin typeface="Arial"/>
+              </a:rPr>
+              <a:t>HMR out of the box</a:t>
+            </a:r>
+            <a:endParaRPr b="0" lang="en-US" sz="1800" spc="-1" strike="noStrike">
+              <a:latin typeface="Arial"/>
+            </a:endParaRPr>
+          </a:p>
+        </p:txBody>
+      </p:sp>
+      <p:sp>
+        <p:nvSpPr>
+          <p:cNvPr id="196" name="TextShape 7"/>
+          <p:cNvSpPr txBox="1"/>
+          <p:nvPr/>
+        </p:nvSpPr>
+        <p:spPr>
+          <a:xfrm>
+            <a:off x="3749040" y="2103120"/>
+            <a:ext cx="2468880" cy="2905920"/>
+          </a:xfrm>
+          <a:prstGeom prst="rect">
+            <a:avLst/>
+          </a:prstGeom>
+          <a:noFill/>
+          <a:ln>
+            <a:noFill/>
+          </a:ln>
+        </p:spPr>
+        <p:txBody>
+          <a:bodyPr lIns="90000" rIns="90000" tIns="45000" bIns="45000"/>
+          <a:p>
+            <a:pPr marL="216000" indent="-216000">
+              <a:buClr>
+                <a:srgbClr val="000000"/>
+              </a:buClr>
+              <a:buSzPct val="45000"/>
+              <a:buFont typeface="Wingdings" charset="2"/>
+              <a:buChar char=""/>
+            </a:pPr>
+            <a:r>
+              <a:rPr b="0" lang="en-US" sz="1800" spc="-1" strike="noStrike">
+                <a:latin typeface="Arial"/>
+              </a:rPr>
+              <a:t>Standard output to ES2015</a:t>
+            </a:r>
+            <a:endParaRPr b="0" lang="en-US" sz="1800" spc="-1" strike="noStrike">
+              <a:latin typeface="Arial"/>
+            </a:endParaRPr>
+          </a:p>
+          <a:p>
+            <a:pPr marL="216000" indent="-216000">
+              <a:buClr>
+                <a:srgbClr val="000000"/>
+              </a:buClr>
+              <a:buSzPct val="45000"/>
+              <a:buFont typeface="Wingdings" charset="2"/>
+              <a:buChar char=""/>
+            </a:pPr>
+            <a:r>
+              <a:rPr b="0" lang="en-US" sz="1800" spc="-1" strike="noStrike">
+                <a:latin typeface="Arial"/>
+              </a:rPr>
+              <a:t>Excellent dead code elimination</a:t>
+            </a:r>
+            <a:endParaRPr b="0" lang="en-US" sz="1800" spc="-1" strike="noStrike">
+              <a:latin typeface="Arial"/>
+            </a:endParaRPr>
+          </a:p>
+          <a:p>
+            <a:pPr marL="216000" indent="-216000">
+              <a:buClr>
+                <a:srgbClr val="000000"/>
+              </a:buClr>
+              <a:buSzPct val="45000"/>
+              <a:buFont typeface="Wingdings" charset="2"/>
+              <a:buChar char=""/>
+            </a:pPr>
+            <a:r>
+              <a:rPr b="0" lang="en-US" sz="1800" spc="-1" strike="noStrike">
+                <a:latin typeface="Arial"/>
+              </a:rPr>
+              <a:t>JS only out of the box</a:t>
+            </a:r>
+            <a:endParaRPr b="0" lang="en-US" sz="1800" spc="-1" strike="noStrike">
+              <a:latin typeface="Arial"/>
+            </a:endParaRPr>
+          </a:p>
+          <a:p>
+            <a:pPr marL="216000" indent="-216000">
+              <a:buClr>
+                <a:srgbClr val="000000"/>
+              </a:buClr>
+              <a:buSzPct val="45000"/>
+              <a:buFont typeface="Wingdings" charset="2"/>
+              <a:buChar char=""/>
+            </a:pPr>
+            <a:r>
+              <a:rPr b="0" lang="en-US" sz="1800" spc="-1" strike="noStrike">
+                <a:latin typeface="Arial"/>
+              </a:rPr>
+              <a:t>No HMR</a:t>
+            </a:r>
+            <a:endParaRPr b="0" lang="en-US" sz="1800" spc="-1" strike="noStrike">
+              <a:latin typeface="Arial"/>
+            </a:endParaRPr>
+          </a:p>
+          <a:p>
+            <a:pPr marL="216000" indent="-216000">
+              <a:buClr>
+                <a:srgbClr val="000000"/>
+              </a:buClr>
+              <a:buSzPct val="45000"/>
+              <a:buFont typeface="Wingdings" charset="2"/>
+              <a:buChar char=""/>
+            </a:pPr>
+            <a:r>
+              <a:rPr b="0" lang="en-US" sz="1800" spc="-1" strike="noStrike">
+                <a:latin typeface="Arial"/>
+              </a:rPr>
+              <a:t>Easier config than webpack</a:t>
+            </a:r>
+            <a:endParaRPr b="0" lang="en-US" sz="1800" spc="-1" strike="noStrike">
+              <a:latin typeface="Arial"/>
+            </a:endParaRPr>
+          </a:p>
+          <a:p>
+            <a:pPr marL="216000" indent="-216000">
+              <a:buClr>
+                <a:srgbClr val="000000"/>
+              </a:buClr>
+              <a:buSzPct val="45000"/>
+              <a:buFont typeface="Wingdings" charset="2"/>
+              <a:buChar char=""/>
+            </a:pPr>
+            <a:r>
+              <a:rPr b="0" lang="en-US" sz="1800" spc="-1" strike="noStrike">
+                <a:latin typeface="Arial"/>
+              </a:rPr>
+              <a:t>Faster than webpack</a:t>
+            </a:r>
             <a:endParaRPr b="0" lang="en-US" sz="1800" spc="-1" strike="noStrike">
               <a:latin typeface="Arial"/>
             </a:endParaRPr>
@@ -8850,14 +12442,14 @@
       </p:grpSpPr>
       <p:sp>
         <p:nvSpPr>
-          <p:cNvPr id="187" name="CustomShape 1"/>
+          <p:cNvPr id="197" name="CustomShape 1"/>
           <p:cNvSpPr/>
           <p:nvPr/>
         </p:nvSpPr>
         <p:spPr>
           <a:xfrm>
             <a:off x="720000" y="288000"/>
-            <a:ext cx="6613200" cy="493200"/>
+            <a:ext cx="6612840" cy="492840"/>
           </a:xfrm>
           <a:prstGeom prst="rect">
             <a:avLst/>
@@ -8889,7 +12481,7 @@
                 <a:latin typeface="Arial"/>
                 <a:ea typeface="DejaVu Sans"/>
               </a:rPr>
-              <a:t>Linters</a:t>
+              <a:t>Transpilers</a:t>
             </a:r>
             <a:endParaRPr b="0" lang="en-US" sz="1800" spc="-1" strike="noStrike">
               <a:latin typeface="Arial"/>
@@ -8899,14 +12491,14 @@
       </p:sp>
       <p:sp>
         <p:nvSpPr>
-          <p:cNvPr id="188" name="CustomShape 2"/>
+          <p:cNvPr id="198" name="CustomShape 2"/>
           <p:cNvSpPr/>
           <p:nvPr/>
         </p:nvSpPr>
         <p:spPr>
           <a:xfrm>
             <a:off x="4968000" y="5004000"/>
-            <a:ext cx="3229200" cy="97200"/>
+            <a:ext cx="3228840" cy="96840"/>
           </a:xfrm>
           <a:prstGeom prst="rect">
             <a:avLst/>
@@ -8948,14 +12540,14 @@
       </p:sp>
       <p:sp>
         <p:nvSpPr>
-          <p:cNvPr id="189" name="CustomShape 3"/>
+          <p:cNvPr id="199" name="CustomShape 3"/>
           <p:cNvSpPr/>
           <p:nvPr/>
         </p:nvSpPr>
         <p:spPr>
           <a:xfrm>
             <a:off x="8280000" y="5004000"/>
-            <a:ext cx="133200" cy="97200"/>
+            <a:ext cx="132840" cy="96840"/>
           </a:xfrm>
           <a:prstGeom prst="rect">
             <a:avLst/>
@@ -8979,7 +12571,7 @@
                 <a:spcPct val="100000"/>
               </a:lnSpc>
             </a:pPr>
-            <a:fld id="{87FF2954-9608-4C04-ACB9-08A9196CE06B}" type="slidenum">
+            <a:fld id="{76AF243E-2AFF-452B-ACA0-5E55DE4FA256}" type="slidenum">
               <a:rPr b="0" lang="en-US" sz="600" spc="-1" strike="noStrike">
                 <a:solidFill>
                   <a:srgbClr val="ffffff"/>
@@ -8987,7 +12579,7 @@
                 <a:latin typeface="Arial"/>
                 <a:ea typeface="DejaVu Sans"/>
               </a:rPr>
-              <a:t>1</a:t>
+              <a:t>&lt;number&gt;</a:t>
             </a:fld>
             <a:endParaRPr b="0" lang="en-US" sz="600" spc="-1" strike="noStrike">
               <a:latin typeface="Arial"/>
@@ -8997,14 +12589,14 @@
       </p:sp>
       <p:sp>
         <p:nvSpPr>
-          <p:cNvPr id="190" name="CustomShape 4"/>
+          <p:cNvPr id="200" name="CustomShape 4"/>
           <p:cNvSpPr/>
           <p:nvPr/>
         </p:nvSpPr>
         <p:spPr>
           <a:xfrm>
             <a:off x="602640" y="504720"/>
-            <a:ext cx="6613200" cy="3876480"/>
+            <a:ext cx="6612840" cy="3876120"/>
           </a:xfrm>
           <a:prstGeom prst="rect">
             <a:avLst/>
@@ -9044,6 +12636,75 @@
           </a:p>
         </p:txBody>
       </p:sp>
+      <p:pic>
+        <p:nvPicPr>
+          <p:cNvPr id="201" name="" descr=""/>
+          <p:cNvPicPr/>
+          <p:nvPr/>
+        </p:nvPicPr>
+        <p:blipFill>
+          <a:blip r:embed="rId1"/>
+          <a:stretch/>
+        </p:blipFill>
+        <p:spPr>
+          <a:xfrm>
+            <a:off x="1005840" y="2103120"/>
+            <a:ext cx="822960" cy="822960"/>
+          </a:xfrm>
+          <a:prstGeom prst="rect">
+            <a:avLst/>
+          </a:prstGeom>
+          <a:ln>
+            <a:noFill/>
+          </a:ln>
+        </p:spPr>
+      </p:pic>
+      <p:pic>
+        <p:nvPicPr>
+          <p:cNvPr id="202" name="" descr=""/>
+          <p:cNvPicPr/>
+          <p:nvPr/>
+        </p:nvPicPr>
+        <p:blipFill>
+          <a:blip r:embed="rId2"/>
+          <a:stretch/>
+        </p:blipFill>
+        <p:spPr>
+          <a:xfrm>
+            <a:off x="3931920" y="1920240"/>
+            <a:ext cx="1056960" cy="849600"/>
+          </a:xfrm>
+          <a:prstGeom prst="rect">
+            <a:avLst/>
+          </a:prstGeom>
+          <a:ln>
+            <a:noFill/>
+          </a:ln>
+        </p:spPr>
+      </p:pic>
+      <p:pic>
+        <p:nvPicPr>
+          <p:cNvPr id="203" name="" descr=""/>
+          <p:cNvPicPr/>
+          <p:nvPr/>
+        </p:nvPicPr>
+        <p:blipFill>
+          <a:blip r:embed="rId3"/>
+          <a:stretch/>
+        </p:blipFill>
+        <p:spPr>
+          <a:xfrm>
+            <a:off x="6858000" y="2121840"/>
+            <a:ext cx="1371600" cy="621360"/>
+          </a:xfrm>
+          <a:prstGeom prst="rect">
+            <a:avLst/>
+          </a:prstGeom>
+          <a:ln>
+            <a:noFill/>
+          </a:ln>
+        </p:spPr>
+      </p:pic>
     </p:spTree>
   </p:cSld>
   <p:timing>

--- a/React SIG 3 slides.pptx
+++ b/React SIG 3 slides.pptx
@@ -127,6 +127,11 @@
       </a:defRPr>
     </a:lvl9pPr>
   </p:defaultTextStyle>
+  <p:extLst>
+    <p:ext uri="{EFAFB233-063F-42B5-8137-9DF3F51BA10A}">
+      <p15:sldGuideLst xmlns:p15="http://schemas.microsoft.com/office/powerpoint/2012/main"/>
+    </p:ext>
+  </p:extLst>
 </p:presentation>
 </file>
 
@@ -530,11 +535,7 @@
             </a:r>
             <a:r>
               <a:rPr lang="nl-NL" dirty="0" err="1"/>
-              <a:t>npm</a:t>
-            </a:r>
-            <a:r>
-              <a:rPr lang="nl-NL" dirty="0"/>
-              <a:t> run ….</a:t>
+              <a:t>Package.json</a:t>
             </a:r>
             <a:endParaRPr lang="en-NL" dirty="0"/>
           </a:p>
@@ -622,15 +623,7 @@
           <a:p>
             <a:r>
               <a:rPr lang="nl-NL" dirty="0"/>
-              <a:t>Parcel hobby weinig </a:t>
-            </a:r>
-            <a:r>
-              <a:rPr lang="nl-NL" dirty="0" err="1"/>
-              <a:t>configuties</a:t>
-            </a:r>
-            <a:r>
-              <a:rPr lang="nl-NL" dirty="0"/>
-              <a:t> nodig; </a:t>
+              <a:t>Parcel hobbyproject weinig configuraties nodig; </a:t>
             </a:r>
             <a:r>
               <a:rPr lang="nl-NL" dirty="0" err="1"/>
@@ -639,6 +632,14 @@
             <a:r>
               <a:rPr lang="nl-NL" dirty="0"/>
               <a:t> productie project; </a:t>
+            </a:r>
+            <a:r>
+              <a:rPr lang="nl-NL" dirty="0" err="1"/>
+              <a:t>rollup</a:t>
+            </a:r>
+            <a:r>
+              <a:rPr lang="nl-NL" dirty="0"/>
+              <a:t> </a:t>
             </a:r>
             <a:r>
               <a:rPr lang="nl-NL" dirty="0" err="1"/>
@@ -12883,7 +12884,7 @@
         </p:blipFill>
         <p:spPr>
           <a:xfrm>
-            <a:off x="5211720" y="1019880"/>
+            <a:off x="5576940" y="613621"/>
             <a:ext cx="2010960" cy="1266120"/>
           </a:xfrm>
           <a:prstGeom prst="rect">
@@ -12906,7 +12907,7 @@
         </p:blipFill>
         <p:spPr>
           <a:xfrm>
-            <a:off x="4589280" y="1097280"/>
+            <a:off x="4434660" y="762660"/>
             <a:ext cx="1262880" cy="1174680"/>
           </a:xfrm>
           <a:prstGeom prst="rect">
@@ -12915,6 +12916,42 @@
           <a:ln>
             <a:noFill/>
           </a:ln>
+        </p:spPr>
+      </p:pic>
+      <p:pic>
+        <p:nvPicPr>
+          <p:cNvPr id="3" name="Afbeelding 2">
+            <a:extLst>
+              <a:ext uri="{FF2B5EF4-FFF2-40B4-BE49-F238E27FC236}">
+                <a16:creationId xmlns:a16="http://schemas.microsoft.com/office/drawing/2014/main" id="{8EF4FBF4-2322-4FAE-BC04-D8A5A98C7243}"/>
+              </a:ext>
+            </a:extLst>
+          </p:cNvPr>
+          <p:cNvPicPr>
+            <a:picLocks noChangeAspect="1"/>
+          </p:cNvPicPr>
+          <p:nvPr/>
+        </p:nvPicPr>
+        <p:blipFill>
+          <a:blip r:embed="rId4">
+            <a:extLst>
+              <a:ext uri="{28A0092B-C50C-407E-A947-70E740481C1C}">
+                <a14:useLocalDpi xmlns:a14="http://schemas.microsoft.com/office/drawing/2010/main" val="0"/>
+              </a:ext>
+            </a:extLst>
+          </a:blip>
+          <a:stretch>
+            <a:fillRect/>
+          </a:stretch>
+        </p:blipFill>
+        <p:spPr>
+          <a:xfrm>
+            <a:off x="4411599" y="2305239"/>
+            <a:ext cx="3299853" cy="1954282"/>
+          </a:xfrm>
+          <a:prstGeom prst="rect">
+            <a:avLst/>
+          </a:prstGeom>
         </p:spPr>
       </p:pic>
     </p:spTree>
@@ -13010,7 +13047,7 @@
               </a:lnSpc>
             </a:pPr>
             <a:r>
-              <a:rPr lang="en-US" sz="1800" b="1" strike="noStrike" spc="-1">
+              <a:rPr lang="en-US" sz="1800" b="1" strike="noStrike" spc="-1" dirty="0">
                 <a:solidFill>
                   <a:srgbClr val="E63232"/>
                 </a:solidFill>
@@ -13019,7 +13056,7 @@
               </a:rPr>
               <a:t>NPM</a:t>
             </a:r>
-            <a:endParaRPr lang="en-US" sz="1800" b="0" strike="noStrike" spc="-1">
+            <a:endParaRPr lang="en-US" sz="1800" b="0" strike="noStrike" spc="-1" dirty="0">
               <a:latin typeface="Arial"/>
             </a:endParaRPr>
           </a:p>
@@ -13240,7 +13277,7 @@
               <a:buChar char=""/>
             </a:pPr>
             <a:r>
-              <a:rPr lang="en-US" sz="1800" b="0" strike="noStrike" spc="-1">
+              <a:rPr lang="en-US" sz="1800" b="0" strike="noStrike" spc="-1" dirty="0">
                 <a:latin typeface="Arial"/>
               </a:rPr>
               <a:t>Dependencies</a:t>
@@ -13252,7 +13289,7 @@
                 <a:spcPct val="100000"/>
               </a:lnSpc>
             </a:pPr>
-            <a:endParaRPr lang="en-US" sz="1800" b="0" strike="noStrike" spc="-1">
+            <a:endParaRPr lang="en-US" sz="1800" b="0" strike="noStrike" spc="-1" dirty="0">
               <a:latin typeface="Arial"/>
             </a:endParaRPr>
           </a:p>
@@ -13269,7 +13306,7 @@
               <a:buChar char=""/>
             </a:pPr>
             <a:r>
-              <a:rPr lang="en-US" sz="1800" b="0" strike="noStrike" spc="-1">
+              <a:rPr lang="en-US" sz="1800" b="0" strike="noStrike" spc="-1" dirty="0">
                 <a:latin typeface="Arial"/>
               </a:rPr>
               <a:t>Scripts</a:t>
@@ -13281,7 +13318,7 @@
                 <a:spcPct val="100000"/>
               </a:lnSpc>
             </a:pPr>
-            <a:endParaRPr lang="en-US" sz="1800" b="0" strike="noStrike" spc="-1">
+            <a:endParaRPr lang="en-US" sz="1800" b="0" strike="noStrike" spc="-1" dirty="0">
               <a:latin typeface="Arial"/>
             </a:endParaRPr>
           </a:p>
@@ -13298,7 +13335,7 @@
               <a:buChar char=""/>
             </a:pPr>
             <a:r>
-              <a:rPr lang="en-US" sz="1800" b="0" strike="noStrike" spc="-1">
+              <a:rPr lang="en-US" sz="1800" b="0" strike="noStrike" spc="-1" dirty="0">
                 <a:latin typeface="Arial"/>
               </a:rPr>
               <a:t>Config</a:t>
@@ -13310,7 +13347,7 @@
                 <a:spcPct val="100000"/>
               </a:lnSpc>
             </a:pPr>
-            <a:endParaRPr lang="en-US" sz="1800" b="0" strike="noStrike" spc="-1">
+            <a:endParaRPr lang="en-US" sz="1800" b="0" strike="noStrike" spc="-1" dirty="0">
               <a:latin typeface="Arial"/>
             </a:endParaRPr>
           </a:p>
@@ -13327,7 +13364,7 @@
               <a:buChar char=""/>
             </a:pPr>
             <a:r>
-              <a:rPr lang="en-US" sz="1800" b="0" strike="noStrike" spc="-1">
+              <a:rPr lang="en-US" sz="1800" b="0" strike="noStrike" spc="-1" dirty="0">
                 <a:latin typeface="Arial"/>
               </a:rPr>
               <a:t>Project information </a:t>
